--- a/Lecture/Lecture 23/Lecture 23.pptx
+++ b/Lecture/Lecture 23/Lecture 23.pptx
@@ -6,47 +6,34 @@
     <p:sldMasterId id="2147483676" r:id="rId2"/>
   </p:sldMasterIdLst>
   <p:notesMasterIdLst>
-    <p:notesMasterId r:id="rId33"/>
+    <p:notesMasterId r:id="rId20"/>
   </p:notesMasterIdLst>
   <p:handoutMasterIdLst>
-    <p:handoutMasterId r:id="rId34"/>
+    <p:handoutMasterId r:id="rId21"/>
   </p:handoutMasterIdLst>
   <p:sldIdLst>
     <p:sldId id="320" r:id="rId3"/>
     <p:sldId id="399" r:id="rId4"/>
     <p:sldId id="404" r:id="rId5"/>
     <p:sldId id="402" r:id="rId6"/>
-    <p:sldId id="403" r:id="rId7"/>
-    <p:sldId id="401" r:id="rId8"/>
-    <p:sldId id="405" r:id="rId9"/>
-    <p:sldId id="406" r:id="rId10"/>
-    <p:sldId id="408" r:id="rId11"/>
-    <p:sldId id="407" r:id="rId12"/>
-    <p:sldId id="410" r:id="rId13"/>
-    <p:sldId id="411" r:id="rId14"/>
-    <p:sldId id="414" r:id="rId15"/>
-    <p:sldId id="412" r:id="rId16"/>
-    <p:sldId id="416" r:id="rId17"/>
-    <p:sldId id="415" r:id="rId18"/>
-    <p:sldId id="417" r:id="rId19"/>
-    <p:sldId id="413" r:id="rId20"/>
-    <p:sldId id="400" r:id="rId21"/>
-    <p:sldId id="418" r:id="rId22"/>
-    <p:sldId id="423" r:id="rId23"/>
-    <p:sldId id="422" r:id="rId24"/>
-    <p:sldId id="419" r:id="rId25"/>
-    <p:sldId id="420" r:id="rId26"/>
-    <p:sldId id="421" r:id="rId27"/>
-    <p:sldId id="425" r:id="rId28"/>
-    <p:sldId id="424" r:id="rId29"/>
-    <p:sldId id="426" r:id="rId30"/>
-    <p:sldId id="427" r:id="rId31"/>
-    <p:sldId id="329" r:id="rId32"/>
+    <p:sldId id="401" r:id="rId7"/>
+    <p:sldId id="405" r:id="rId8"/>
+    <p:sldId id="406" r:id="rId9"/>
+    <p:sldId id="408" r:id="rId10"/>
+    <p:sldId id="407" r:id="rId11"/>
+    <p:sldId id="410" r:id="rId12"/>
+    <p:sldId id="411" r:id="rId13"/>
+    <p:sldId id="414" r:id="rId14"/>
+    <p:sldId id="412" r:id="rId15"/>
+    <p:sldId id="416" r:id="rId16"/>
+    <p:sldId id="415" r:id="rId17"/>
+    <p:sldId id="417" r:id="rId18"/>
+    <p:sldId id="329" r:id="rId19"/>
   </p:sldIdLst>
   <p:sldSz cx="9144000" cy="6858000" type="screen4x3"/>
   <p:notesSz cx="6858000" cy="9144000"/>
   <p:custDataLst>
-    <p:tags r:id="rId35"/>
+    <p:tags r:id="rId22"/>
   </p:custDataLst>
   <p:defaultTextStyle>
     <a:defPPr>
@@ -317,7 +304,7 @@
               <a:pPr>
                 <a:defRPr/>
               </a:pPr>
-              <a:t>10/28/2018</a:t>
+              <a:t>10/29/2018</a:t>
             </a:fld>
             <a:endParaRPr lang="en-US" dirty="0"/>
           </a:p>
@@ -529,7 +516,7 @@
               <a:pPr>
                 <a:defRPr/>
               </a:pPr>
-              <a:t>10/28/2018</a:t>
+              <a:t>10/29/2018</a:t>
             </a:fld>
             <a:endParaRPr lang="en-US" dirty="0"/>
           </a:p>
@@ -1048,7 +1035,7 @@
               <a:pPr>
                 <a:defRPr/>
               </a:pPr>
-              <a:t>10/28/2018</a:t>
+              <a:t>10/29/2018</a:t>
             </a:fld>
             <a:endParaRPr lang="en-US" dirty="0"/>
           </a:p>
@@ -1238,7 +1225,7 @@
               <a:pPr>
                 <a:defRPr/>
               </a:pPr>
-              <a:t>10/28/2018</a:t>
+              <a:t>10/29/2018</a:t>
             </a:fld>
             <a:endParaRPr lang="en-US" dirty="0"/>
           </a:p>
@@ -1438,7 +1425,7 @@
               <a:pPr>
                 <a:defRPr/>
               </a:pPr>
-              <a:t>10/28/2018</a:t>
+              <a:t>10/29/2018</a:t>
             </a:fld>
             <a:endParaRPr lang="en-US" dirty="0"/>
           </a:p>
@@ -1706,7 +1693,7 @@
               <a:pPr>
                 <a:defRPr/>
               </a:pPr>
-              <a:t>10/28/2018</a:t>
+              <a:t>10/29/2018</a:t>
             </a:fld>
             <a:endParaRPr lang="en-US" dirty="0">
               <a:solidFill>
@@ -1920,7 +1907,7 @@
               <a:pPr>
                 <a:defRPr/>
               </a:pPr>
-              <a:t>10/28/2018</a:t>
+              <a:t>10/29/2018</a:t>
             </a:fld>
             <a:endParaRPr lang="en-US" dirty="0">
               <a:solidFill>
@@ -2211,7 +2198,7 @@
               <a:pPr>
                 <a:defRPr/>
               </a:pPr>
-              <a:t>10/28/2018</a:t>
+              <a:t>10/29/2018</a:t>
             </a:fld>
             <a:endParaRPr lang="en-US" dirty="0">
               <a:solidFill>
@@ -2542,7 +2529,7 @@
               <a:pPr>
                 <a:defRPr/>
               </a:pPr>
-              <a:t>10/28/2018</a:t>
+              <a:t>10/29/2018</a:t>
             </a:fld>
             <a:endParaRPr lang="en-US" dirty="0">
               <a:solidFill>
@@ -3007,7 +2994,7 @@
               <a:pPr>
                 <a:defRPr/>
               </a:pPr>
-              <a:t>10/28/2018</a:t>
+              <a:t>10/29/2018</a:t>
             </a:fld>
             <a:endParaRPr lang="en-US" dirty="0">
               <a:solidFill>
@@ -3170,7 +3157,7 @@
               <a:pPr>
                 <a:defRPr/>
               </a:pPr>
-              <a:t>10/28/2018</a:t>
+              <a:t>10/29/2018</a:t>
             </a:fld>
             <a:endParaRPr lang="en-US" dirty="0">
               <a:solidFill>
@@ -3311,7 +3298,7 @@
               <a:pPr>
                 <a:defRPr/>
               </a:pPr>
-              <a:t>10/28/2018</a:t>
+              <a:t>10/29/2018</a:t>
             </a:fld>
             <a:endParaRPr lang="en-US" dirty="0">
               <a:solidFill>
@@ -3632,7 +3619,7 @@
               <a:pPr>
                 <a:defRPr/>
               </a:pPr>
-              <a:t>10/28/2018</a:t>
+              <a:t>10/29/2018</a:t>
             </a:fld>
             <a:endParaRPr lang="en-US" dirty="0">
               <a:solidFill>
@@ -3840,7 +3827,7 @@
               <a:pPr>
                 <a:defRPr/>
               </a:pPr>
-              <a:t>10/28/2018</a:t>
+              <a:t>10/29/2018</a:t>
             </a:fld>
             <a:endParaRPr lang="en-US" dirty="0"/>
           </a:p>
@@ -4123,7 +4110,7 @@
               <a:pPr>
                 <a:defRPr/>
               </a:pPr>
-              <a:t>10/28/2018</a:t>
+              <a:t>10/29/2018</a:t>
             </a:fld>
             <a:endParaRPr lang="en-US" dirty="0">
               <a:solidFill>
@@ -4337,7 +4324,7 @@
               <a:pPr>
                 <a:defRPr/>
               </a:pPr>
-              <a:t>10/28/2018</a:t>
+              <a:t>10/29/2018</a:t>
             </a:fld>
             <a:endParaRPr lang="en-US" dirty="0">
               <a:solidFill>
@@ -4561,7 +4548,7 @@
               <a:pPr>
                 <a:defRPr/>
               </a:pPr>
-              <a:t>10/28/2018</a:t>
+              <a:t>10/29/2018</a:t>
             </a:fld>
             <a:endParaRPr lang="en-US" dirty="0">
               <a:solidFill>
@@ -4771,7 +4758,7 @@
               <a:pPr>
                 <a:defRPr/>
               </a:pPr>
-              <a:t>10/28/2018</a:t>
+              <a:t>10/29/2018</a:t>
             </a:fld>
             <a:endParaRPr lang="en-US" dirty="0">
               <a:solidFill>
@@ -5048,7 +5035,7 @@
               <a:pPr>
                 <a:defRPr/>
               </a:pPr>
-              <a:t>10/28/2018</a:t>
+              <a:t>10/29/2018</a:t>
             </a:fld>
             <a:endParaRPr lang="en-US" dirty="0"/>
           </a:p>
@@ -5355,7 +5342,7 @@
               <a:pPr>
                 <a:defRPr/>
               </a:pPr>
-              <a:t>10/28/2018</a:t>
+              <a:t>10/29/2018</a:t>
             </a:fld>
             <a:endParaRPr lang="en-US" dirty="0"/>
           </a:p>
@@ -5796,7 +5783,7 @@
               <a:pPr>
                 <a:defRPr/>
               </a:pPr>
-              <a:t>10/28/2018</a:t>
+              <a:t>10/29/2018</a:t>
             </a:fld>
             <a:endParaRPr lang="en-US" dirty="0"/>
           </a:p>
@@ -5935,7 +5922,7 @@
               <a:pPr>
                 <a:defRPr/>
               </a:pPr>
-              <a:t>10/28/2018</a:t>
+              <a:t>10/29/2018</a:t>
             </a:fld>
             <a:endParaRPr lang="en-US" dirty="0"/>
           </a:p>
@@ -6052,7 +6039,7 @@
               <a:pPr>
                 <a:defRPr/>
               </a:pPr>
-              <a:t>10/28/2018</a:t>
+              <a:t>10/29/2018</a:t>
             </a:fld>
             <a:endParaRPr lang="en-US" dirty="0"/>
           </a:p>
@@ -6349,7 +6336,7 @@
               <a:pPr>
                 <a:defRPr/>
               </a:pPr>
-              <a:t>10/28/2018</a:t>
+              <a:t>10/29/2018</a:t>
             </a:fld>
             <a:endParaRPr lang="en-US" dirty="0"/>
           </a:p>
@@ -6626,7 +6613,7 @@
               <a:pPr>
                 <a:defRPr/>
               </a:pPr>
-              <a:t>10/28/2018</a:t>
+              <a:t>10/29/2018</a:t>
             </a:fld>
             <a:endParaRPr lang="en-US" dirty="0"/>
           </a:p>
@@ -6883,7 +6870,7 @@
               <a:pPr>
                 <a:defRPr/>
               </a:pPr>
-              <a:t>10/28/2018</a:t>
+              <a:t>10/29/2018</a:t>
             </a:fld>
             <a:endParaRPr lang="en-US" dirty="0"/>
           </a:p>
@@ -7593,7 +7580,7 @@
               <a:pPr>
                 <a:defRPr/>
               </a:pPr>
-              <a:t>10/28/2018</a:t>
+              <a:t>10/29/2018</a:t>
             </a:fld>
             <a:endParaRPr lang="en-US" dirty="0">
               <a:solidFill>
@@ -8695,444 +8682,6 @@
         </p:nvSpPr>
         <p:spPr>
           <a:xfrm>
-            <a:off x="3810000" y="643467"/>
-            <a:ext cx="5334000" cy="5262979"/>
-          </a:xfrm>
-          <a:prstGeom prst="rect">
-            <a:avLst/>
-          </a:prstGeom>
-          <a:noFill/>
-        </p:spPr>
-        <p:txBody>
-          <a:bodyPr wrap="square" rtlCol="0">
-            <a:spAutoFit/>
-          </a:bodyPr>
-          <a:lstStyle/>
-          <a:p>
-            <a:pPr marL="342900" indent="-342900">
-              <a:buFont typeface="Arial" panose="020B0604020202020204" pitchFamily="34" charset="0"/>
-              <a:buChar char="•"/>
-              <a:defRPr/>
-            </a:pPr>
-            <a:r>
-              <a:rPr lang="en-US" dirty="0">
-                <a:solidFill>
-                  <a:srgbClr val="404040"/>
-                </a:solidFill>
-              </a:rPr>
-              <a:t>Chunk 3</a:t>
-            </a:r>
-          </a:p>
-          <a:p>
-            <a:pPr marL="342900" indent="-342900">
-              <a:buFont typeface="Arial" panose="020B0604020202020204" pitchFamily="34" charset="0"/>
-              <a:buChar char="•"/>
-              <a:defRPr/>
-            </a:pPr>
-            <a:endParaRPr lang="en-US" dirty="0">
-              <a:solidFill>
-                <a:srgbClr val="404040"/>
-              </a:solidFill>
-            </a:endParaRPr>
-          </a:p>
-          <a:p>
-            <a:pPr marL="800100" lvl="1" indent="-342900">
-              <a:buFont typeface="Arial" panose="020B0604020202020204" pitchFamily="34" charset="0"/>
-              <a:buChar char="•"/>
-              <a:defRPr/>
-            </a:pPr>
-            <a:r>
-              <a:rPr lang="en-US" dirty="0">
-                <a:solidFill>
-                  <a:srgbClr val="404040"/>
-                </a:solidFill>
-              </a:rPr>
-              <a:t>Randomly Samples 3 Locations</a:t>
-            </a:r>
-          </a:p>
-          <a:p>
-            <a:pPr lvl="1">
-              <a:defRPr/>
-            </a:pPr>
-            <a:endParaRPr lang="en-US" dirty="0">
-              <a:solidFill>
-                <a:srgbClr val="404040"/>
-              </a:solidFill>
-            </a:endParaRPr>
-          </a:p>
-          <a:p>
-            <a:pPr marL="800100" lvl="1" indent="-342900">
-              <a:buFont typeface="Arial" panose="020B0604020202020204" pitchFamily="34" charset="0"/>
-              <a:buChar char="•"/>
-              <a:defRPr/>
-            </a:pPr>
-            <a:r>
-              <a:rPr lang="en-US" dirty="0">
-                <a:solidFill>
-                  <a:srgbClr val="404040"/>
-                </a:solidFill>
-              </a:rPr>
-              <a:t>Plant Your Seed and Run Code</a:t>
-            </a:r>
-          </a:p>
-          <a:p>
-            <a:pPr marL="800100" lvl="1" indent="-342900">
-              <a:buFont typeface="Arial" panose="020B0604020202020204" pitchFamily="34" charset="0"/>
-              <a:buChar char="•"/>
-              <a:defRPr/>
-            </a:pPr>
-            <a:endParaRPr lang="en-US" dirty="0">
-              <a:solidFill>
-                <a:srgbClr val="404040"/>
-              </a:solidFill>
-            </a:endParaRPr>
-          </a:p>
-          <a:p>
-            <a:pPr marL="800100" lvl="1" indent="-342900">
-              <a:buFont typeface="Arial" panose="020B0604020202020204" pitchFamily="34" charset="0"/>
-              <a:buChar char="•"/>
-              <a:defRPr/>
-            </a:pPr>
-            <a:r>
-              <a:rPr lang="en-US" dirty="0">
-                <a:solidFill>
-                  <a:srgbClr val="404040"/>
-                </a:solidFill>
-              </a:rPr>
-              <a:t>Usage: </a:t>
-            </a:r>
-          </a:p>
-          <a:p>
-            <a:pPr marL="1257300" lvl="2" indent="-342900">
-              <a:buFont typeface="Arial" panose="020B0604020202020204" pitchFamily="34" charset="0"/>
-              <a:buChar char="•"/>
-              <a:defRPr/>
-            </a:pPr>
-            <a:r>
-              <a:rPr lang="en-US" dirty="0" err="1">
-                <a:solidFill>
-                  <a:srgbClr val="404040"/>
-                </a:solidFill>
-              </a:rPr>
-              <a:t>anti_join</a:t>
-            </a:r>
-            <a:r>
-              <a:rPr lang="en-US" dirty="0">
-                <a:solidFill>
-                  <a:srgbClr val="404040"/>
-                </a:solidFill>
-              </a:rPr>
-              <a:t>()</a:t>
-            </a:r>
-          </a:p>
-          <a:p>
-            <a:pPr marL="1257300" lvl="2" indent="-342900">
-              <a:buFont typeface="Arial" panose="020B0604020202020204" pitchFamily="34" charset="0"/>
-              <a:buChar char="•"/>
-              <a:defRPr/>
-            </a:pPr>
-            <a:r>
-              <a:rPr lang="en-US" dirty="0" err="1">
-                <a:solidFill>
-                  <a:srgbClr val="404040"/>
-                </a:solidFill>
-              </a:rPr>
-              <a:t>semi_join</a:t>
-            </a:r>
-            <a:r>
-              <a:rPr lang="en-US" dirty="0">
-                <a:solidFill>
-                  <a:srgbClr val="404040"/>
-                </a:solidFill>
-              </a:rPr>
-              <a:t>()</a:t>
-            </a:r>
-          </a:p>
-          <a:p>
-            <a:pPr marL="800100" lvl="1" indent="-342900">
-              <a:buFont typeface="Arial" panose="020B0604020202020204" pitchFamily="34" charset="0"/>
-              <a:buChar char="•"/>
-              <a:defRPr/>
-            </a:pPr>
-            <a:endParaRPr lang="en-US" dirty="0">
-              <a:solidFill>
-                <a:srgbClr val="404040"/>
-              </a:solidFill>
-            </a:endParaRPr>
-          </a:p>
-          <a:p>
-            <a:pPr marL="800100" lvl="1" indent="-342900">
-              <a:buFont typeface="Arial" panose="020B0604020202020204" pitchFamily="34" charset="0"/>
-              <a:buChar char="•"/>
-              <a:defRPr/>
-            </a:pPr>
-            <a:r>
-              <a:rPr lang="en-US" dirty="0">
-                <a:solidFill>
-                  <a:srgbClr val="404040"/>
-                </a:solidFill>
-              </a:rPr>
-              <a:t>Why Don’t We Handpick the Three Locations?</a:t>
-            </a:r>
-          </a:p>
-          <a:p>
-            <a:pPr lvl="1">
-              <a:defRPr/>
-            </a:pPr>
-            <a:endParaRPr lang="en-US" dirty="0">
-              <a:solidFill>
-                <a:srgbClr val="404040"/>
-              </a:solidFill>
-            </a:endParaRPr>
-          </a:p>
-          <a:p>
-            <a:pPr marL="800100" lvl="1" indent="-342900">
-              <a:buFont typeface="Arial" panose="020B0604020202020204" pitchFamily="34" charset="0"/>
-              <a:buChar char="•"/>
-              <a:defRPr/>
-            </a:pPr>
-            <a:endParaRPr lang="en-US" dirty="0">
-              <a:solidFill>
-                <a:srgbClr val="404040"/>
-              </a:solidFill>
-            </a:endParaRPr>
-          </a:p>
-        </p:txBody>
-      </p:sp>
-    </p:spTree>
-    <p:custDataLst>
-      <p:tags r:id="rId1"/>
-    </p:custDataLst>
-    <p:extLst>
-      <p:ext uri="{BB962C8B-B14F-4D97-AF65-F5344CB8AC3E}">
-        <p14:creationId xmlns:p14="http://schemas.microsoft.com/office/powerpoint/2010/main" val="4054747657"/>
-      </p:ext>
-    </p:extLst>
-  </p:cSld>
-  <p:clrMapOvr>
-    <a:masterClrMapping/>
-  </p:clrMapOvr>
-</p:sld>
-</file>
-
-<file path=ppt/slides/slide11.xml><?xml version="1.0" encoding="utf-8"?>
-<p:sld xmlns:a="http://schemas.openxmlformats.org/drawingml/2006/main" xmlns:r="http://schemas.openxmlformats.org/officeDocument/2006/relationships" xmlns:p="http://schemas.openxmlformats.org/presentationml/2006/main">
-  <p:cSld>
-    <p:bg>
-      <p:bgPr>
-        <a:solidFill>
-          <a:schemeClr val="bg1">
-            <a:lumMod val="85000"/>
-          </a:schemeClr>
-        </a:solidFill>
-        <a:effectLst/>
-      </p:bgPr>
-    </p:bg>
-    <p:spTree>
-      <p:nvGrpSpPr>
-        <p:cNvPr id="1" name=""/>
-        <p:cNvGrpSpPr/>
-        <p:nvPr/>
-      </p:nvGrpSpPr>
-      <p:grpSpPr>
-        <a:xfrm>
-          <a:off x="0" y="0"/>
-          <a:ext cx="0" cy="0"/>
-          <a:chOff x="0" y="0"/>
-          <a:chExt cx="0" cy="0"/>
-        </a:xfrm>
-      </p:grpSpPr>
-      <p:sp>
-        <p:nvSpPr>
-          <p:cNvPr id="15" name="Rectangle 12">
-            <a:extLst>
-              <a:ext uri="{FF2B5EF4-FFF2-40B4-BE49-F238E27FC236}">
-                <a16:creationId xmlns:a16="http://schemas.microsoft.com/office/drawing/2014/main" id="{867D4867-5BA7-4462-B2F6-A23F4A622AA7}"/>
-              </a:ext>
-              <a:ext uri="{C183D7F6-B498-43B3-948B-1728B52AA6E4}">
-                <adec:decorative xmlns:adec="http://schemas.microsoft.com/office/drawing/2017/decorative" val="1"/>
-              </a:ext>
-            </a:extLst>
-          </p:cNvPr>
-          <p:cNvSpPr>
-            <a:spLocks noGrp="1" noRot="1" noChangeAspect="1" noMove="1" noResize="1" noEditPoints="1" noAdjustHandles="1" noChangeArrowheads="1" noChangeShapeType="1" noTextEdit="1"/>
-          </p:cNvSpPr>
-          <p:nvPr>
-            <p:extLst>
-              <p:ext uri="{386F3935-93C4-4BCD-93E2-E3B085C9AB24}">
-                <p16:designElem xmlns:p16="http://schemas.microsoft.com/office/powerpoint/2015/main" val="1"/>
-              </p:ext>
-            </p:extLst>
-          </p:nvPr>
-        </p:nvSpPr>
-        <p:spPr>
-          <a:xfrm>
-            <a:off x="0" y="0"/>
-            <a:ext cx="3490722" cy="6858000"/>
-          </a:xfrm>
-          <a:prstGeom prst="rect">
-            <a:avLst/>
-          </a:prstGeom>
-          <a:solidFill>
-            <a:schemeClr val="tx1">
-              <a:lumMod val="75000"/>
-              <a:lumOff val="25000"/>
-            </a:schemeClr>
-          </a:solidFill>
-          <a:ln>
-            <a:noFill/>
-          </a:ln>
-        </p:spPr>
-        <p:style>
-          <a:lnRef idx="0">
-            <a:scrgbClr r="0" g="0" b="0"/>
-          </a:lnRef>
-          <a:fillRef idx="0">
-            <a:scrgbClr r="0" g="0" b="0"/>
-          </a:fillRef>
-          <a:effectRef idx="0">
-            <a:scrgbClr r="0" g="0" b="0"/>
-          </a:effectRef>
-          <a:fontRef idx="minor">
-            <a:schemeClr val="lt1"/>
-          </a:fontRef>
-        </p:style>
-        <p:txBody>
-          <a:bodyPr rtlCol="0" anchor="ctr"/>
-          <a:lstStyle/>
-          <a:p>
-            <a:pPr marL="0" marR="0" lvl="0" indent="0" algn="ctr" defTabSz="457200" rtl="0" eaLnBrk="1" fontAlgn="base" latinLnBrk="0" hangingPunct="1">
-              <a:lnSpc>
-                <a:spcPct val="100000"/>
-              </a:lnSpc>
-              <a:spcBef>
-                <a:spcPct val="0"/>
-              </a:spcBef>
-              <a:spcAft>
-                <a:spcPct val="0"/>
-              </a:spcAft>
-              <a:buClrTx/>
-              <a:buSzTx/>
-              <a:buFontTx/>
-              <a:buNone/>
-              <a:tabLst/>
-              <a:defRPr/>
-            </a:pPr>
-            <a:endParaRPr kumimoji="0" lang="en-US" sz="2400" b="0" i="0" u="none" strike="noStrike" kern="1200" cap="none" spc="0" normalizeH="0" baseline="0" noProof="0">
-              <a:ln>
-                <a:noFill/>
-              </a:ln>
-              <a:solidFill>
-                <a:prstClr val="white"/>
-              </a:solidFill>
-              <a:effectLst/>
-              <a:uLnTx/>
-              <a:uFillTx/>
-              <a:latin typeface="Calibri"/>
-              <a:ea typeface="+mn-ea"/>
-              <a:cs typeface="+mn-cs"/>
-            </a:endParaRPr>
-          </a:p>
-        </p:txBody>
-      </p:sp>
-      <p:sp>
-        <p:nvSpPr>
-          <p:cNvPr id="2" name="Title 1"/>
-          <p:cNvSpPr>
-            <a:spLocks noGrp="1"/>
-          </p:cNvSpPr>
-          <p:nvPr>
-            <p:ph type="title"/>
-          </p:nvPr>
-        </p:nvSpPr>
-        <p:spPr>
-          <a:xfrm>
-            <a:off x="482600" y="643467"/>
-            <a:ext cx="2522980" cy="1597315"/>
-          </a:xfrm>
-          <a:noFill/>
-          <a:ln w="19050">
-            <a:solidFill>
-              <a:schemeClr val="bg1"/>
-            </a:solidFill>
-          </a:ln>
-        </p:spPr>
-        <p:txBody>
-          <a:bodyPr vert="horz" wrap="square" lIns="91440" tIns="45720" rIns="91440" bIns="45720" rtlCol="0" anchor="ctr">
-            <a:normAutofit/>
-          </a:bodyPr>
-          <a:lstStyle/>
-          <a:p>
-            <a:pPr defTabSz="914400" eaLnBrk="1" hangingPunct="1">
-              <a:lnSpc>
-                <a:spcPct val="90000"/>
-              </a:lnSpc>
-            </a:pPr>
-            <a:r>
-              <a:rPr lang="en-US" sz="2400" dirty="0">
-                <a:solidFill>
-                  <a:schemeClr val="bg1"/>
-                </a:solidFill>
-                <a:ea typeface="+mj-ea"/>
-                <a:cs typeface="+mj-cs"/>
-              </a:rPr>
-              <a:t>Part 1: Examining the Relationship</a:t>
-            </a:r>
-            <a:endParaRPr lang="en-US" sz="2400" kern="1200" dirty="0">
-              <a:solidFill>
-                <a:schemeClr val="bg1"/>
-              </a:solidFill>
-              <a:latin typeface="+mj-lt"/>
-              <a:ea typeface="+mj-ea"/>
-              <a:cs typeface="+mj-cs"/>
-            </a:endParaRPr>
-          </a:p>
-        </p:txBody>
-      </p:sp>
-      <p:pic>
-        <p:nvPicPr>
-          <p:cNvPr id="8" name="Picture 7">
-            <a:extLst>
-              <a:ext uri="{FF2B5EF4-FFF2-40B4-BE49-F238E27FC236}">
-                <a16:creationId xmlns:a16="http://schemas.microsoft.com/office/drawing/2014/main" id="{521D4292-9ECC-4DA5-8CC0-C561A0DA118E}"/>
-              </a:ext>
-            </a:extLst>
-          </p:cNvPr>
-          <p:cNvPicPr>
-            <a:picLocks noChangeAspect="1"/>
-          </p:cNvPicPr>
-          <p:nvPr/>
-        </p:nvPicPr>
-        <p:blipFill rotWithShape="1">
-          <a:blip r:embed="rId3"/>
-          <a:srcRect l="8000" r="9400"/>
-          <a:stretch/>
-        </p:blipFill>
-        <p:spPr>
-          <a:xfrm>
-            <a:off x="660103" y="3048000"/>
-            <a:ext cx="2167974" cy="2624666"/>
-          </a:xfrm>
-          <a:prstGeom prst="rect">
-            <a:avLst/>
-          </a:prstGeom>
-          <a:noFill/>
-        </p:spPr>
-      </p:pic>
-      <p:sp>
-        <p:nvSpPr>
-          <p:cNvPr id="6" name="TextBox 5">
-            <a:extLst>
-              <a:ext uri="{FF2B5EF4-FFF2-40B4-BE49-F238E27FC236}">
-                <a16:creationId xmlns:a16="http://schemas.microsoft.com/office/drawing/2014/main" id="{2B3FF754-7015-4F20-8186-8B784B2C623B}"/>
-              </a:ext>
-            </a:extLst>
-          </p:cNvPr>
-          <p:cNvSpPr txBox="1"/>
-          <p:nvPr/>
-        </p:nvSpPr>
-        <p:spPr>
-          <a:xfrm>
             <a:off x="3810000" y="609600"/>
             <a:ext cx="5334000" cy="4893647"/>
           </a:xfrm>
@@ -9427,7 +8976,7 @@
 </p:sld>
 </file>
 
-<file path=ppt/slides/slide12.xml><?xml version="1.0" encoding="utf-8"?>
+<file path=ppt/slides/slide11.xml><?xml version="1.0" encoding="utf-8"?>
 <p:sld xmlns:a="http://schemas.openxmlformats.org/drawingml/2006/main" xmlns:r="http://schemas.openxmlformats.org/officeDocument/2006/relationships" xmlns:p="http://schemas.openxmlformats.org/presentationml/2006/main">
   <p:cSld>
     <p:bg>
@@ -9879,8 +9428,8 @@
           </a:p>
         </p:txBody>
       </p:sp>
-      <mc:AlternateContent xmlns:mc="http://schemas.openxmlformats.org/markup-compatibility/2006">
-        <mc:Choice xmlns:a14="http://schemas.microsoft.com/office/drawing/2010/main" Requires="a14">
+      <mc:AlternateContent xmlns:mc="http://schemas.openxmlformats.org/markup-compatibility/2006" xmlns:a14="http://schemas.microsoft.com/office/drawing/2010/main">
+        <mc:Choice Requires="a14">
           <p:sp>
             <p:nvSpPr>
               <p:cNvPr id="9" name="TextBox 8">
@@ -9994,7 +9543,7 @@
             </p:txBody>
           </p:sp>
         </mc:Choice>
-        <mc:Fallback>
+        <mc:Fallback xmlns="">
           <p:sp>
             <p:nvSpPr>
               <p:cNvPr id="9" name="TextBox 8">
@@ -10055,7 +9604,7 @@
 </p:sld>
 </file>
 
-<file path=ppt/slides/slide13.xml><?xml version="1.0" encoding="utf-8"?>
+<file path=ppt/slides/slide12.xml><?xml version="1.0" encoding="utf-8"?>
 <p:sld xmlns:a="http://schemas.openxmlformats.org/drawingml/2006/main" xmlns:r="http://schemas.openxmlformats.org/officeDocument/2006/relationships" xmlns:p="http://schemas.openxmlformats.org/presentationml/2006/main">
   <p:cSld>
     <p:bg>
@@ -10749,7 +10298,7 @@
 </p:sld>
 </file>
 
-<file path=ppt/slides/slide14.xml><?xml version="1.0" encoding="utf-8"?>
+<file path=ppt/slides/slide13.xml><?xml version="1.0" encoding="utf-8"?>
 <p:sld xmlns:a="http://schemas.openxmlformats.org/drawingml/2006/main" xmlns:r="http://schemas.openxmlformats.org/officeDocument/2006/relationships" xmlns:p="http://schemas.openxmlformats.org/presentationml/2006/main">
   <p:cSld>
     <p:bg>
@@ -11274,8 +10823,8 @@
           </a:p>
         </p:txBody>
       </p:sp>
-      <mc:AlternateContent xmlns:mc="http://schemas.openxmlformats.org/markup-compatibility/2006">
-        <mc:Choice xmlns:a14="http://schemas.microsoft.com/office/drawing/2010/main" Requires="a14">
+      <mc:AlternateContent xmlns:mc="http://schemas.openxmlformats.org/markup-compatibility/2006" xmlns:a14="http://schemas.microsoft.com/office/drawing/2010/main">
+        <mc:Choice Requires="a14">
           <p:sp>
             <p:nvSpPr>
               <p:cNvPr id="9" name="TextBox 8">
@@ -11577,7 +11126,7 @@
             </p:txBody>
           </p:sp>
         </mc:Choice>
-        <mc:Fallback>
+        <mc:Fallback xmlns="">
           <p:sp>
             <p:nvSpPr>
               <p:cNvPr id="9" name="TextBox 8">
@@ -11638,7 +11187,7 @@
 </p:sld>
 </file>
 
-<file path=ppt/slides/slide15.xml><?xml version="1.0" encoding="utf-8"?>
+<file path=ppt/slides/slide14.xml><?xml version="1.0" encoding="utf-8"?>
 <p:sld xmlns:a="http://schemas.openxmlformats.org/drawingml/2006/main" xmlns:r="http://schemas.openxmlformats.org/officeDocument/2006/relationships" xmlns:p="http://schemas.openxmlformats.org/presentationml/2006/main">
   <p:cSld>
     <p:bg>
@@ -12169,7 +11718,7 @@
 </p:sld>
 </file>
 
-<file path=ppt/slides/slide16.xml><?xml version="1.0" encoding="utf-8"?>
+<file path=ppt/slides/slide15.xml><?xml version="1.0" encoding="utf-8"?>
 <p:sld xmlns:a="http://schemas.openxmlformats.org/drawingml/2006/main" xmlns:r="http://schemas.openxmlformats.org/officeDocument/2006/relationships" xmlns:p="http://schemas.openxmlformats.org/presentationml/2006/main">
   <p:cSld>
     <p:bg>
@@ -12407,7 +11956,7 @@
         <p:spPr>
           <a:xfrm>
             <a:off x="3810000" y="609600"/>
-            <a:ext cx="5334000" cy="4154984"/>
+            <a:ext cx="5334000" cy="3785652"/>
           </a:xfrm>
           <a:prstGeom prst="rect">
             <a:avLst/>
@@ -12445,37 +11994,6 @@
                 <a:srgbClr val="404040"/>
               </a:solidFill>
             </a:endParaRPr>
-          </a:p>
-          <a:p>
-            <a:pPr marL="800100" lvl="1" indent="-342900">
-              <a:buFont typeface="Arial" panose="020B0604020202020204" pitchFamily="34" charset="0"/>
-              <a:buChar char="•"/>
-              <a:defRPr/>
-            </a:pPr>
-            <a:r>
-              <a:rPr lang="en-US" dirty="0">
-                <a:solidFill>
-                  <a:srgbClr val="404040"/>
-                </a:solidFill>
-              </a:rPr>
-              <a:t>Fits 1</a:t>
-            </a:r>
-            <a:r>
-              <a:rPr lang="en-US" baseline="30000" dirty="0">
-                <a:solidFill>
-                  <a:srgbClr val="404040"/>
-                </a:solidFill>
-              </a:rPr>
-              <a:t>st</a:t>
-            </a:r>
-            <a:r>
-              <a:rPr lang="en-US" dirty="0">
-                <a:solidFill>
-                  <a:srgbClr val="404040"/>
-                </a:solidFill>
-              </a:rPr>
-              <a:t> Degree Polynomial</a:t>
-            </a:r>
           </a:p>
           <a:p>
             <a:pPr marL="800100" lvl="1" indent="-342900">
@@ -12642,7 +12160,7 @@
 </p:sld>
 </file>
 
-<file path=ppt/slides/slide17.xml><?xml version="1.0" encoding="utf-8"?>
+<file path=ppt/slides/slide16.xml><?xml version="1.0" encoding="utf-8"?>
 <p:sld xmlns:a="http://schemas.openxmlformats.org/drawingml/2006/main" xmlns:r="http://schemas.openxmlformats.org/officeDocument/2006/relationships" xmlns:p="http://schemas.openxmlformats.org/presentationml/2006/main">
   <p:cSld>
     <p:bg>
@@ -13256,7 +12774,7 @@
 </p:sld>
 </file>
 
-<file path=ppt/slides/slide18.xml><?xml version="1.0" encoding="utf-8"?>
+<file path=ppt/slides/slide17.xml><?xml version="1.0" encoding="utf-8"?>
 <p:sld xmlns:a="http://schemas.openxmlformats.org/drawingml/2006/main" xmlns:r="http://schemas.openxmlformats.org/officeDocument/2006/relationships" xmlns:p="http://schemas.openxmlformats.org/presentationml/2006/main">
   <p:cSld>
     <p:bg>
@@ -13342,37 +12860,8 @@
           <a:bodyPr rtlCol="0" anchor="ctr"/>
           <a:lstStyle/>
           <a:p>
-            <a:pPr marL="0" marR="0" lvl="0" indent="0" algn="ctr" defTabSz="457200" rtl="0" eaLnBrk="1" fontAlgn="base" latinLnBrk="0" hangingPunct="1">
-              <a:lnSpc>
-                <a:spcPct val="100000"/>
-              </a:lnSpc>
-              <a:spcBef>
-                <a:spcPct val="0"/>
-              </a:spcBef>
-              <a:spcAft>
-                <a:spcPct val="0"/>
-              </a:spcAft>
-              <a:buClrTx/>
-              <a:buSzTx/>
-              <a:buFontTx/>
-              <a:buNone/>
-              <a:tabLst/>
-              <a:defRPr/>
-            </a:pPr>
-            <a:endParaRPr kumimoji="0" lang="en-US" sz="2400" b="0" i="0" u="none" strike="noStrike" kern="1200" cap="none" spc="0" normalizeH="0" baseline="0" noProof="0">
-              <a:ln>
-                <a:noFill/>
-              </a:ln>
-              <a:solidFill>
-                <a:prstClr val="white"/>
-              </a:solidFill>
-              <a:effectLst/>
-              <a:uLnTx/>
-              <a:uFillTx/>
-              <a:latin typeface="Calibri"/>
-              <a:ea typeface="+mn-ea"/>
-              <a:cs typeface="+mn-cs"/>
-            </a:endParaRPr>
+            <a:pPr algn="ctr"/>
+            <a:endParaRPr lang="en-US"/>
           </a:p>
         </p:txBody>
       </p:sp>
@@ -13410,33 +12899,15 @@
               </a:lnSpc>
             </a:pPr>
             <a:r>
-              <a:rPr lang="en-US" sz="2400" dirty="0">
+              <a:rPr lang="en-US" sz="2400" kern="1200">
                 <a:solidFill>
                   <a:schemeClr val="bg1"/>
                 </a:solidFill>
+                <a:latin typeface="+mj-lt"/>
                 <a:ea typeface="+mj-ea"/>
                 <a:cs typeface="+mj-cs"/>
               </a:rPr>
-              <a:t>Part 4: </a:t>
-            </a:r>
-            <a:br>
-              <a:rPr lang="en-US" sz="2400" dirty="0">
-                <a:solidFill>
-                  <a:schemeClr val="bg1"/>
-                </a:solidFill>
-                <a:ea typeface="+mj-ea"/>
-                <a:cs typeface="+mj-cs"/>
-              </a:rPr>
-            </a:br>
-            <a:r>
-              <a:rPr lang="en-US" sz="2400" dirty="0">
-                <a:solidFill>
-                  <a:schemeClr val="bg1"/>
-                </a:solidFill>
-                <a:ea typeface="+mj-ea"/>
-                <a:cs typeface="+mj-cs"/>
-              </a:rPr>
-              <a:t>Logistic Model</a:t>
+              <a:t>Closing</a:t>
             </a:r>
             <a:endParaRPr lang="en-US" sz="2400" kern="1200" dirty="0">
               <a:solidFill>
@@ -13479,1080 +12950,495 @@
           <a:noFill/>
         </p:spPr>
       </p:pic>
-      <mc:AlternateContent xmlns:mc="http://schemas.openxmlformats.org/markup-compatibility/2006">
-        <mc:Choice xmlns:a14="http://schemas.microsoft.com/office/drawing/2010/main" Requires="a14">
-          <p:sp>
-            <p:nvSpPr>
-              <p:cNvPr id="6" name="TextBox 5">
-                <a:extLst>
-                  <a:ext uri="{FF2B5EF4-FFF2-40B4-BE49-F238E27FC236}">
-                    <a16:creationId xmlns:a16="http://schemas.microsoft.com/office/drawing/2014/main" id="{2B3FF754-7015-4F20-8186-8B784B2C623B}"/>
-                  </a:ext>
-                </a:extLst>
-              </p:cNvPr>
-              <p:cNvSpPr txBox="1"/>
-              <p:nvPr/>
-            </p:nvSpPr>
-            <p:spPr>
-              <a:xfrm>
-                <a:off x="3810000" y="609600"/>
-                <a:ext cx="5334000" cy="6001643"/>
-              </a:xfrm>
-              <a:prstGeom prst="rect">
-                <a:avLst/>
-              </a:prstGeom>
-              <a:noFill/>
-            </p:spPr>
-            <p:txBody>
-              <a:bodyPr wrap="square" rtlCol="0">
-                <a:spAutoFit/>
-              </a:bodyPr>
-              <a:lstStyle/>
-              <a:p>
-                <a:pPr marL="342900" indent="-342900">
-                  <a:buFont typeface="Arial" panose="020B0604020202020204" pitchFamily="34" charset="0"/>
-                  <a:buChar char="•"/>
-                  <a:defRPr/>
-                </a:pPr>
-                <a:r>
-                  <a:rPr lang="en-US" dirty="0">
-                    <a:solidFill>
-                      <a:srgbClr val="404040"/>
-                    </a:solidFill>
-                  </a:rPr>
-                  <a:t>Logistic Model</a:t>
-                </a:r>
-              </a:p>
-              <a:p>
-                <a:pPr>
-                  <a:defRPr/>
-                </a:pPr>
-                <a:endParaRPr lang="en-US" dirty="0">
-                  <a:solidFill>
-                    <a:srgbClr val="404040"/>
-                  </a:solidFill>
-                </a:endParaRPr>
-              </a:p>
-              <a:p>
-                <a:pPr>
-                  <a:defRPr/>
-                </a:pPr>
-                <a:endParaRPr lang="en-US" dirty="0">
-                  <a:solidFill>
-                    <a:srgbClr val="404040"/>
-                  </a:solidFill>
-                </a:endParaRPr>
-              </a:p>
-              <a:p>
-                <a:pPr marL="800100" lvl="1" indent="-342900">
-                  <a:buFont typeface="Arial" panose="020B0604020202020204" pitchFamily="34" charset="0"/>
-                  <a:buChar char="•"/>
-                  <a:defRPr/>
-                </a:pPr>
-                <a:r>
-                  <a:rPr lang="en-US" dirty="0">
-                    <a:solidFill>
-                      <a:srgbClr val="404040"/>
-                    </a:solidFill>
-                  </a:rPr>
-                  <a:t>“Smart” Model Based On Physical Relationship Between A and W</a:t>
-                </a:r>
-              </a:p>
-              <a:p>
-                <a:pPr lvl="1">
-                  <a:defRPr/>
-                </a:pPr>
-                <a:endParaRPr lang="en-US" dirty="0">
-                  <a:solidFill>
-                    <a:srgbClr val="404040"/>
-                  </a:solidFill>
-                </a:endParaRPr>
-              </a:p>
-              <a:p>
-                <a:pPr marL="800100" lvl="1" indent="-342900">
-                  <a:buFont typeface="Arial" panose="020B0604020202020204" pitchFamily="34" charset="0"/>
-                  <a:buChar char="•"/>
-                  <a:defRPr/>
-                </a:pPr>
-                <a:r>
-                  <a:rPr lang="en-US" dirty="0">
-                    <a:solidFill>
-                      <a:srgbClr val="404040"/>
-                    </a:solidFill>
-                  </a:rPr>
-                  <a:t>Four Parameters</a:t>
-                </a:r>
-              </a:p>
-              <a:p>
-                <a:pPr marL="1257300" lvl="2" indent="-342900">
-                  <a:buFont typeface="Arial" panose="020B0604020202020204" pitchFamily="34" charset="0"/>
-                  <a:buChar char="•"/>
-                  <a:defRPr/>
-                </a:pPr>
-                <a:r>
-                  <a:rPr lang="en-US" dirty="0">
-                    <a:solidFill>
-                      <a:srgbClr val="404040"/>
-                    </a:solidFill>
-                  </a:rPr>
-                  <a:t>Controls the Shape of the Relationship</a:t>
-                </a:r>
-              </a:p>
-              <a:p>
-                <a:pPr marL="1257300" lvl="2" indent="-342900">
-                  <a:buFont typeface="Arial" panose="020B0604020202020204" pitchFamily="34" charset="0"/>
-                  <a:buChar char="•"/>
-                  <a:defRPr/>
-                </a:pPr>
-                <a14:m>
-                  <m:oMath xmlns:m="http://schemas.openxmlformats.org/officeDocument/2006/math">
-                    <m:r>
-                      <a:rPr lang="en-US" i="1">
-                        <a:solidFill>
-                          <a:srgbClr val="404040"/>
-                        </a:solidFill>
-                        <a:latin typeface="Cambria Math" panose="02040503050406030204" pitchFamily="18" charset="0"/>
-                      </a:rPr>
-                      <m:t>𝑙</m:t>
-                    </m:r>
-                  </m:oMath>
-                </a14:m>
-                <a:r>
-                  <a:rPr lang="en-US" dirty="0">
-                    <a:solidFill>
-                      <a:srgbClr val="404040"/>
-                    </a:solidFill>
-                  </a:rPr>
-                  <a:t> and </a:t>
-                </a:r>
-                <a14:m>
-                  <m:oMath xmlns:m="http://schemas.openxmlformats.org/officeDocument/2006/math">
-                    <m:r>
-                      <a:rPr lang="en-US" b="0" i="1" smtClean="0">
-                        <a:solidFill>
-                          <a:srgbClr val="404040"/>
-                        </a:solidFill>
-                        <a:latin typeface="Cambria Math" panose="02040503050406030204" pitchFamily="18" charset="0"/>
-                      </a:rPr>
-                      <m:t>h</m:t>
-                    </m:r>
-                  </m:oMath>
-                </a14:m>
-                <a:endParaRPr lang="en-US" dirty="0">
-                  <a:solidFill>
-                    <a:srgbClr val="404040"/>
-                  </a:solidFill>
-                </a:endParaRPr>
-              </a:p>
-              <a:p>
-                <a:pPr marL="1257300" lvl="2" indent="-342900">
-                  <a:buFont typeface="Arial" panose="020B0604020202020204" pitchFamily="34" charset="0"/>
-                  <a:buChar char="•"/>
-                  <a:defRPr/>
-                </a:pPr>
-                <a14:m>
-                  <m:oMath xmlns:m="http://schemas.openxmlformats.org/officeDocument/2006/math">
-                    <m:r>
-                      <a:rPr lang="en-US" b="0" i="1" smtClean="0">
-                        <a:solidFill>
-                          <a:srgbClr val="404040"/>
-                        </a:solidFill>
-                        <a:latin typeface="Cambria Math" panose="02040503050406030204" pitchFamily="18" charset="0"/>
-                      </a:rPr>
-                      <m:t>𝑎</m:t>
-                    </m:r>
-                  </m:oMath>
-                </a14:m>
-                <a:r>
-                  <a:rPr lang="en-US" dirty="0">
-                    <a:solidFill>
-                      <a:srgbClr val="404040"/>
-                    </a:solidFill>
-                  </a:rPr>
-                  <a:t> and </a:t>
-                </a:r>
-                <a14:m>
-                  <m:oMath xmlns:m="http://schemas.openxmlformats.org/officeDocument/2006/math">
-                    <m:r>
-                      <a:rPr lang="en-US" b="0" i="1" smtClean="0">
-                        <a:solidFill>
-                          <a:srgbClr val="404040"/>
-                        </a:solidFill>
-                        <a:latin typeface="Cambria Math" panose="02040503050406030204" pitchFamily="18" charset="0"/>
-                      </a:rPr>
-                      <m:t>𝑏</m:t>
-                    </m:r>
-                  </m:oMath>
-                </a14:m>
-                <a:endParaRPr lang="en-US" dirty="0">
-                  <a:solidFill>
-                    <a:srgbClr val="404040"/>
-                  </a:solidFill>
-                </a:endParaRPr>
-              </a:p>
-              <a:p>
-                <a:pPr lvl="1">
-                  <a:defRPr/>
-                </a:pPr>
-                <a:endParaRPr lang="en-US" dirty="0">
-                  <a:solidFill>
-                    <a:srgbClr val="404040"/>
-                  </a:solidFill>
-                </a:endParaRPr>
-              </a:p>
-              <a:p>
-                <a:pPr marL="800100" lvl="1" indent="-342900">
-                  <a:buFont typeface="Arial" panose="020B0604020202020204" pitchFamily="34" charset="0"/>
-                  <a:buChar char="•"/>
-                  <a:defRPr/>
-                </a:pPr>
-                <a:r>
-                  <a:rPr lang="en-US" dirty="0">
-                    <a:solidFill>
-                      <a:srgbClr val="404040"/>
-                    </a:solidFill>
-                  </a:rPr>
-                  <a:t>What Shape Do You Think This Function Makes?</a:t>
-                </a:r>
-              </a:p>
-              <a:p>
-                <a:pPr marL="1257300" lvl="2" indent="-342900">
-                  <a:buFont typeface="Arial" panose="020B0604020202020204" pitchFamily="34" charset="0"/>
-                  <a:buChar char="•"/>
-                  <a:defRPr/>
-                </a:pPr>
-                <a:r>
-                  <a:rPr lang="en-US" dirty="0">
-                    <a:solidFill>
-                      <a:srgbClr val="404040"/>
-                    </a:solidFill>
-                  </a:rPr>
-                  <a:t>Idea: Precalculus</a:t>
-                </a:r>
-              </a:p>
-            </p:txBody>
-          </p:sp>
-        </mc:Choice>
-        <mc:Fallback>
-          <p:sp>
-            <p:nvSpPr>
-              <p:cNvPr id="6" name="TextBox 5">
-                <a:extLst>
-                  <a:ext uri="{FF2B5EF4-FFF2-40B4-BE49-F238E27FC236}">
-                    <a16:creationId xmlns:a16="http://schemas.microsoft.com/office/drawing/2014/main" id="{2B3FF754-7015-4F20-8186-8B784B2C623B}"/>
-                  </a:ext>
-                </a:extLst>
-              </p:cNvPr>
-              <p:cNvSpPr txBox="1">
-                <a:spLocks noRot="1" noChangeAspect="1" noMove="1" noResize="1" noEditPoints="1" noAdjustHandles="1" noChangeArrowheads="1" noChangeShapeType="1" noTextEdit="1"/>
-              </p:cNvSpPr>
-              <p:nvPr/>
-            </p:nvSpPr>
-            <p:spPr>
-              <a:xfrm>
-                <a:off x="3810000" y="609600"/>
-                <a:ext cx="5334000" cy="6001643"/>
-              </a:xfrm>
-              <a:prstGeom prst="rect">
-                <a:avLst/>
-              </a:prstGeom>
-              <a:blipFill>
-                <a:blip r:embed="rId4"/>
-                <a:stretch>
-                  <a:fillRect l="-1486" t="-711" r="-914" b="-1421"/>
-                </a:stretch>
-              </a:blipFill>
-            </p:spPr>
-            <p:txBody>
-              <a:bodyPr/>
-              <a:lstStyle/>
-              <a:p>
-                <a:r>
-                  <a:rPr lang="en-US">
-                    <a:noFill/>
-                  </a:rPr>
-                  <a:t> </a:t>
-                </a:r>
-              </a:p>
-            </p:txBody>
-          </p:sp>
-        </mc:Fallback>
-      </mc:AlternateContent>
-      <mc:AlternateContent xmlns:mc="http://schemas.openxmlformats.org/markup-compatibility/2006">
-        <mc:Choice xmlns:a14="http://schemas.microsoft.com/office/drawing/2010/main" Requires="a14">
-          <p:sp>
-            <p:nvSpPr>
-              <p:cNvPr id="9" name="TextBox 8">
-                <a:extLst>
-                  <a:ext uri="{FF2B5EF4-FFF2-40B4-BE49-F238E27FC236}">
-                    <a16:creationId xmlns:a16="http://schemas.microsoft.com/office/drawing/2014/main" id="{68F62ADF-4462-4B5D-A418-9F8154C6AB55}"/>
-                  </a:ext>
-                </a:extLst>
-              </p:cNvPr>
-              <p:cNvSpPr txBox="1"/>
-              <p:nvPr/>
-            </p:nvSpPr>
-            <p:spPr>
-              <a:xfrm>
-                <a:off x="4648200" y="1066800"/>
-                <a:ext cx="2960878" cy="624273"/>
-              </a:xfrm>
-              <a:prstGeom prst="rect">
-                <a:avLst/>
-              </a:prstGeom>
-              <a:noFill/>
-            </p:spPr>
-            <p:txBody>
-              <a:bodyPr wrap="square" rtlCol="0">
-                <a:spAutoFit/>
-              </a:bodyPr>
-              <a:lstStyle/>
-              <a:p>
-                <a:pPr>
-                  <a:defRPr/>
-                </a:pPr>
-                <a14:m>
-                  <m:oMath xmlns:m="http://schemas.openxmlformats.org/officeDocument/2006/math">
-                    <m:r>
-                      <a:rPr lang="en-US" i="1" smtClean="0">
-                        <a:solidFill>
-                          <a:srgbClr val="404040"/>
-                        </a:solidFill>
-                        <a:latin typeface="Cambria Math" panose="02040503050406030204" pitchFamily="18" charset="0"/>
-                      </a:rPr>
-                      <m:t>𝑊</m:t>
-                    </m:r>
-                    <m:r>
-                      <a:rPr lang="en-US" i="1" smtClean="0">
-                        <a:solidFill>
-                          <a:srgbClr val="404040"/>
-                        </a:solidFill>
-                        <a:latin typeface="Cambria Math" panose="02040503050406030204" pitchFamily="18" charset="0"/>
-                      </a:rPr>
-                      <m:t>=</m:t>
-                    </m:r>
-                    <m:r>
-                      <a:rPr lang="en-US" b="0" i="1" smtClean="0">
-                        <a:solidFill>
-                          <a:srgbClr val="404040"/>
-                        </a:solidFill>
-                        <a:latin typeface="Cambria Math" panose="02040503050406030204" pitchFamily="18" charset="0"/>
-                      </a:rPr>
-                      <m:t>𝑙</m:t>
-                    </m:r>
-                    <m:r>
-                      <a:rPr lang="en-US" i="1">
-                        <a:solidFill>
-                          <a:srgbClr val="404040"/>
-                        </a:solidFill>
-                        <a:latin typeface="Cambria Math" panose="02040503050406030204" pitchFamily="18" charset="0"/>
-                      </a:rPr>
-                      <m:t>+</m:t>
-                    </m:r>
-                    <m:f>
-                      <m:fPr>
-                        <m:ctrlPr>
-                          <a:rPr lang="en-US" i="1">
-                            <a:solidFill>
-                              <a:srgbClr val="404040"/>
-                            </a:solidFill>
-                            <a:latin typeface="Cambria Math" panose="02040503050406030204" pitchFamily="18" charset="0"/>
-                          </a:rPr>
-                        </m:ctrlPr>
-                      </m:fPr>
-                      <m:num>
-                        <m:r>
-                          <a:rPr lang="en-US" b="0" i="1" smtClean="0">
-                            <a:solidFill>
-                              <a:srgbClr val="404040"/>
-                            </a:solidFill>
-                            <a:latin typeface="Cambria Math" panose="02040503050406030204" pitchFamily="18" charset="0"/>
-                          </a:rPr>
-                          <m:t>h</m:t>
-                        </m:r>
-                      </m:num>
-                      <m:den>
-                        <m:r>
-                          <a:rPr lang="en-US" i="1">
-                            <a:solidFill>
-                              <a:srgbClr val="404040"/>
-                            </a:solidFill>
-                            <a:latin typeface="Cambria Math" panose="02040503050406030204" pitchFamily="18" charset="0"/>
-                          </a:rPr>
-                          <m:t>1+</m:t>
-                        </m:r>
-                        <m:sSup>
-                          <m:sSupPr>
-                            <m:ctrlPr>
-                              <a:rPr lang="en-US" i="1">
-                                <a:solidFill>
-                                  <a:srgbClr val="404040"/>
-                                </a:solidFill>
-                                <a:latin typeface="Cambria Math" panose="02040503050406030204" pitchFamily="18" charset="0"/>
-                              </a:rPr>
-                            </m:ctrlPr>
-                          </m:sSupPr>
-                          <m:e>
-                            <m:r>
-                              <a:rPr lang="en-US" i="1">
-                                <a:solidFill>
-                                  <a:srgbClr val="404040"/>
-                                </a:solidFill>
-                                <a:latin typeface="Cambria Math" panose="02040503050406030204" pitchFamily="18" charset="0"/>
-                              </a:rPr>
-                              <m:t>𝑒</m:t>
-                            </m:r>
-                          </m:e>
-                          <m:sup>
-                            <m:r>
-                              <a:rPr lang="en-US" b="0" i="1" smtClean="0">
-                                <a:solidFill>
-                                  <a:srgbClr val="404040"/>
-                                </a:solidFill>
-                                <a:latin typeface="Cambria Math" panose="02040503050406030204" pitchFamily="18" charset="0"/>
-                              </a:rPr>
-                              <m:t>𝑎</m:t>
-                            </m:r>
-                            <m:r>
-                              <a:rPr lang="en-US" i="1">
-                                <a:solidFill>
-                                  <a:srgbClr val="404040"/>
-                                </a:solidFill>
-                                <a:latin typeface="Cambria Math" panose="02040503050406030204" pitchFamily="18" charset="0"/>
-                              </a:rPr>
-                              <m:t>−</m:t>
-                            </m:r>
-                            <m:r>
-                              <a:rPr lang="en-US" b="0" i="1" smtClean="0">
-                                <a:solidFill>
-                                  <a:srgbClr val="404040"/>
-                                </a:solidFill>
-                                <a:latin typeface="Cambria Math" panose="02040503050406030204" pitchFamily="18" charset="0"/>
-                              </a:rPr>
-                              <m:t>𝑏</m:t>
-                            </m:r>
-                            <m:r>
-                              <a:rPr lang="en-US" i="1">
-                                <a:solidFill>
-                                  <a:srgbClr val="404040"/>
-                                </a:solidFill>
-                                <a:latin typeface="Cambria Math" panose="02040503050406030204" pitchFamily="18" charset="0"/>
-                              </a:rPr>
-                              <m:t>𝐴</m:t>
-                            </m:r>
-                          </m:sup>
-                        </m:sSup>
-                      </m:den>
-                    </m:f>
-                  </m:oMath>
-                </a14:m>
-                <a:r>
-                  <a:rPr lang="en-US" dirty="0">
-                    <a:solidFill>
-                      <a:srgbClr val="404040"/>
-                    </a:solidFill>
-                  </a:rPr>
-                  <a:t> </a:t>
-                </a:r>
-                <a14:m>
-                  <m:oMath xmlns:m="http://schemas.openxmlformats.org/officeDocument/2006/math">
-                    <m:r>
-                      <a:rPr lang="en-US" i="1">
-                        <a:solidFill>
-                          <a:srgbClr val="404040"/>
-                        </a:solidFill>
-                        <a:latin typeface="Cambria Math" panose="02040503050406030204" pitchFamily="18" charset="0"/>
-                      </a:rPr>
-                      <m:t>+ </m:t>
-                    </m:r>
-                    <m:r>
-                      <a:rPr lang="en-US" i="1">
-                        <a:solidFill>
-                          <a:srgbClr val="404040"/>
-                        </a:solidFill>
-                        <a:latin typeface="Cambria Math" panose="02040503050406030204" pitchFamily="18" charset="0"/>
-                        <a:ea typeface="Cambria Math" panose="02040503050406030204" pitchFamily="18" charset="0"/>
-                      </a:rPr>
-                      <m:t>𝜀</m:t>
-                    </m:r>
-                  </m:oMath>
-                </a14:m>
-                <a:endParaRPr lang="en-US" dirty="0">
-                  <a:solidFill>
-                    <a:srgbClr val="404040"/>
-                  </a:solidFill>
-                </a:endParaRPr>
-              </a:p>
-            </p:txBody>
-          </p:sp>
-        </mc:Choice>
-        <mc:Fallback>
-          <p:sp>
-            <p:nvSpPr>
-              <p:cNvPr id="9" name="TextBox 8">
-                <a:extLst>
-                  <a:ext uri="{FF2B5EF4-FFF2-40B4-BE49-F238E27FC236}">
-                    <a16:creationId xmlns:a16="http://schemas.microsoft.com/office/drawing/2014/main" id="{68F62ADF-4462-4B5D-A418-9F8154C6AB55}"/>
-                  </a:ext>
-                </a:extLst>
-              </p:cNvPr>
-              <p:cNvSpPr txBox="1">
-                <a:spLocks noRot="1" noChangeAspect="1" noMove="1" noResize="1" noEditPoints="1" noAdjustHandles="1" noChangeArrowheads="1" noChangeShapeType="1" noTextEdit="1"/>
-              </p:cNvSpPr>
-              <p:nvPr/>
-            </p:nvSpPr>
-            <p:spPr>
-              <a:xfrm>
-                <a:off x="4648200" y="1066800"/>
-                <a:ext cx="2960878" cy="624273"/>
-              </a:xfrm>
-              <a:prstGeom prst="rect">
-                <a:avLst/>
-              </a:prstGeom>
-              <a:blipFill>
-                <a:blip r:embed="rId5"/>
-                <a:stretch>
-                  <a:fillRect/>
-                </a:stretch>
-              </a:blipFill>
-            </p:spPr>
-            <p:txBody>
-              <a:bodyPr/>
-              <a:lstStyle/>
-              <a:p>
-                <a:r>
-                  <a:rPr lang="en-US">
-                    <a:noFill/>
-                  </a:rPr>
-                  <a:t> </a:t>
-                </a:r>
-              </a:p>
-            </p:txBody>
-          </p:sp>
-        </mc:Fallback>
-      </mc:AlternateContent>
+      <p:sp>
+        <p:nvSpPr>
+          <p:cNvPr id="7" name="Content Placeholder 2">
+            <a:extLst>
+              <a:ext uri="{FF2B5EF4-FFF2-40B4-BE49-F238E27FC236}">
+                <a16:creationId xmlns:a16="http://schemas.microsoft.com/office/drawing/2014/main" id="{8FE51533-15BE-453E-90FE-08298901BC34}"/>
+              </a:ext>
+            </a:extLst>
+          </p:cNvPr>
+          <p:cNvSpPr txBox="1">
+            <a:spLocks/>
+          </p:cNvSpPr>
+          <p:nvPr/>
+        </p:nvSpPr>
+        <p:spPr bwMode="auto">
+          <a:xfrm>
+            <a:off x="3810000" y="643466"/>
+            <a:ext cx="4851400" cy="5833533"/>
+          </a:xfrm>
+          <a:prstGeom prst="rect">
+            <a:avLst/>
+          </a:prstGeom>
+        </p:spPr>
+        <p:txBody>
+          <a:bodyPr vert="horz" lIns="91440" tIns="45720" rIns="91440" bIns="45720" numCol="1" rtlCol="0" anchorCtr="0" compatLnSpc="1">
+            <a:prstTxWarp prst="textNoShape">
+              <a:avLst/>
+            </a:prstTxWarp>
+            <a:noAutofit/>
+          </a:bodyPr>
+          <a:lstStyle>
+            <a:lvl1pPr marL="342900" indent="-342900" algn="l" defTabSz="457200" rtl="0" eaLnBrk="0" fontAlgn="base" hangingPunct="0">
+              <a:spcBef>
+                <a:spcPct val="20000"/>
+              </a:spcBef>
+              <a:spcAft>
+                <a:spcPct val="0"/>
+              </a:spcAft>
+              <a:buFont typeface="Arial" charset="0"/>
+              <a:buChar char="•"/>
+              <a:defRPr sz="3200" kern="1200">
+                <a:solidFill>
+                  <a:schemeClr val="tx1"/>
+                </a:solidFill>
+                <a:latin typeface="+mn-lt"/>
+                <a:ea typeface="ＭＳ Ｐゴシック" pitchFamily="-109" charset="-128"/>
+                <a:cs typeface="ＭＳ Ｐゴシック" pitchFamily="-109" charset="-128"/>
+              </a:defRPr>
+            </a:lvl1pPr>
+            <a:lvl2pPr marL="742950" indent="-285750" algn="l" defTabSz="457200" rtl="0" eaLnBrk="0" fontAlgn="base" hangingPunct="0">
+              <a:spcBef>
+                <a:spcPct val="20000"/>
+              </a:spcBef>
+              <a:spcAft>
+                <a:spcPct val="0"/>
+              </a:spcAft>
+              <a:buFont typeface="Arial" charset="0"/>
+              <a:buChar char="–"/>
+              <a:defRPr sz="2800" kern="1200">
+                <a:solidFill>
+                  <a:schemeClr val="tx1"/>
+                </a:solidFill>
+                <a:latin typeface="+mn-lt"/>
+                <a:ea typeface="ＭＳ Ｐゴシック" pitchFamily="-109" charset="-128"/>
+                <a:cs typeface="+mn-cs"/>
+              </a:defRPr>
+            </a:lvl2pPr>
+            <a:lvl3pPr marL="1143000" indent="-228600" algn="l" defTabSz="457200" rtl="0" eaLnBrk="0" fontAlgn="base" hangingPunct="0">
+              <a:spcBef>
+                <a:spcPct val="20000"/>
+              </a:spcBef>
+              <a:spcAft>
+                <a:spcPct val="0"/>
+              </a:spcAft>
+              <a:buFont typeface="Arial" charset="0"/>
+              <a:buChar char="•"/>
+              <a:defRPr sz="2400" kern="1200">
+                <a:solidFill>
+                  <a:schemeClr val="tx1"/>
+                </a:solidFill>
+                <a:latin typeface="+mn-lt"/>
+                <a:ea typeface="ＭＳ Ｐゴシック" pitchFamily="-109" charset="-128"/>
+                <a:cs typeface="+mn-cs"/>
+              </a:defRPr>
+            </a:lvl3pPr>
+            <a:lvl4pPr marL="1600200" indent="-228600" algn="l" defTabSz="457200" rtl="0" eaLnBrk="0" fontAlgn="base" hangingPunct="0">
+              <a:spcBef>
+                <a:spcPct val="20000"/>
+              </a:spcBef>
+              <a:spcAft>
+                <a:spcPct val="0"/>
+              </a:spcAft>
+              <a:buFont typeface="Arial" charset="0"/>
+              <a:buChar char="–"/>
+              <a:defRPr sz="2000" kern="1200">
+                <a:solidFill>
+                  <a:schemeClr val="tx1"/>
+                </a:solidFill>
+                <a:latin typeface="+mn-lt"/>
+                <a:ea typeface="ＭＳ Ｐゴシック" pitchFamily="-109" charset="-128"/>
+                <a:cs typeface="+mn-cs"/>
+              </a:defRPr>
+            </a:lvl4pPr>
+            <a:lvl5pPr marL="2057400" indent="-228600" algn="l" defTabSz="457200" rtl="0" eaLnBrk="0" fontAlgn="base" hangingPunct="0">
+              <a:spcBef>
+                <a:spcPct val="20000"/>
+              </a:spcBef>
+              <a:spcAft>
+                <a:spcPct val="0"/>
+              </a:spcAft>
+              <a:buFont typeface="Arial" charset="0"/>
+              <a:buChar char="»"/>
+              <a:defRPr sz="2000" kern="1200">
+                <a:solidFill>
+                  <a:schemeClr val="tx1"/>
+                </a:solidFill>
+                <a:latin typeface="+mn-lt"/>
+                <a:ea typeface="ＭＳ Ｐゴシック" pitchFamily="-109" charset="-128"/>
+                <a:cs typeface="+mn-cs"/>
+              </a:defRPr>
+            </a:lvl5pPr>
+            <a:lvl6pPr marL="2514600" indent="-228600" algn="l" defTabSz="457200" rtl="0" eaLnBrk="1" latinLnBrk="0" hangingPunct="1">
+              <a:spcBef>
+                <a:spcPct val="20000"/>
+              </a:spcBef>
+              <a:buFont typeface="Arial"/>
+              <a:buChar char="•"/>
+              <a:defRPr sz="2000" kern="1200">
+                <a:solidFill>
+                  <a:schemeClr val="tx1"/>
+                </a:solidFill>
+                <a:latin typeface="+mn-lt"/>
+                <a:ea typeface="+mn-ea"/>
+                <a:cs typeface="+mn-cs"/>
+              </a:defRPr>
+            </a:lvl6pPr>
+            <a:lvl7pPr marL="2971800" indent="-228600" algn="l" defTabSz="457200" rtl="0" eaLnBrk="1" latinLnBrk="0" hangingPunct="1">
+              <a:spcBef>
+                <a:spcPct val="20000"/>
+              </a:spcBef>
+              <a:buFont typeface="Arial"/>
+              <a:buChar char="•"/>
+              <a:defRPr sz="2000" kern="1200">
+                <a:solidFill>
+                  <a:schemeClr val="tx1"/>
+                </a:solidFill>
+                <a:latin typeface="+mn-lt"/>
+                <a:ea typeface="+mn-ea"/>
+                <a:cs typeface="+mn-cs"/>
+              </a:defRPr>
+            </a:lvl7pPr>
+            <a:lvl8pPr marL="3429000" indent="-228600" algn="l" defTabSz="457200" rtl="0" eaLnBrk="1" latinLnBrk="0" hangingPunct="1">
+              <a:spcBef>
+                <a:spcPct val="20000"/>
+              </a:spcBef>
+              <a:buFont typeface="Arial"/>
+              <a:buChar char="•"/>
+              <a:defRPr sz="2000" kern="1200">
+                <a:solidFill>
+                  <a:schemeClr val="tx1"/>
+                </a:solidFill>
+                <a:latin typeface="+mn-lt"/>
+                <a:ea typeface="+mn-ea"/>
+                <a:cs typeface="+mn-cs"/>
+              </a:defRPr>
+            </a:lvl8pPr>
+            <a:lvl9pPr marL="3886200" indent="-228600" algn="l" defTabSz="457200" rtl="0" eaLnBrk="1" latinLnBrk="0" hangingPunct="1">
+              <a:spcBef>
+                <a:spcPct val="20000"/>
+              </a:spcBef>
+              <a:buFont typeface="Arial"/>
+              <a:buChar char="•"/>
+              <a:defRPr sz="2000" kern="1200">
+                <a:solidFill>
+                  <a:schemeClr val="tx1"/>
+                </a:solidFill>
+                <a:latin typeface="+mn-lt"/>
+                <a:ea typeface="+mn-ea"/>
+                <a:cs typeface="+mn-cs"/>
+              </a:defRPr>
+            </a:lvl9pPr>
+          </a:lstStyle>
+          <a:p>
+            <a:pPr indent="-228600" defTabSz="914400" eaLnBrk="1" hangingPunct="1">
+              <a:lnSpc>
+                <a:spcPct val="90000"/>
+              </a:lnSpc>
+              <a:buFont typeface="Arial" panose="020B0604020202020204" pitchFamily="34" charset="0"/>
+              <a:buChar char="•"/>
+            </a:pPr>
+            <a:endParaRPr lang="en-US" sz="2000" dirty="0">
+              <a:solidFill>
+                <a:srgbClr val="404040"/>
+              </a:solidFill>
+              <a:ea typeface="+mn-ea"/>
+              <a:cs typeface="+mn-cs"/>
+            </a:endParaRPr>
+          </a:p>
+          <a:p>
+            <a:pPr indent="-228600" defTabSz="914400" eaLnBrk="1" hangingPunct="1">
+              <a:lnSpc>
+                <a:spcPct val="90000"/>
+              </a:lnSpc>
+              <a:buFont typeface="Arial" panose="020B0604020202020204" pitchFamily="34" charset="0"/>
+              <a:buChar char="•"/>
+            </a:pPr>
+            <a:endParaRPr lang="en-US" sz="2000" dirty="0">
+              <a:solidFill>
+                <a:srgbClr val="404040"/>
+              </a:solidFill>
+              <a:ea typeface="+mn-ea"/>
+              <a:cs typeface="+mn-cs"/>
+            </a:endParaRPr>
+          </a:p>
+        </p:txBody>
+      </p:sp>
+      <p:sp>
+        <p:nvSpPr>
+          <p:cNvPr id="10" name="Content Placeholder 2">
+            <a:extLst>
+              <a:ext uri="{FF2B5EF4-FFF2-40B4-BE49-F238E27FC236}">
+                <a16:creationId xmlns:a16="http://schemas.microsoft.com/office/drawing/2014/main" id="{10754C74-871F-42E2-A79F-10B9CCA16CD5}"/>
+              </a:ext>
+            </a:extLst>
+          </p:cNvPr>
+          <p:cNvSpPr txBox="1">
+            <a:spLocks/>
+          </p:cNvSpPr>
+          <p:nvPr/>
+        </p:nvSpPr>
+        <p:spPr bwMode="auto">
+          <a:xfrm>
+            <a:off x="3973322" y="643466"/>
+            <a:ext cx="4851400" cy="5953916"/>
+          </a:xfrm>
+          <a:prstGeom prst="rect">
+            <a:avLst/>
+          </a:prstGeom>
+        </p:spPr>
+        <p:txBody>
+          <a:bodyPr vert="horz" lIns="91440" tIns="45720" rIns="91440" bIns="45720" numCol="1" rtlCol="0" anchorCtr="0" compatLnSpc="1">
+            <a:prstTxWarp prst="textNoShape">
+              <a:avLst/>
+            </a:prstTxWarp>
+            <a:noAutofit/>
+          </a:bodyPr>
+          <a:lstStyle>
+            <a:lvl1pPr marL="342900" indent="-342900" algn="l" defTabSz="457200" rtl="0" eaLnBrk="0" fontAlgn="base" hangingPunct="0">
+              <a:spcBef>
+                <a:spcPct val="20000"/>
+              </a:spcBef>
+              <a:spcAft>
+                <a:spcPct val="0"/>
+              </a:spcAft>
+              <a:buFont typeface="Arial" charset="0"/>
+              <a:buChar char="•"/>
+              <a:defRPr sz="3200" kern="1200">
+                <a:solidFill>
+                  <a:schemeClr val="tx1"/>
+                </a:solidFill>
+                <a:latin typeface="+mn-lt"/>
+                <a:ea typeface="ＭＳ Ｐゴシック" pitchFamily="-109" charset="-128"/>
+                <a:cs typeface="ＭＳ Ｐゴシック" pitchFamily="-109" charset="-128"/>
+              </a:defRPr>
+            </a:lvl1pPr>
+            <a:lvl2pPr marL="742950" indent="-285750" algn="l" defTabSz="457200" rtl="0" eaLnBrk="0" fontAlgn="base" hangingPunct="0">
+              <a:spcBef>
+                <a:spcPct val="20000"/>
+              </a:spcBef>
+              <a:spcAft>
+                <a:spcPct val="0"/>
+              </a:spcAft>
+              <a:buFont typeface="Arial" charset="0"/>
+              <a:buChar char="–"/>
+              <a:defRPr sz="2800" kern="1200">
+                <a:solidFill>
+                  <a:schemeClr val="tx1"/>
+                </a:solidFill>
+                <a:latin typeface="+mn-lt"/>
+                <a:ea typeface="ＭＳ Ｐゴシック" pitchFamily="-109" charset="-128"/>
+                <a:cs typeface="+mn-cs"/>
+              </a:defRPr>
+            </a:lvl2pPr>
+            <a:lvl3pPr marL="1143000" indent="-228600" algn="l" defTabSz="457200" rtl="0" eaLnBrk="0" fontAlgn="base" hangingPunct="0">
+              <a:spcBef>
+                <a:spcPct val="20000"/>
+              </a:spcBef>
+              <a:spcAft>
+                <a:spcPct val="0"/>
+              </a:spcAft>
+              <a:buFont typeface="Arial" charset="0"/>
+              <a:buChar char="•"/>
+              <a:defRPr sz="2400" kern="1200">
+                <a:solidFill>
+                  <a:schemeClr val="tx1"/>
+                </a:solidFill>
+                <a:latin typeface="+mn-lt"/>
+                <a:ea typeface="ＭＳ Ｐゴシック" pitchFamily="-109" charset="-128"/>
+                <a:cs typeface="+mn-cs"/>
+              </a:defRPr>
+            </a:lvl3pPr>
+            <a:lvl4pPr marL="1600200" indent="-228600" algn="l" defTabSz="457200" rtl="0" eaLnBrk="0" fontAlgn="base" hangingPunct="0">
+              <a:spcBef>
+                <a:spcPct val="20000"/>
+              </a:spcBef>
+              <a:spcAft>
+                <a:spcPct val="0"/>
+              </a:spcAft>
+              <a:buFont typeface="Arial" charset="0"/>
+              <a:buChar char="–"/>
+              <a:defRPr sz="2000" kern="1200">
+                <a:solidFill>
+                  <a:schemeClr val="tx1"/>
+                </a:solidFill>
+                <a:latin typeface="+mn-lt"/>
+                <a:ea typeface="ＭＳ Ｐゴシック" pitchFamily="-109" charset="-128"/>
+                <a:cs typeface="+mn-cs"/>
+              </a:defRPr>
+            </a:lvl4pPr>
+            <a:lvl5pPr marL="2057400" indent="-228600" algn="l" defTabSz="457200" rtl="0" eaLnBrk="0" fontAlgn="base" hangingPunct="0">
+              <a:spcBef>
+                <a:spcPct val="20000"/>
+              </a:spcBef>
+              <a:spcAft>
+                <a:spcPct val="0"/>
+              </a:spcAft>
+              <a:buFont typeface="Arial" charset="0"/>
+              <a:buChar char="»"/>
+              <a:defRPr sz="2000" kern="1200">
+                <a:solidFill>
+                  <a:schemeClr val="tx1"/>
+                </a:solidFill>
+                <a:latin typeface="+mn-lt"/>
+                <a:ea typeface="ＭＳ Ｐゴシック" pitchFamily="-109" charset="-128"/>
+                <a:cs typeface="+mn-cs"/>
+              </a:defRPr>
+            </a:lvl5pPr>
+            <a:lvl6pPr marL="2514600" indent="-228600" algn="l" defTabSz="457200" rtl="0" eaLnBrk="1" latinLnBrk="0" hangingPunct="1">
+              <a:spcBef>
+                <a:spcPct val="20000"/>
+              </a:spcBef>
+              <a:buFont typeface="Arial"/>
+              <a:buChar char="•"/>
+              <a:defRPr sz="2000" kern="1200">
+                <a:solidFill>
+                  <a:schemeClr val="tx1"/>
+                </a:solidFill>
+                <a:latin typeface="+mn-lt"/>
+                <a:ea typeface="+mn-ea"/>
+                <a:cs typeface="+mn-cs"/>
+              </a:defRPr>
+            </a:lvl6pPr>
+            <a:lvl7pPr marL="2971800" indent="-228600" algn="l" defTabSz="457200" rtl="0" eaLnBrk="1" latinLnBrk="0" hangingPunct="1">
+              <a:spcBef>
+                <a:spcPct val="20000"/>
+              </a:spcBef>
+              <a:buFont typeface="Arial"/>
+              <a:buChar char="•"/>
+              <a:defRPr sz="2000" kern="1200">
+                <a:solidFill>
+                  <a:schemeClr val="tx1"/>
+                </a:solidFill>
+                <a:latin typeface="+mn-lt"/>
+                <a:ea typeface="+mn-ea"/>
+                <a:cs typeface="+mn-cs"/>
+              </a:defRPr>
+            </a:lvl7pPr>
+            <a:lvl8pPr marL="3429000" indent="-228600" algn="l" defTabSz="457200" rtl="0" eaLnBrk="1" latinLnBrk="0" hangingPunct="1">
+              <a:spcBef>
+                <a:spcPct val="20000"/>
+              </a:spcBef>
+              <a:buFont typeface="Arial"/>
+              <a:buChar char="•"/>
+              <a:defRPr sz="2000" kern="1200">
+                <a:solidFill>
+                  <a:schemeClr val="tx1"/>
+                </a:solidFill>
+                <a:latin typeface="+mn-lt"/>
+                <a:ea typeface="+mn-ea"/>
+                <a:cs typeface="+mn-cs"/>
+              </a:defRPr>
+            </a:lvl8pPr>
+            <a:lvl9pPr marL="3886200" indent="-228600" algn="l" defTabSz="457200" rtl="0" eaLnBrk="1" latinLnBrk="0" hangingPunct="1">
+              <a:spcBef>
+                <a:spcPct val="20000"/>
+              </a:spcBef>
+              <a:buFont typeface="Arial"/>
+              <a:buChar char="•"/>
+              <a:defRPr sz="2000" kern="1200">
+                <a:solidFill>
+                  <a:schemeClr val="tx1"/>
+                </a:solidFill>
+                <a:latin typeface="+mn-lt"/>
+                <a:ea typeface="+mn-ea"/>
+                <a:cs typeface="+mn-cs"/>
+              </a:defRPr>
+            </a:lvl9pPr>
+          </a:lstStyle>
+          <a:p>
+            <a:pPr marL="114300" indent="0" defTabSz="914400" eaLnBrk="1" hangingPunct="1">
+              <a:lnSpc>
+                <a:spcPct val="90000"/>
+              </a:lnSpc>
+              <a:buNone/>
+            </a:pPr>
+            <a:r>
+              <a:rPr lang="en-US" sz="7200" dirty="0">
+                <a:solidFill>
+                  <a:srgbClr val="404040"/>
+                </a:solidFill>
+                <a:ea typeface="+mn-ea"/>
+                <a:cs typeface="+mn-cs"/>
+              </a:rPr>
+              <a:t>Disperse and Make Reasonable Decisions</a:t>
+            </a:r>
+          </a:p>
+          <a:p>
+            <a:pPr indent="-228600" defTabSz="914400" eaLnBrk="1" hangingPunct="1">
+              <a:lnSpc>
+                <a:spcPct val="90000"/>
+              </a:lnSpc>
+              <a:buFont typeface="Arial" panose="020B0604020202020204" pitchFamily="34" charset="0"/>
+              <a:buChar char="•"/>
+            </a:pPr>
+            <a:endParaRPr lang="en-US" sz="7200" dirty="0">
+              <a:solidFill>
+                <a:srgbClr val="404040"/>
+              </a:solidFill>
+              <a:ea typeface="+mn-ea"/>
+              <a:cs typeface="+mn-cs"/>
+            </a:endParaRPr>
+          </a:p>
+          <a:p>
+            <a:pPr indent="-228600" defTabSz="914400" eaLnBrk="1" hangingPunct="1">
+              <a:lnSpc>
+                <a:spcPct val="90000"/>
+              </a:lnSpc>
+              <a:buFont typeface="Arial" panose="020B0604020202020204" pitchFamily="34" charset="0"/>
+              <a:buChar char="•"/>
+            </a:pPr>
+            <a:endParaRPr lang="en-US" sz="7200" dirty="0">
+              <a:solidFill>
+                <a:srgbClr val="404040"/>
+              </a:solidFill>
+              <a:ea typeface="+mn-ea"/>
+              <a:cs typeface="+mn-cs"/>
+            </a:endParaRPr>
+          </a:p>
+          <a:p>
+            <a:pPr indent="-228600" defTabSz="914400" eaLnBrk="1" hangingPunct="1">
+              <a:lnSpc>
+                <a:spcPct val="90000"/>
+              </a:lnSpc>
+              <a:buFont typeface="Arial" panose="020B0604020202020204" pitchFamily="34" charset="0"/>
+              <a:buChar char="•"/>
+            </a:pPr>
+            <a:endParaRPr lang="en-US" sz="7200" dirty="0">
+              <a:solidFill>
+                <a:srgbClr val="404040"/>
+              </a:solidFill>
+              <a:ea typeface="+mn-ea"/>
+              <a:cs typeface="+mn-cs"/>
+            </a:endParaRPr>
+          </a:p>
+          <a:p>
+            <a:pPr indent="-228600" defTabSz="914400" eaLnBrk="1" hangingPunct="1">
+              <a:lnSpc>
+                <a:spcPct val="90000"/>
+              </a:lnSpc>
+              <a:buFont typeface="Arial" panose="020B0604020202020204" pitchFamily="34" charset="0"/>
+              <a:buChar char="•"/>
+            </a:pPr>
+            <a:endParaRPr lang="en-US" sz="7200" dirty="0">
+              <a:solidFill>
+                <a:srgbClr val="404040"/>
+              </a:solidFill>
+              <a:ea typeface="+mn-ea"/>
+              <a:cs typeface="+mn-cs"/>
+            </a:endParaRPr>
+          </a:p>
+        </p:txBody>
+      </p:sp>
     </p:spTree>
     <p:custDataLst>
       <p:tags r:id="rId1"/>
     </p:custDataLst>
     <p:extLst>
       <p:ext uri="{BB962C8B-B14F-4D97-AF65-F5344CB8AC3E}">
-        <p14:creationId xmlns:p14="http://schemas.microsoft.com/office/powerpoint/2010/main" val="4120720136"/>
-      </p:ext>
-    </p:extLst>
-  </p:cSld>
-  <p:clrMapOvr>
-    <a:masterClrMapping/>
-  </p:clrMapOvr>
-</p:sld>
-</file>
-
-<file path=ppt/slides/slide19.xml><?xml version="1.0" encoding="utf-8"?>
-<p:sld xmlns:a="http://schemas.openxmlformats.org/drawingml/2006/main" xmlns:r="http://schemas.openxmlformats.org/officeDocument/2006/relationships" xmlns:p="http://schemas.openxmlformats.org/presentationml/2006/main">
-  <p:cSld>
-    <p:bg>
-      <p:bgPr>
-        <a:solidFill>
-          <a:schemeClr val="bg1">
-            <a:lumMod val="85000"/>
-          </a:schemeClr>
-        </a:solidFill>
-        <a:effectLst/>
-      </p:bgPr>
-    </p:bg>
-    <p:spTree>
-      <p:nvGrpSpPr>
-        <p:cNvPr id="1" name=""/>
-        <p:cNvGrpSpPr/>
-        <p:nvPr/>
-      </p:nvGrpSpPr>
-      <p:grpSpPr>
-        <a:xfrm>
-          <a:off x="0" y="0"/>
-          <a:ext cx="0" cy="0"/>
-          <a:chOff x="0" y="0"/>
-          <a:chExt cx="0" cy="0"/>
-        </a:xfrm>
-      </p:grpSpPr>
-      <p:sp>
-        <p:nvSpPr>
-          <p:cNvPr id="15" name="Rectangle 12">
-            <a:extLst>
-              <a:ext uri="{FF2B5EF4-FFF2-40B4-BE49-F238E27FC236}">
-                <a16:creationId xmlns:a16="http://schemas.microsoft.com/office/drawing/2014/main" id="{867D4867-5BA7-4462-B2F6-A23F4A622AA7}"/>
-              </a:ext>
-              <a:ext uri="{C183D7F6-B498-43B3-948B-1728B52AA6E4}">
-                <adec:decorative xmlns:adec="http://schemas.microsoft.com/office/drawing/2017/decorative" val="1"/>
-              </a:ext>
-            </a:extLst>
-          </p:cNvPr>
-          <p:cNvSpPr>
-            <a:spLocks noGrp="1" noRot="1" noChangeAspect="1" noMove="1" noResize="1" noEditPoints="1" noAdjustHandles="1" noChangeArrowheads="1" noChangeShapeType="1" noTextEdit="1"/>
-          </p:cNvSpPr>
-          <p:nvPr>
-            <p:extLst>
-              <p:ext uri="{386F3935-93C4-4BCD-93E2-E3B085C9AB24}">
-                <p16:designElem xmlns:p16="http://schemas.microsoft.com/office/powerpoint/2015/main" val="1"/>
-              </p:ext>
-            </p:extLst>
-          </p:nvPr>
-        </p:nvSpPr>
-        <p:spPr>
-          <a:xfrm>
-            <a:off x="0" y="0"/>
-            <a:ext cx="3490722" cy="6858000"/>
-          </a:xfrm>
-          <a:prstGeom prst="rect">
-            <a:avLst/>
-          </a:prstGeom>
-          <a:solidFill>
-            <a:schemeClr val="tx1">
-              <a:lumMod val="75000"/>
-              <a:lumOff val="25000"/>
-            </a:schemeClr>
-          </a:solidFill>
-          <a:ln>
-            <a:noFill/>
-          </a:ln>
-        </p:spPr>
-        <p:style>
-          <a:lnRef idx="0">
-            <a:scrgbClr r="0" g="0" b="0"/>
-          </a:lnRef>
-          <a:fillRef idx="0">
-            <a:scrgbClr r="0" g="0" b="0"/>
-          </a:fillRef>
-          <a:effectRef idx="0">
-            <a:scrgbClr r="0" g="0" b="0"/>
-          </a:effectRef>
-          <a:fontRef idx="minor">
-            <a:schemeClr val="lt1"/>
-          </a:fontRef>
-        </p:style>
-        <p:txBody>
-          <a:bodyPr rtlCol="0" anchor="ctr"/>
-          <a:lstStyle/>
-          <a:p>
-            <a:pPr marL="0" marR="0" lvl="0" indent="0" algn="ctr" defTabSz="457200" rtl="0" eaLnBrk="1" fontAlgn="base" latinLnBrk="0" hangingPunct="1">
-              <a:lnSpc>
-                <a:spcPct val="100000"/>
-              </a:lnSpc>
-              <a:spcBef>
-                <a:spcPct val="0"/>
-              </a:spcBef>
-              <a:spcAft>
-                <a:spcPct val="0"/>
-              </a:spcAft>
-              <a:buClrTx/>
-              <a:buSzTx/>
-              <a:buFontTx/>
-              <a:buNone/>
-              <a:tabLst/>
-              <a:defRPr/>
-            </a:pPr>
-            <a:endParaRPr kumimoji="0" lang="en-US" sz="2400" b="0" i="0" u="none" strike="noStrike" kern="1200" cap="none" spc="0" normalizeH="0" baseline="0" noProof="0">
-              <a:ln>
-                <a:noFill/>
-              </a:ln>
-              <a:solidFill>
-                <a:prstClr val="white"/>
-              </a:solidFill>
-              <a:effectLst/>
-              <a:uLnTx/>
-              <a:uFillTx/>
-              <a:latin typeface="Calibri"/>
-              <a:ea typeface="+mn-ea"/>
-              <a:cs typeface="+mn-cs"/>
-            </a:endParaRPr>
-          </a:p>
-        </p:txBody>
-      </p:sp>
-      <p:sp>
-        <p:nvSpPr>
-          <p:cNvPr id="2" name="Title 1"/>
-          <p:cNvSpPr>
-            <a:spLocks noGrp="1"/>
-          </p:cNvSpPr>
-          <p:nvPr>
-            <p:ph type="title"/>
-          </p:nvPr>
-        </p:nvSpPr>
-        <p:spPr>
-          <a:xfrm>
-            <a:off x="482600" y="643467"/>
-            <a:ext cx="2522980" cy="1597315"/>
-          </a:xfrm>
-          <a:noFill/>
-          <a:ln w="19050">
-            <a:solidFill>
-              <a:schemeClr val="bg1"/>
-            </a:solidFill>
-          </a:ln>
-        </p:spPr>
-        <p:txBody>
-          <a:bodyPr vert="horz" wrap="square" lIns="91440" tIns="45720" rIns="91440" bIns="45720" rtlCol="0" anchor="ctr">
-            <a:normAutofit/>
-          </a:bodyPr>
-          <a:lstStyle/>
-          <a:p>
-            <a:pPr defTabSz="914400" eaLnBrk="1" hangingPunct="1">
-              <a:lnSpc>
-                <a:spcPct val="90000"/>
-              </a:lnSpc>
-            </a:pPr>
-            <a:r>
-              <a:rPr lang="en-US" sz="2400" dirty="0">
-                <a:solidFill>
-                  <a:schemeClr val="bg1"/>
-                </a:solidFill>
-              </a:rPr>
-              <a:t>Part 4: </a:t>
-            </a:r>
-            <a:br>
-              <a:rPr lang="en-US" sz="2400" dirty="0">
-                <a:solidFill>
-                  <a:schemeClr val="bg1"/>
-                </a:solidFill>
-              </a:rPr>
-            </a:br>
-            <a:r>
-              <a:rPr lang="en-US" sz="2400" dirty="0">
-                <a:solidFill>
-                  <a:schemeClr val="bg1"/>
-                </a:solidFill>
-              </a:rPr>
-              <a:t>Logistic Model</a:t>
-            </a:r>
-            <a:endParaRPr lang="en-US" sz="2400" kern="1200" dirty="0">
-              <a:solidFill>
-                <a:schemeClr val="bg1"/>
-              </a:solidFill>
-              <a:latin typeface="+mj-lt"/>
-              <a:ea typeface="+mj-ea"/>
-              <a:cs typeface="+mj-cs"/>
-            </a:endParaRPr>
-          </a:p>
-        </p:txBody>
-      </p:sp>
-      <p:pic>
-        <p:nvPicPr>
-          <p:cNvPr id="8" name="Picture 7">
-            <a:extLst>
-              <a:ext uri="{FF2B5EF4-FFF2-40B4-BE49-F238E27FC236}">
-                <a16:creationId xmlns:a16="http://schemas.microsoft.com/office/drawing/2014/main" id="{521D4292-9ECC-4DA5-8CC0-C561A0DA118E}"/>
-              </a:ext>
-            </a:extLst>
-          </p:cNvPr>
-          <p:cNvPicPr>
-            <a:picLocks noChangeAspect="1"/>
-          </p:cNvPicPr>
-          <p:nvPr/>
-        </p:nvPicPr>
-        <p:blipFill rotWithShape="1">
-          <a:blip r:embed="rId3"/>
-          <a:srcRect l="8000" r="9400"/>
-          <a:stretch/>
-        </p:blipFill>
-        <p:spPr>
-          <a:xfrm>
-            <a:off x="660103" y="3048000"/>
-            <a:ext cx="2167974" cy="2624666"/>
-          </a:xfrm>
-          <a:prstGeom prst="rect">
-            <a:avLst/>
-          </a:prstGeom>
-          <a:noFill/>
-        </p:spPr>
-      </p:pic>
-      <p:sp>
-        <p:nvSpPr>
-          <p:cNvPr id="7" name="TextBox 6">
-            <a:extLst>
-              <a:ext uri="{FF2B5EF4-FFF2-40B4-BE49-F238E27FC236}">
-                <a16:creationId xmlns:a16="http://schemas.microsoft.com/office/drawing/2014/main" id="{DF060353-BDFF-427E-8ABE-861948AE3B71}"/>
-              </a:ext>
-            </a:extLst>
-          </p:cNvPr>
-          <p:cNvSpPr txBox="1"/>
-          <p:nvPr/>
-        </p:nvSpPr>
-        <p:spPr>
-          <a:xfrm>
-            <a:off x="3810000" y="506762"/>
-            <a:ext cx="5334000" cy="5632311"/>
-          </a:xfrm>
-          <a:prstGeom prst="rect">
-            <a:avLst/>
-          </a:prstGeom>
-          <a:noFill/>
-        </p:spPr>
-        <p:txBody>
-          <a:bodyPr wrap="square" rtlCol="0">
-            <a:spAutoFit/>
-          </a:bodyPr>
-          <a:lstStyle/>
-          <a:p>
-            <a:pPr marL="342900" indent="-342900">
-              <a:buFont typeface="Arial" panose="020B0604020202020204" pitchFamily="34" charset="0"/>
-              <a:buChar char="•"/>
-              <a:defRPr/>
-            </a:pPr>
-            <a:r>
-              <a:rPr lang="en-US" dirty="0">
-                <a:solidFill>
-                  <a:srgbClr val="404040"/>
-                </a:solidFill>
-              </a:rPr>
-              <a:t>Run Chunk 1</a:t>
-            </a:r>
-          </a:p>
-          <a:p>
-            <a:pPr marL="342900" indent="-342900">
-              <a:buFont typeface="Arial" panose="020B0604020202020204" pitchFamily="34" charset="0"/>
-              <a:buChar char="•"/>
-              <a:defRPr/>
-            </a:pPr>
-            <a:endParaRPr lang="en-US" dirty="0">
-              <a:solidFill>
-                <a:srgbClr val="404040"/>
-              </a:solidFill>
-            </a:endParaRPr>
-          </a:p>
-          <a:p>
-            <a:pPr marL="800100" lvl="1" indent="-342900">
-              <a:buFont typeface="Arial" panose="020B0604020202020204" pitchFamily="34" charset="0"/>
-              <a:buChar char="•"/>
-              <a:defRPr/>
-            </a:pPr>
-            <a:r>
-              <a:rPr lang="en-US" dirty="0">
-                <a:solidFill>
-                  <a:srgbClr val="404040"/>
-                </a:solidFill>
-              </a:rPr>
-              <a:t>Plant that Seed</a:t>
-            </a:r>
-          </a:p>
-          <a:p>
-            <a:pPr marL="800100" lvl="1" indent="-342900">
-              <a:buFont typeface="Arial" panose="020B0604020202020204" pitchFamily="34" charset="0"/>
-              <a:buChar char="•"/>
-              <a:defRPr/>
-            </a:pPr>
-            <a:r>
-              <a:rPr lang="en-US" dirty="0">
-                <a:solidFill>
-                  <a:srgbClr val="404040"/>
-                </a:solidFill>
-              </a:rPr>
-              <a:t>Example Model</a:t>
-            </a:r>
-          </a:p>
-          <a:p>
-            <a:pPr marL="800100" lvl="1" indent="-342900">
-              <a:buFont typeface="Arial" panose="020B0604020202020204" pitchFamily="34" charset="0"/>
-              <a:buChar char="•"/>
-              <a:defRPr/>
-            </a:pPr>
-            <a:endParaRPr lang="en-US" dirty="0">
-              <a:solidFill>
-                <a:srgbClr val="404040"/>
-              </a:solidFill>
-            </a:endParaRPr>
-          </a:p>
-          <a:p>
-            <a:pPr marL="800100" lvl="1" indent="-342900">
-              <a:buFont typeface="Arial" panose="020B0604020202020204" pitchFamily="34" charset="0"/>
-              <a:buChar char="•"/>
-              <a:defRPr/>
-            </a:pPr>
-            <a:endParaRPr lang="en-US" dirty="0">
-              <a:solidFill>
-                <a:srgbClr val="404040"/>
-              </a:solidFill>
-            </a:endParaRPr>
-          </a:p>
-          <a:p>
-            <a:pPr marL="800100" lvl="1" indent="-342900">
-              <a:buFont typeface="Arial" panose="020B0604020202020204" pitchFamily="34" charset="0"/>
-              <a:buChar char="•"/>
-              <a:defRPr/>
-            </a:pPr>
-            <a:endParaRPr lang="en-US" dirty="0">
-              <a:solidFill>
-                <a:srgbClr val="404040"/>
-              </a:solidFill>
-            </a:endParaRPr>
-          </a:p>
-          <a:p>
-            <a:pPr marL="800100" lvl="1" indent="-342900">
-              <a:buFont typeface="Arial" panose="020B0604020202020204" pitchFamily="34" charset="0"/>
-              <a:buChar char="•"/>
-              <a:defRPr/>
-            </a:pPr>
-            <a:endParaRPr lang="en-US" dirty="0">
-              <a:solidFill>
-                <a:srgbClr val="404040"/>
-              </a:solidFill>
-            </a:endParaRPr>
-          </a:p>
-          <a:p>
-            <a:pPr marL="800100" lvl="1" indent="-342900">
-              <a:buFont typeface="Arial" panose="020B0604020202020204" pitchFamily="34" charset="0"/>
-              <a:buChar char="•"/>
-              <a:defRPr/>
-            </a:pPr>
-            <a:endParaRPr lang="en-US" dirty="0">
-              <a:solidFill>
-                <a:srgbClr val="404040"/>
-              </a:solidFill>
-            </a:endParaRPr>
-          </a:p>
-          <a:p>
-            <a:pPr marL="800100" lvl="1" indent="-342900">
-              <a:buFont typeface="Arial" panose="020B0604020202020204" pitchFamily="34" charset="0"/>
-              <a:buChar char="•"/>
-              <a:defRPr/>
-            </a:pPr>
-            <a:endParaRPr lang="en-US" dirty="0">
-              <a:solidFill>
-                <a:srgbClr val="404040"/>
-              </a:solidFill>
-            </a:endParaRPr>
-          </a:p>
-          <a:p>
-            <a:pPr marL="800100" lvl="1" indent="-342900">
-              <a:buFont typeface="Arial" panose="020B0604020202020204" pitchFamily="34" charset="0"/>
-              <a:buChar char="•"/>
-              <a:defRPr/>
-            </a:pPr>
-            <a:r>
-              <a:rPr lang="en-US" dirty="0">
-                <a:solidFill>
-                  <a:srgbClr val="404040"/>
-                </a:solidFill>
-              </a:rPr>
-              <a:t>Parameter Investigation</a:t>
-            </a:r>
-          </a:p>
-          <a:p>
-            <a:pPr marL="1257300" lvl="2" indent="-342900">
-              <a:buFont typeface="Arial" panose="020B0604020202020204" pitchFamily="34" charset="0"/>
-              <a:buChar char="•"/>
-              <a:defRPr/>
-            </a:pPr>
-            <a:r>
-              <a:rPr lang="en-US" dirty="0">
-                <a:solidFill>
-                  <a:srgbClr val="404040"/>
-                </a:solidFill>
-              </a:rPr>
-              <a:t>What Does 7 Represent?</a:t>
-            </a:r>
-          </a:p>
-          <a:p>
-            <a:pPr marL="1257300" lvl="2" indent="-342900">
-              <a:buFont typeface="Arial" panose="020B0604020202020204" pitchFamily="34" charset="0"/>
-              <a:buChar char="•"/>
-              <a:defRPr/>
-            </a:pPr>
-            <a:r>
-              <a:rPr lang="en-US" dirty="0">
-                <a:solidFill>
-                  <a:srgbClr val="404040"/>
-                </a:solidFill>
-              </a:rPr>
-              <a:t>What Does 12 Represent?</a:t>
-            </a:r>
-          </a:p>
-          <a:p>
-            <a:pPr marL="1257300" lvl="2" indent="-342900">
-              <a:buFont typeface="Arial" panose="020B0604020202020204" pitchFamily="34" charset="0"/>
-              <a:buChar char="•"/>
-              <a:defRPr/>
-            </a:pPr>
-            <a:r>
-              <a:rPr lang="en-US" dirty="0">
-                <a:solidFill>
-                  <a:srgbClr val="404040"/>
-                </a:solidFill>
-              </a:rPr>
-              <a:t>What Does 4 Represent?</a:t>
-            </a:r>
-          </a:p>
-          <a:p>
-            <a:pPr marL="1257300" lvl="2" indent="-342900">
-              <a:buFont typeface="Arial" panose="020B0604020202020204" pitchFamily="34" charset="0"/>
-              <a:buChar char="•"/>
-              <a:defRPr/>
-            </a:pPr>
-            <a:r>
-              <a:rPr lang="en-US" dirty="0">
-                <a:solidFill>
-                  <a:srgbClr val="404040"/>
-                </a:solidFill>
-              </a:rPr>
-              <a:t>What Does 1 Represent?</a:t>
-            </a:r>
-          </a:p>
-        </p:txBody>
-      </p:sp>
-      <p:pic>
-        <p:nvPicPr>
-          <p:cNvPr id="3" name="Picture 2">
-            <a:extLst>
-              <a:ext uri="{FF2B5EF4-FFF2-40B4-BE49-F238E27FC236}">
-                <a16:creationId xmlns:a16="http://schemas.microsoft.com/office/drawing/2014/main" id="{3C97FE89-303B-4945-BF2F-FDBA004BE648}"/>
-              </a:ext>
-            </a:extLst>
-          </p:cNvPr>
-          <p:cNvPicPr>
-            <a:picLocks noChangeAspect="1"/>
-          </p:cNvPicPr>
-          <p:nvPr/>
-        </p:nvPicPr>
-        <p:blipFill>
-          <a:blip r:embed="rId4"/>
-          <a:stretch>
-            <a:fillRect/>
-          </a:stretch>
-        </p:blipFill>
-        <p:spPr>
-          <a:xfrm>
-            <a:off x="4724400" y="2133600"/>
-            <a:ext cx="3056425" cy="2023904"/>
-          </a:xfrm>
-          <a:prstGeom prst="rect">
-            <a:avLst/>
-          </a:prstGeom>
-          <a:ln>
-            <a:solidFill>
-              <a:srgbClr val="404040"/>
-            </a:solidFill>
-          </a:ln>
-        </p:spPr>
-        <p:style>
-          <a:lnRef idx="2">
-            <a:schemeClr val="dk1"/>
-          </a:lnRef>
-          <a:fillRef idx="1">
-            <a:schemeClr val="lt1"/>
-          </a:fillRef>
-          <a:effectRef idx="0">
-            <a:schemeClr val="dk1"/>
-          </a:effectRef>
-          <a:fontRef idx="minor">
-            <a:schemeClr val="dk1"/>
-          </a:fontRef>
-        </p:style>
-      </p:pic>
-    </p:spTree>
-    <p:custDataLst>
-      <p:tags r:id="rId1"/>
-    </p:custDataLst>
-    <p:extLst>
-      <p:ext uri="{BB962C8B-B14F-4D97-AF65-F5344CB8AC3E}">
-        <p14:creationId xmlns:p14="http://schemas.microsoft.com/office/powerpoint/2010/main" val="114294269"/>
+        <p14:creationId xmlns:p14="http://schemas.microsoft.com/office/powerpoint/2010/main" val="3647066437"/>
       </p:ext>
     </p:extLst>
   </p:cSld>
@@ -15148,7 +14034,7 @@
 </p:sld>
 </file>
 
-<file path=ppt/slides/slide20.xml><?xml version="1.0" encoding="utf-8"?>
+<file path=ppt/slides/slide3.xml><?xml version="1.0" encoding="utf-8"?>
 <p:sld xmlns:a="http://schemas.openxmlformats.org/drawingml/2006/main" xmlns:r="http://schemas.openxmlformats.org/officeDocument/2006/relationships" xmlns:p="http://schemas.openxmlformats.org/presentationml/2006/main">
   <p:cSld>
     <p:bg>
@@ -15306,23 +14192,10 @@
                 <a:solidFill>
                   <a:schemeClr val="bg1"/>
                 </a:solidFill>
+                <a:ea typeface="+mj-ea"/>
+                <a:cs typeface="+mj-cs"/>
               </a:rPr>
-              <a:t>Part 4: </a:t>
-            </a:r>
-            <a:br>
-              <a:rPr lang="en-US" sz="2400" dirty="0">
-                <a:solidFill>
-                  <a:schemeClr val="bg1"/>
-                </a:solidFill>
-              </a:rPr>
-            </a:br>
-            <a:r>
-              <a:rPr lang="en-US" sz="2400" dirty="0">
-                <a:solidFill>
-                  <a:schemeClr val="bg1"/>
-                </a:solidFill>
-              </a:rPr>
-              <a:t>Logistic Model</a:t>
+              <a:t>Introduction</a:t>
             </a:r>
             <a:endParaRPr lang="en-US" sz="2400" kern="1200" dirty="0">
               <a:solidFill>
@@ -15379,4117 +14252,6 @@
         </p:nvSpPr>
         <p:spPr>
           <a:xfrm>
-            <a:off x="3810000" y="506762"/>
-            <a:ext cx="5334000" cy="5262979"/>
-          </a:xfrm>
-          <a:prstGeom prst="rect">
-            <a:avLst/>
-          </a:prstGeom>
-          <a:noFill/>
-        </p:spPr>
-        <p:txBody>
-          <a:bodyPr wrap="square" rtlCol="0">
-            <a:spAutoFit/>
-          </a:bodyPr>
-          <a:lstStyle/>
-          <a:p>
-            <a:pPr marL="342900" indent="-342900">
-              <a:buFont typeface="Arial" panose="020B0604020202020204" pitchFamily="34" charset="0"/>
-              <a:buChar char="•"/>
-              <a:defRPr/>
-            </a:pPr>
-            <a:r>
-              <a:rPr lang="en-US" dirty="0">
-                <a:solidFill>
-                  <a:srgbClr val="404040"/>
-                </a:solidFill>
-              </a:rPr>
-              <a:t>Run Chunk 2</a:t>
-            </a:r>
-          </a:p>
-          <a:p>
-            <a:pPr marL="800100" lvl="1" indent="-342900">
-              <a:buFont typeface="Arial" panose="020B0604020202020204" pitchFamily="34" charset="0"/>
-              <a:buChar char="•"/>
-              <a:defRPr/>
-            </a:pPr>
-            <a:endParaRPr lang="en-US" dirty="0">
-              <a:solidFill>
-                <a:srgbClr val="404040"/>
-              </a:solidFill>
-            </a:endParaRPr>
-          </a:p>
-          <a:p>
-            <a:pPr marL="800100" lvl="1" indent="-342900">
-              <a:buFont typeface="Arial" panose="020B0604020202020204" pitchFamily="34" charset="0"/>
-              <a:buChar char="•"/>
-              <a:defRPr/>
-            </a:pPr>
-            <a:r>
-              <a:rPr lang="en-US" dirty="0">
-                <a:solidFill>
-                  <a:srgbClr val="404040"/>
-                </a:solidFill>
-              </a:rPr>
-              <a:t>Creation of Modeling Function</a:t>
-            </a:r>
-          </a:p>
-          <a:p>
-            <a:pPr marL="800100" lvl="1" indent="-342900">
-              <a:buFont typeface="Arial" panose="020B0604020202020204" pitchFamily="34" charset="0"/>
-              <a:buChar char="•"/>
-              <a:defRPr/>
-            </a:pPr>
-            <a:r>
-              <a:rPr lang="en-US" dirty="0">
-                <a:solidFill>
-                  <a:srgbClr val="404040"/>
-                </a:solidFill>
-              </a:rPr>
-              <a:t>Creation of MSE Function Specific to this Model</a:t>
-            </a:r>
-          </a:p>
-          <a:p>
-            <a:pPr marL="800100" lvl="1" indent="-342900">
-              <a:buFont typeface="Arial" panose="020B0604020202020204" pitchFamily="34" charset="0"/>
-              <a:buChar char="•"/>
-              <a:defRPr/>
-            </a:pPr>
-            <a:endParaRPr lang="en-US" dirty="0">
-              <a:solidFill>
-                <a:srgbClr val="404040"/>
-              </a:solidFill>
-            </a:endParaRPr>
-          </a:p>
-          <a:p>
-            <a:pPr marL="342900" indent="-342900">
-              <a:buFont typeface="Arial" panose="020B0604020202020204" pitchFamily="34" charset="0"/>
-              <a:buChar char="•"/>
-              <a:defRPr/>
-            </a:pPr>
-            <a:r>
-              <a:rPr lang="en-US" dirty="0">
-                <a:solidFill>
-                  <a:srgbClr val="404040"/>
-                </a:solidFill>
-              </a:rPr>
-              <a:t>Run Chunk 3</a:t>
-            </a:r>
-          </a:p>
-          <a:p>
-            <a:pPr marL="800100" lvl="1" indent="-342900">
-              <a:buFont typeface="Arial" panose="020B0604020202020204" pitchFamily="34" charset="0"/>
-              <a:buChar char="•"/>
-              <a:defRPr/>
-            </a:pPr>
-            <a:endParaRPr lang="en-US" dirty="0">
-              <a:solidFill>
-                <a:srgbClr val="404040"/>
-              </a:solidFill>
-            </a:endParaRPr>
-          </a:p>
-          <a:p>
-            <a:pPr marL="800100" lvl="1" indent="-342900">
-              <a:buFont typeface="Arial" panose="020B0604020202020204" pitchFamily="34" charset="0"/>
-              <a:buChar char="•"/>
-              <a:defRPr/>
-            </a:pPr>
-            <a:r>
-              <a:rPr lang="en-US" dirty="0">
-                <a:solidFill>
-                  <a:srgbClr val="404040"/>
-                </a:solidFill>
-              </a:rPr>
-              <a:t>Use </a:t>
-            </a:r>
-            <a:r>
-              <a:rPr lang="en-US" dirty="0" err="1">
-                <a:solidFill>
-                  <a:srgbClr val="404040"/>
-                </a:solidFill>
-              </a:rPr>
-              <a:t>optim</a:t>
-            </a:r>
-            <a:r>
-              <a:rPr lang="en-US" dirty="0">
-                <a:solidFill>
-                  <a:srgbClr val="404040"/>
-                </a:solidFill>
-              </a:rPr>
-              <a:t>() Function With Smart Starting Values Based on Understanding of The Model</a:t>
-            </a:r>
-          </a:p>
-          <a:p>
-            <a:pPr marL="800100" lvl="1" indent="-342900">
-              <a:buFont typeface="Arial" panose="020B0604020202020204" pitchFamily="34" charset="0"/>
-              <a:buChar char="•"/>
-              <a:defRPr/>
-            </a:pPr>
-            <a:endParaRPr lang="en-US" dirty="0">
-              <a:solidFill>
-                <a:srgbClr val="404040"/>
-              </a:solidFill>
-            </a:endParaRPr>
-          </a:p>
-          <a:p>
-            <a:pPr marL="800100" lvl="1" indent="-342900">
-              <a:buFont typeface="Arial" panose="020B0604020202020204" pitchFamily="34" charset="0"/>
-              <a:buChar char="•"/>
-              <a:defRPr/>
-            </a:pPr>
-            <a:r>
-              <a:rPr lang="en-US" dirty="0">
-                <a:solidFill>
-                  <a:srgbClr val="404040"/>
-                </a:solidFill>
-              </a:rPr>
-              <a:t>Finds Estimates Based on Minimization of MSE</a:t>
-            </a:r>
-          </a:p>
-        </p:txBody>
-      </p:sp>
-    </p:spTree>
-    <p:custDataLst>
-      <p:tags r:id="rId1"/>
-    </p:custDataLst>
-    <p:extLst>
-      <p:ext uri="{BB962C8B-B14F-4D97-AF65-F5344CB8AC3E}">
-        <p14:creationId xmlns:p14="http://schemas.microsoft.com/office/powerpoint/2010/main" val="1424818551"/>
-      </p:ext>
-    </p:extLst>
-  </p:cSld>
-  <p:clrMapOvr>
-    <a:masterClrMapping/>
-  </p:clrMapOvr>
-</p:sld>
-</file>
-
-<file path=ppt/slides/slide21.xml><?xml version="1.0" encoding="utf-8"?>
-<p:sld xmlns:a="http://schemas.openxmlformats.org/drawingml/2006/main" xmlns:r="http://schemas.openxmlformats.org/officeDocument/2006/relationships" xmlns:p="http://schemas.openxmlformats.org/presentationml/2006/main">
-  <p:cSld>
-    <p:bg>
-      <p:bgPr>
-        <a:solidFill>
-          <a:schemeClr val="bg1">
-            <a:lumMod val="85000"/>
-          </a:schemeClr>
-        </a:solidFill>
-        <a:effectLst/>
-      </p:bgPr>
-    </p:bg>
-    <p:spTree>
-      <p:nvGrpSpPr>
-        <p:cNvPr id="1" name=""/>
-        <p:cNvGrpSpPr/>
-        <p:nvPr/>
-      </p:nvGrpSpPr>
-      <p:grpSpPr>
-        <a:xfrm>
-          <a:off x="0" y="0"/>
-          <a:ext cx="0" cy="0"/>
-          <a:chOff x="0" y="0"/>
-          <a:chExt cx="0" cy="0"/>
-        </a:xfrm>
-      </p:grpSpPr>
-      <p:sp>
-        <p:nvSpPr>
-          <p:cNvPr id="15" name="Rectangle 12">
-            <a:extLst>
-              <a:ext uri="{FF2B5EF4-FFF2-40B4-BE49-F238E27FC236}">
-                <a16:creationId xmlns:a16="http://schemas.microsoft.com/office/drawing/2014/main" id="{867D4867-5BA7-4462-B2F6-A23F4A622AA7}"/>
-              </a:ext>
-              <a:ext uri="{C183D7F6-B498-43B3-948B-1728B52AA6E4}">
-                <adec:decorative xmlns:adec="http://schemas.microsoft.com/office/drawing/2017/decorative" val="1"/>
-              </a:ext>
-            </a:extLst>
-          </p:cNvPr>
-          <p:cNvSpPr>
-            <a:spLocks noGrp="1" noRot="1" noChangeAspect="1" noMove="1" noResize="1" noEditPoints="1" noAdjustHandles="1" noChangeArrowheads="1" noChangeShapeType="1" noTextEdit="1"/>
-          </p:cNvSpPr>
-          <p:nvPr>
-            <p:extLst>
-              <p:ext uri="{386F3935-93C4-4BCD-93E2-E3B085C9AB24}">
-                <p16:designElem xmlns:p16="http://schemas.microsoft.com/office/powerpoint/2015/main" val="1"/>
-              </p:ext>
-            </p:extLst>
-          </p:nvPr>
-        </p:nvSpPr>
-        <p:spPr>
-          <a:xfrm>
-            <a:off x="0" y="0"/>
-            <a:ext cx="3490722" cy="6858000"/>
-          </a:xfrm>
-          <a:prstGeom prst="rect">
-            <a:avLst/>
-          </a:prstGeom>
-          <a:solidFill>
-            <a:schemeClr val="tx1">
-              <a:lumMod val="75000"/>
-              <a:lumOff val="25000"/>
-            </a:schemeClr>
-          </a:solidFill>
-          <a:ln>
-            <a:noFill/>
-          </a:ln>
-        </p:spPr>
-        <p:style>
-          <a:lnRef idx="0">
-            <a:scrgbClr r="0" g="0" b="0"/>
-          </a:lnRef>
-          <a:fillRef idx="0">
-            <a:scrgbClr r="0" g="0" b="0"/>
-          </a:fillRef>
-          <a:effectRef idx="0">
-            <a:scrgbClr r="0" g="0" b="0"/>
-          </a:effectRef>
-          <a:fontRef idx="minor">
-            <a:schemeClr val="lt1"/>
-          </a:fontRef>
-        </p:style>
-        <p:txBody>
-          <a:bodyPr rtlCol="0" anchor="ctr"/>
-          <a:lstStyle/>
-          <a:p>
-            <a:pPr marL="0" marR="0" lvl="0" indent="0" algn="ctr" defTabSz="457200" rtl="0" eaLnBrk="1" fontAlgn="base" latinLnBrk="0" hangingPunct="1">
-              <a:lnSpc>
-                <a:spcPct val="100000"/>
-              </a:lnSpc>
-              <a:spcBef>
-                <a:spcPct val="0"/>
-              </a:spcBef>
-              <a:spcAft>
-                <a:spcPct val="0"/>
-              </a:spcAft>
-              <a:buClrTx/>
-              <a:buSzTx/>
-              <a:buFontTx/>
-              <a:buNone/>
-              <a:tabLst/>
-              <a:defRPr/>
-            </a:pPr>
-            <a:endParaRPr kumimoji="0" lang="en-US" sz="2400" b="0" i="0" u="none" strike="noStrike" kern="1200" cap="none" spc="0" normalizeH="0" baseline="0" noProof="0">
-              <a:ln>
-                <a:noFill/>
-              </a:ln>
-              <a:solidFill>
-                <a:prstClr val="white"/>
-              </a:solidFill>
-              <a:effectLst/>
-              <a:uLnTx/>
-              <a:uFillTx/>
-              <a:latin typeface="Calibri"/>
-              <a:ea typeface="+mn-ea"/>
-              <a:cs typeface="+mn-cs"/>
-            </a:endParaRPr>
-          </a:p>
-        </p:txBody>
-      </p:sp>
-      <p:sp>
-        <p:nvSpPr>
-          <p:cNvPr id="2" name="Title 1"/>
-          <p:cNvSpPr>
-            <a:spLocks noGrp="1"/>
-          </p:cNvSpPr>
-          <p:nvPr>
-            <p:ph type="title"/>
-          </p:nvPr>
-        </p:nvSpPr>
-        <p:spPr>
-          <a:xfrm>
-            <a:off x="482600" y="643467"/>
-            <a:ext cx="2522980" cy="1597315"/>
-          </a:xfrm>
-          <a:noFill/>
-          <a:ln w="19050">
-            <a:solidFill>
-              <a:schemeClr val="bg1"/>
-            </a:solidFill>
-          </a:ln>
-        </p:spPr>
-        <p:txBody>
-          <a:bodyPr vert="horz" wrap="square" lIns="91440" tIns="45720" rIns="91440" bIns="45720" rtlCol="0" anchor="ctr">
-            <a:normAutofit/>
-          </a:bodyPr>
-          <a:lstStyle/>
-          <a:p>
-            <a:pPr defTabSz="914400" eaLnBrk="1" hangingPunct="1">
-              <a:lnSpc>
-                <a:spcPct val="90000"/>
-              </a:lnSpc>
-            </a:pPr>
-            <a:r>
-              <a:rPr lang="en-US" sz="2400" dirty="0">
-                <a:solidFill>
-                  <a:schemeClr val="bg1"/>
-                </a:solidFill>
-              </a:rPr>
-              <a:t>Part 4: </a:t>
-            </a:r>
-            <a:br>
-              <a:rPr lang="en-US" sz="2400" dirty="0">
-                <a:solidFill>
-                  <a:schemeClr val="bg1"/>
-                </a:solidFill>
-              </a:rPr>
-            </a:br>
-            <a:r>
-              <a:rPr lang="en-US" sz="2400" dirty="0">
-                <a:solidFill>
-                  <a:schemeClr val="bg1"/>
-                </a:solidFill>
-              </a:rPr>
-              <a:t>Logistic Model</a:t>
-            </a:r>
-            <a:endParaRPr lang="en-US" sz="2400" kern="1200" dirty="0">
-              <a:solidFill>
-                <a:schemeClr val="bg1"/>
-              </a:solidFill>
-              <a:latin typeface="+mj-lt"/>
-              <a:ea typeface="+mj-ea"/>
-              <a:cs typeface="+mj-cs"/>
-            </a:endParaRPr>
-          </a:p>
-        </p:txBody>
-      </p:sp>
-      <p:pic>
-        <p:nvPicPr>
-          <p:cNvPr id="8" name="Picture 7">
-            <a:extLst>
-              <a:ext uri="{FF2B5EF4-FFF2-40B4-BE49-F238E27FC236}">
-                <a16:creationId xmlns:a16="http://schemas.microsoft.com/office/drawing/2014/main" id="{521D4292-9ECC-4DA5-8CC0-C561A0DA118E}"/>
-              </a:ext>
-            </a:extLst>
-          </p:cNvPr>
-          <p:cNvPicPr>
-            <a:picLocks noChangeAspect="1"/>
-          </p:cNvPicPr>
-          <p:nvPr/>
-        </p:nvPicPr>
-        <p:blipFill rotWithShape="1">
-          <a:blip r:embed="rId3"/>
-          <a:srcRect l="8000" r="9400"/>
-          <a:stretch/>
-        </p:blipFill>
-        <p:spPr>
-          <a:xfrm>
-            <a:off x="660103" y="3048000"/>
-            <a:ext cx="2167974" cy="2624666"/>
-          </a:xfrm>
-          <a:prstGeom prst="rect">
-            <a:avLst/>
-          </a:prstGeom>
-          <a:noFill/>
-        </p:spPr>
-      </p:pic>
-      <p:sp>
-        <p:nvSpPr>
-          <p:cNvPr id="7" name="TextBox 6">
-            <a:extLst>
-              <a:ext uri="{FF2B5EF4-FFF2-40B4-BE49-F238E27FC236}">
-                <a16:creationId xmlns:a16="http://schemas.microsoft.com/office/drawing/2014/main" id="{DF060353-BDFF-427E-8ABE-861948AE3B71}"/>
-              </a:ext>
-            </a:extLst>
-          </p:cNvPr>
-          <p:cNvSpPr txBox="1"/>
-          <p:nvPr/>
-        </p:nvSpPr>
-        <p:spPr>
-          <a:xfrm>
-            <a:off x="3810000" y="506762"/>
-            <a:ext cx="5334000" cy="3416320"/>
-          </a:xfrm>
-          <a:prstGeom prst="rect">
-            <a:avLst/>
-          </a:prstGeom>
-          <a:noFill/>
-        </p:spPr>
-        <p:txBody>
-          <a:bodyPr wrap="square" rtlCol="0">
-            <a:spAutoFit/>
-          </a:bodyPr>
-          <a:lstStyle/>
-          <a:p>
-            <a:pPr marL="342900" indent="-342900">
-              <a:buFont typeface="Arial" panose="020B0604020202020204" pitchFamily="34" charset="0"/>
-              <a:buChar char="•"/>
-              <a:defRPr/>
-            </a:pPr>
-            <a:r>
-              <a:rPr lang="en-US" dirty="0">
-                <a:solidFill>
-                  <a:srgbClr val="404040"/>
-                </a:solidFill>
-              </a:rPr>
-              <a:t>Run Chunk 4</a:t>
-            </a:r>
-          </a:p>
-          <a:p>
-            <a:pPr marL="800100" lvl="1" indent="-342900">
-              <a:buFont typeface="Arial" panose="020B0604020202020204" pitchFamily="34" charset="0"/>
-              <a:buChar char="•"/>
-              <a:defRPr/>
-            </a:pPr>
-            <a:endParaRPr lang="en-US" dirty="0">
-              <a:solidFill>
-                <a:srgbClr val="404040"/>
-              </a:solidFill>
-            </a:endParaRPr>
-          </a:p>
-          <a:p>
-            <a:pPr marL="800100" lvl="1" indent="-342900">
-              <a:buFont typeface="Arial" panose="020B0604020202020204" pitchFamily="34" charset="0"/>
-              <a:buChar char="•"/>
-              <a:defRPr/>
-            </a:pPr>
-            <a:r>
-              <a:rPr lang="en-US" dirty="0">
-                <a:solidFill>
-                  <a:srgbClr val="404040"/>
-                </a:solidFill>
-              </a:rPr>
-              <a:t>Use Logistic Model Function and Estimated Parameters from </a:t>
-            </a:r>
-            <a:r>
-              <a:rPr lang="en-US" dirty="0" err="1">
-                <a:solidFill>
-                  <a:srgbClr val="404040"/>
-                </a:solidFill>
-              </a:rPr>
-              <a:t>optim</a:t>
-            </a:r>
-            <a:r>
-              <a:rPr lang="en-US" dirty="0">
-                <a:solidFill>
-                  <a:srgbClr val="404040"/>
-                </a:solidFill>
-              </a:rPr>
-              <a:t>() to Obtain</a:t>
-            </a:r>
-          </a:p>
-          <a:p>
-            <a:pPr marL="1257300" lvl="2" indent="-342900">
-              <a:buFont typeface="Arial" panose="020B0604020202020204" pitchFamily="34" charset="0"/>
-              <a:buChar char="•"/>
-              <a:defRPr/>
-            </a:pPr>
-            <a:endParaRPr lang="en-US" dirty="0">
-              <a:solidFill>
-                <a:srgbClr val="404040"/>
-              </a:solidFill>
-            </a:endParaRPr>
-          </a:p>
-          <a:p>
-            <a:pPr marL="1257300" lvl="2" indent="-342900">
-              <a:buFont typeface="Arial" panose="020B0604020202020204" pitchFamily="34" charset="0"/>
-              <a:buChar char="•"/>
-              <a:defRPr/>
-            </a:pPr>
-            <a:r>
-              <a:rPr lang="en-US" dirty="0">
-                <a:solidFill>
-                  <a:srgbClr val="404040"/>
-                </a:solidFill>
-              </a:rPr>
-              <a:t>Predictions</a:t>
-            </a:r>
-          </a:p>
-          <a:p>
-            <a:pPr marL="1257300" lvl="2" indent="-342900">
-              <a:buFont typeface="Arial" panose="020B0604020202020204" pitchFamily="34" charset="0"/>
-              <a:buChar char="•"/>
-              <a:defRPr/>
-            </a:pPr>
-            <a:r>
-              <a:rPr lang="en-US" dirty="0">
-                <a:solidFill>
-                  <a:srgbClr val="404040"/>
-                </a:solidFill>
-              </a:rPr>
-              <a:t>Residuals</a:t>
-            </a:r>
-          </a:p>
-          <a:p>
-            <a:pPr lvl="1">
-              <a:defRPr/>
-            </a:pPr>
-            <a:endParaRPr lang="en-US" dirty="0">
-              <a:solidFill>
-                <a:srgbClr val="404040"/>
-              </a:solidFill>
-            </a:endParaRPr>
-          </a:p>
-        </p:txBody>
-      </p:sp>
-    </p:spTree>
-    <p:custDataLst>
-      <p:tags r:id="rId1"/>
-    </p:custDataLst>
-    <p:extLst>
-      <p:ext uri="{BB962C8B-B14F-4D97-AF65-F5344CB8AC3E}">
-        <p14:creationId xmlns:p14="http://schemas.microsoft.com/office/powerpoint/2010/main" val="2664861019"/>
-      </p:ext>
-    </p:extLst>
-  </p:cSld>
-  <p:clrMapOvr>
-    <a:masterClrMapping/>
-  </p:clrMapOvr>
-</p:sld>
-</file>
-
-<file path=ppt/slides/slide22.xml><?xml version="1.0" encoding="utf-8"?>
-<p:sld xmlns:a="http://schemas.openxmlformats.org/drawingml/2006/main" xmlns:r="http://schemas.openxmlformats.org/officeDocument/2006/relationships" xmlns:p="http://schemas.openxmlformats.org/presentationml/2006/main">
-  <p:cSld>
-    <p:bg>
-      <p:bgPr>
-        <a:solidFill>
-          <a:schemeClr val="bg1">
-            <a:lumMod val="85000"/>
-          </a:schemeClr>
-        </a:solidFill>
-        <a:effectLst/>
-      </p:bgPr>
-    </p:bg>
-    <p:spTree>
-      <p:nvGrpSpPr>
-        <p:cNvPr id="1" name=""/>
-        <p:cNvGrpSpPr/>
-        <p:nvPr/>
-      </p:nvGrpSpPr>
-      <p:grpSpPr>
-        <a:xfrm>
-          <a:off x="0" y="0"/>
-          <a:ext cx="0" cy="0"/>
-          <a:chOff x="0" y="0"/>
-          <a:chExt cx="0" cy="0"/>
-        </a:xfrm>
-      </p:grpSpPr>
-      <p:sp>
-        <p:nvSpPr>
-          <p:cNvPr id="15" name="Rectangle 12">
-            <a:extLst>
-              <a:ext uri="{FF2B5EF4-FFF2-40B4-BE49-F238E27FC236}">
-                <a16:creationId xmlns:a16="http://schemas.microsoft.com/office/drawing/2014/main" id="{867D4867-5BA7-4462-B2F6-A23F4A622AA7}"/>
-              </a:ext>
-              <a:ext uri="{C183D7F6-B498-43B3-948B-1728B52AA6E4}">
-                <adec:decorative xmlns:adec="http://schemas.microsoft.com/office/drawing/2017/decorative" val="1"/>
-              </a:ext>
-            </a:extLst>
-          </p:cNvPr>
-          <p:cNvSpPr>
-            <a:spLocks noGrp="1" noRot="1" noChangeAspect="1" noMove="1" noResize="1" noEditPoints="1" noAdjustHandles="1" noChangeArrowheads="1" noChangeShapeType="1" noTextEdit="1"/>
-          </p:cNvSpPr>
-          <p:nvPr>
-            <p:extLst>
-              <p:ext uri="{386F3935-93C4-4BCD-93E2-E3B085C9AB24}">
-                <p16:designElem xmlns:p16="http://schemas.microsoft.com/office/powerpoint/2015/main" val="1"/>
-              </p:ext>
-            </p:extLst>
-          </p:nvPr>
-        </p:nvSpPr>
-        <p:spPr>
-          <a:xfrm>
-            <a:off x="0" y="0"/>
-            <a:ext cx="3490722" cy="6858000"/>
-          </a:xfrm>
-          <a:prstGeom prst="rect">
-            <a:avLst/>
-          </a:prstGeom>
-          <a:solidFill>
-            <a:schemeClr val="tx1">
-              <a:lumMod val="75000"/>
-              <a:lumOff val="25000"/>
-            </a:schemeClr>
-          </a:solidFill>
-          <a:ln>
-            <a:noFill/>
-          </a:ln>
-        </p:spPr>
-        <p:style>
-          <a:lnRef idx="0">
-            <a:scrgbClr r="0" g="0" b="0"/>
-          </a:lnRef>
-          <a:fillRef idx="0">
-            <a:scrgbClr r="0" g="0" b="0"/>
-          </a:fillRef>
-          <a:effectRef idx="0">
-            <a:scrgbClr r="0" g="0" b="0"/>
-          </a:effectRef>
-          <a:fontRef idx="minor">
-            <a:schemeClr val="lt1"/>
-          </a:fontRef>
-        </p:style>
-        <p:txBody>
-          <a:bodyPr rtlCol="0" anchor="ctr"/>
-          <a:lstStyle/>
-          <a:p>
-            <a:pPr marL="0" marR="0" lvl="0" indent="0" algn="ctr" defTabSz="457200" rtl="0" eaLnBrk="1" fontAlgn="base" latinLnBrk="0" hangingPunct="1">
-              <a:lnSpc>
-                <a:spcPct val="100000"/>
-              </a:lnSpc>
-              <a:spcBef>
-                <a:spcPct val="0"/>
-              </a:spcBef>
-              <a:spcAft>
-                <a:spcPct val="0"/>
-              </a:spcAft>
-              <a:buClrTx/>
-              <a:buSzTx/>
-              <a:buFontTx/>
-              <a:buNone/>
-              <a:tabLst/>
-              <a:defRPr/>
-            </a:pPr>
-            <a:endParaRPr kumimoji="0" lang="en-US" sz="2400" b="0" i="0" u="none" strike="noStrike" kern="1200" cap="none" spc="0" normalizeH="0" baseline="0" noProof="0">
-              <a:ln>
-                <a:noFill/>
-              </a:ln>
-              <a:solidFill>
-                <a:prstClr val="white"/>
-              </a:solidFill>
-              <a:effectLst/>
-              <a:uLnTx/>
-              <a:uFillTx/>
-              <a:latin typeface="Calibri"/>
-              <a:ea typeface="+mn-ea"/>
-              <a:cs typeface="+mn-cs"/>
-            </a:endParaRPr>
-          </a:p>
-        </p:txBody>
-      </p:sp>
-      <p:sp>
-        <p:nvSpPr>
-          <p:cNvPr id="2" name="Title 1"/>
-          <p:cNvSpPr>
-            <a:spLocks noGrp="1"/>
-          </p:cNvSpPr>
-          <p:nvPr>
-            <p:ph type="title"/>
-          </p:nvPr>
-        </p:nvSpPr>
-        <p:spPr>
-          <a:xfrm>
-            <a:off x="482600" y="643467"/>
-            <a:ext cx="2522980" cy="1597315"/>
-          </a:xfrm>
-          <a:noFill/>
-          <a:ln w="19050">
-            <a:solidFill>
-              <a:schemeClr val="bg1"/>
-            </a:solidFill>
-          </a:ln>
-        </p:spPr>
-        <p:txBody>
-          <a:bodyPr vert="horz" wrap="square" lIns="91440" tIns="45720" rIns="91440" bIns="45720" rtlCol="0" anchor="ctr">
-            <a:normAutofit/>
-          </a:bodyPr>
-          <a:lstStyle/>
-          <a:p>
-            <a:pPr defTabSz="914400" eaLnBrk="1" hangingPunct="1">
-              <a:lnSpc>
-                <a:spcPct val="90000"/>
-              </a:lnSpc>
-            </a:pPr>
-            <a:r>
-              <a:rPr lang="en-US" sz="2400" dirty="0">
-                <a:solidFill>
-                  <a:schemeClr val="bg1"/>
-                </a:solidFill>
-              </a:rPr>
-              <a:t>Intermission</a:t>
-            </a:r>
-            <a:endParaRPr lang="en-US" sz="2400" kern="1200" dirty="0">
-              <a:solidFill>
-                <a:schemeClr val="bg1"/>
-              </a:solidFill>
-              <a:latin typeface="+mj-lt"/>
-              <a:ea typeface="+mj-ea"/>
-              <a:cs typeface="+mj-cs"/>
-            </a:endParaRPr>
-          </a:p>
-        </p:txBody>
-      </p:sp>
-      <p:pic>
-        <p:nvPicPr>
-          <p:cNvPr id="8" name="Picture 7">
-            <a:extLst>
-              <a:ext uri="{FF2B5EF4-FFF2-40B4-BE49-F238E27FC236}">
-                <a16:creationId xmlns:a16="http://schemas.microsoft.com/office/drawing/2014/main" id="{521D4292-9ECC-4DA5-8CC0-C561A0DA118E}"/>
-              </a:ext>
-            </a:extLst>
-          </p:cNvPr>
-          <p:cNvPicPr>
-            <a:picLocks noChangeAspect="1"/>
-          </p:cNvPicPr>
-          <p:nvPr/>
-        </p:nvPicPr>
-        <p:blipFill rotWithShape="1">
-          <a:blip r:embed="rId3"/>
-          <a:srcRect l="8000" r="9400"/>
-          <a:stretch/>
-        </p:blipFill>
-        <p:spPr>
-          <a:xfrm>
-            <a:off x="660103" y="3048000"/>
-            <a:ext cx="2167974" cy="2624666"/>
-          </a:xfrm>
-          <a:prstGeom prst="rect">
-            <a:avLst/>
-          </a:prstGeom>
-          <a:noFill/>
-        </p:spPr>
-      </p:pic>
-      <p:sp>
-        <p:nvSpPr>
-          <p:cNvPr id="7" name="TextBox 6">
-            <a:extLst>
-              <a:ext uri="{FF2B5EF4-FFF2-40B4-BE49-F238E27FC236}">
-                <a16:creationId xmlns:a16="http://schemas.microsoft.com/office/drawing/2014/main" id="{DF060353-BDFF-427E-8ABE-861948AE3B71}"/>
-              </a:ext>
-            </a:extLst>
-          </p:cNvPr>
-          <p:cNvSpPr txBox="1"/>
-          <p:nvPr/>
-        </p:nvSpPr>
-        <p:spPr>
-          <a:xfrm>
-            <a:off x="3810000" y="506762"/>
-            <a:ext cx="5334000" cy="4154984"/>
-          </a:xfrm>
-          <a:prstGeom prst="rect">
-            <a:avLst/>
-          </a:prstGeom>
-          <a:noFill/>
-        </p:spPr>
-        <p:txBody>
-          <a:bodyPr wrap="square" rtlCol="0">
-            <a:spAutoFit/>
-          </a:bodyPr>
-          <a:lstStyle/>
-          <a:p>
-            <a:pPr marL="342900" indent="-342900">
-              <a:buFont typeface="Arial" panose="020B0604020202020204" pitchFamily="34" charset="0"/>
-              <a:buChar char="•"/>
-              <a:defRPr/>
-            </a:pPr>
-            <a:r>
-              <a:rPr lang="en-US" dirty="0">
-                <a:solidFill>
-                  <a:srgbClr val="404040"/>
-                </a:solidFill>
-              </a:rPr>
-              <a:t>Run Code Chunk</a:t>
-            </a:r>
-          </a:p>
-          <a:p>
-            <a:pPr marL="800100" lvl="1" indent="-342900">
-              <a:buFont typeface="Arial" panose="020B0604020202020204" pitchFamily="34" charset="0"/>
-              <a:buChar char="•"/>
-              <a:defRPr/>
-            </a:pPr>
-            <a:endParaRPr lang="en-US" dirty="0">
-              <a:solidFill>
-                <a:srgbClr val="404040"/>
-              </a:solidFill>
-            </a:endParaRPr>
-          </a:p>
-          <a:p>
-            <a:pPr marL="800100" lvl="1" indent="-342900">
-              <a:buFont typeface="Arial" panose="020B0604020202020204" pitchFamily="34" charset="0"/>
-              <a:buChar char="•"/>
-              <a:defRPr/>
-            </a:pPr>
-            <a:r>
-              <a:rPr lang="en-US" dirty="0" err="1">
-                <a:solidFill>
-                  <a:srgbClr val="404040"/>
-                </a:solidFill>
-              </a:rPr>
-              <a:t>save.image</a:t>
-            </a:r>
-            <a:r>
-              <a:rPr lang="en-US" dirty="0">
-                <a:solidFill>
-                  <a:srgbClr val="404040"/>
-                </a:solidFill>
-              </a:rPr>
-              <a:t>() = Used to Save Workspace into .</a:t>
-            </a:r>
-            <a:r>
-              <a:rPr lang="en-US" dirty="0" err="1">
-                <a:solidFill>
-                  <a:srgbClr val="404040"/>
-                </a:solidFill>
-              </a:rPr>
-              <a:t>Rdata</a:t>
-            </a:r>
-            <a:r>
-              <a:rPr lang="en-US" dirty="0">
-                <a:solidFill>
-                  <a:srgbClr val="404040"/>
-                </a:solidFill>
-              </a:rPr>
-              <a:t> File</a:t>
-            </a:r>
-          </a:p>
-          <a:p>
-            <a:pPr lvl="1">
-              <a:defRPr/>
-            </a:pPr>
-            <a:endParaRPr lang="en-US" dirty="0">
-              <a:solidFill>
-                <a:srgbClr val="404040"/>
-              </a:solidFill>
-            </a:endParaRPr>
-          </a:p>
-          <a:p>
-            <a:pPr marL="800100" lvl="1" indent="-342900">
-              <a:buFont typeface="Arial" panose="020B0604020202020204" pitchFamily="34" charset="0"/>
-              <a:buChar char="•"/>
-              <a:defRPr/>
-            </a:pPr>
-            <a:r>
-              <a:rPr lang="en-US" dirty="0">
-                <a:solidFill>
-                  <a:srgbClr val="404040"/>
-                </a:solidFill>
-              </a:rPr>
-              <a:t>load() = Used to Load Workspace from .</a:t>
-            </a:r>
-            <a:r>
-              <a:rPr lang="en-US" dirty="0" err="1">
-                <a:solidFill>
-                  <a:srgbClr val="404040"/>
-                </a:solidFill>
-              </a:rPr>
-              <a:t>Rdata</a:t>
-            </a:r>
-            <a:r>
-              <a:rPr lang="en-US" dirty="0">
-                <a:solidFill>
-                  <a:srgbClr val="404040"/>
-                </a:solidFill>
-              </a:rPr>
-              <a:t> File</a:t>
-            </a:r>
-          </a:p>
-          <a:p>
-            <a:pPr marL="800100" lvl="1" indent="-342900">
-              <a:buFont typeface="Arial" panose="020B0604020202020204" pitchFamily="34" charset="0"/>
-              <a:buChar char="•"/>
-              <a:defRPr/>
-            </a:pPr>
-            <a:endParaRPr lang="en-US" dirty="0">
-              <a:solidFill>
-                <a:srgbClr val="404040"/>
-              </a:solidFill>
-            </a:endParaRPr>
-          </a:p>
-          <a:p>
-            <a:pPr marL="800100" lvl="1" indent="-342900">
-              <a:buFont typeface="Arial" panose="020B0604020202020204" pitchFamily="34" charset="0"/>
-              <a:buChar char="•"/>
-              <a:defRPr/>
-            </a:pPr>
-            <a:r>
-              <a:rPr lang="en-US" dirty="0">
-                <a:solidFill>
-                  <a:srgbClr val="404040"/>
-                </a:solidFill>
-              </a:rPr>
-              <a:t>.</a:t>
-            </a:r>
-            <a:r>
-              <a:rPr lang="en-US" dirty="0" err="1">
-                <a:solidFill>
-                  <a:srgbClr val="404040"/>
-                </a:solidFill>
-              </a:rPr>
-              <a:t>Rdata</a:t>
-            </a:r>
-            <a:r>
-              <a:rPr lang="en-US" dirty="0">
-                <a:solidFill>
-                  <a:srgbClr val="404040"/>
-                </a:solidFill>
-              </a:rPr>
-              <a:t> = File Extension of R Workspace File (All Objects in Global Environment)</a:t>
-            </a:r>
-          </a:p>
-        </p:txBody>
-      </p:sp>
-    </p:spTree>
-    <p:custDataLst>
-      <p:tags r:id="rId1"/>
-    </p:custDataLst>
-    <p:extLst>
-      <p:ext uri="{BB962C8B-B14F-4D97-AF65-F5344CB8AC3E}">
-        <p14:creationId xmlns:p14="http://schemas.microsoft.com/office/powerpoint/2010/main" val="1569341403"/>
-      </p:ext>
-    </p:extLst>
-  </p:cSld>
-  <p:clrMapOvr>
-    <a:masterClrMapping/>
-  </p:clrMapOvr>
-</p:sld>
-</file>
-
-<file path=ppt/slides/slide23.xml><?xml version="1.0" encoding="utf-8"?>
-<p:sld xmlns:a="http://schemas.openxmlformats.org/drawingml/2006/main" xmlns:r="http://schemas.openxmlformats.org/officeDocument/2006/relationships" xmlns:p="http://schemas.openxmlformats.org/presentationml/2006/main">
-  <p:cSld>
-    <p:bg>
-      <p:bgPr>
-        <a:solidFill>
-          <a:schemeClr val="bg1">
-            <a:lumMod val="85000"/>
-          </a:schemeClr>
-        </a:solidFill>
-        <a:effectLst/>
-      </p:bgPr>
-    </p:bg>
-    <p:spTree>
-      <p:nvGrpSpPr>
-        <p:cNvPr id="1" name=""/>
-        <p:cNvGrpSpPr/>
-        <p:nvPr/>
-      </p:nvGrpSpPr>
-      <p:grpSpPr>
-        <a:xfrm>
-          <a:off x="0" y="0"/>
-          <a:ext cx="0" cy="0"/>
-          <a:chOff x="0" y="0"/>
-          <a:chExt cx="0" cy="0"/>
-        </a:xfrm>
-      </p:grpSpPr>
-      <p:sp>
-        <p:nvSpPr>
-          <p:cNvPr id="15" name="Rectangle 12">
-            <a:extLst>
-              <a:ext uri="{FF2B5EF4-FFF2-40B4-BE49-F238E27FC236}">
-                <a16:creationId xmlns:a16="http://schemas.microsoft.com/office/drawing/2014/main" id="{867D4867-5BA7-4462-B2F6-A23F4A622AA7}"/>
-              </a:ext>
-              <a:ext uri="{C183D7F6-B498-43B3-948B-1728B52AA6E4}">
-                <adec:decorative xmlns:adec="http://schemas.microsoft.com/office/drawing/2017/decorative" val="1"/>
-              </a:ext>
-            </a:extLst>
-          </p:cNvPr>
-          <p:cNvSpPr>
-            <a:spLocks noGrp="1" noRot="1" noChangeAspect="1" noMove="1" noResize="1" noEditPoints="1" noAdjustHandles="1" noChangeArrowheads="1" noChangeShapeType="1" noTextEdit="1"/>
-          </p:cNvSpPr>
-          <p:nvPr>
-            <p:extLst>
-              <p:ext uri="{386F3935-93C4-4BCD-93E2-E3B085C9AB24}">
-                <p16:designElem xmlns:p16="http://schemas.microsoft.com/office/powerpoint/2015/main" val="1"/>
-              </p:ext>
-            </p:extLst>
-          </p:nvPr>
-        </p:nvSpPr>
-        <p:spPr>
-          <a:xfrm>
-            <a:off x="0" y="0"/>
-            <a:ext cx="3490722" cy="6858000"/>
-          </a:xfrm>
-          <a:prstGeom prst="rect">
-            <a:avLst/>
-          </a:prstGeom>
-          <a:solidFill>
-            <a:schemeClr val="tx1">
-              <a:lumMod val="75000"/>
-              <a:lumOff val="25000"/>
-            </a:schemeClr>
-          </a:solidFill>
-          <a:ln>
-            <a:noFill/>
-          </a:ln>
-        </p:spPr>
-        <p:style>
-          <a:lnRef idx="0">
-            <a:scrgbClr r="0" g="0" b="0"/>
-          </a:lnRef>
-          <a:fillRef idx="0">
-            <a:scrgbClr r="0" g="0" b="0"/>
-          </a:fillRef>
-          <a:effectRef idx="0">
-            <a:scrgbClr r="0" g="0" b="0"/>
-          </a:effectRef>
-          <a:fontRef idx="minor">
-            <a:schemeClr val="lt1"/>
-          </a:fontRef>
-        </p:style>
-        <p:txBody>
-          <a:bodyPr rtlCol="0" anchor="ctr"/>
-          <a:lstStyle/>
-          <a:p>
-            <a:pPr marL="0" marR="0" lvl="0" indent="0" algn="ctr" defTabSz="457200" rtl="0" eaLnBrk="1" fontAlgn="base" latinLnBrk="0" hangingPunct="1">
-              <a:lnSpc>
-                <a:spcPct val="100000"/>
-              </a:lnSpc>
-              <a:spcBef>
-                <a:spcPct val="0"/>
-              </a:spcBef>
-              <a:spcAft>
-                <a:spcPct val="0"/>
-              </a:spcAft>
-              <a:buClrTx/>
-              <a:buSzTx/>
-              <a:buFontTx/>
-              <a:buNone/>
-              <a:tabLst/>
-              <a:defRPr/>
-            </a:pPr>
-            <a:endParaRPr kumimoji="0" lang="en-US" sz="2400" b="0" i="0" u="none" strike="noStrike" kern="1200" cap="none" spc="0" normalizeH="0" baseline="0" noProof="0">
-              <a:ln>
-                <a:noFill/>
-              </a:ln>
-              <a:solidFill>
-                <a:prstClr val="white"/>
-              </a:solidFill>
-              <a:effectLst/>
-              <a:uLnTx/>
-              <a:uFillTx/>
-              <a:latin typeface="Calibri"/>
-              <a:ea typeface="+mn-ea"/>
-              <a:cs typeface="+mn-cs"/>
-            </a:endParaRPr>
-          </a:p>
-        </p:txBody>
-      </p:sp>
-      <p:sp>
-        <p:nvSpPr>
-          <p:cNvPr id="2" name="Title 1"/>
-          <p:cNvSpPr>
-            <a:spLocks noGrp="1"/>
-          </p:cNvSpPr>
-          <p:nvPr>
-            <p:ph type="title"/>
-          </p:nvPr>
-        </p:nvSpPr>
-        <p:spPr>
-          <a:xfrm>
-            <a:off x="482600" y="643467"/>
-            <a:ext cx="2522980" cy="1597315"/>
-          </a:xfrm>
-          <a:noFill/>
-          <a:ln w="19050">
-            <a:solidFill>
-              <a:schemeClr val="bg1"/>
-            </a:solidFill>
-          </a:ln>
-        </p:spPr>
-        <p:txBody>
-          <a:bodyPr vert="horz" wrap="square" lIns="91440" tIns="45720" rIns="91440" bIns="45720" rtlCol="0" anchor="ctr">
-            <a:normAutofit/>
-          </a:bodyPr>
-          <a:lstStyle/>
-          <a:p>
-            <a:pPr defTabSz="914400" eaLnBrk="1" hangingPunct="1">
-              <a:lnSpc>
-                <a:spcPct val="90000"/>
-              </a:lnSpc>
-            </a:pPr>
-            <a:r>
-              <a:rPr lang="en-US" sz="2400" dirty="0">
-                <a:solidFill>
-                  <a:schemeClr val="bg1"/>
-                </a:solidFill>
-              </a:rPr>
-              <a:t>Part 5: </a:t>
-            </a:r>
-            <a:br>
-              <a:rPr lang="en-US" sz="2400" dirty="0">
-                <a:solidFill>
-                  <a:schemeClr val="bg1"/>
-                </a:solidFill>
-              </a:rPr>
-            </a:br>
-            <a:r>
-              <a:rPr lang="en-US" sz="2400" dirty="0">
-                <a:solidFill>
-                  <a:schemeClr val="bg1"/>
-                </a:solidFill>
-              </a:rPr>
-              <a:t>Evaluation </a:t>
-            </a:r>
-            <a:br>
-              <a:rPr lang="en-US" sz="2400" dirty="0">
-                <a:solidFill>
-                  <a:schemeClr val="bg1"/>
-                </a:solidFill>
-              </a:rPr>
-            </a:br>
-            <a:r>
-              <a:rPr lang="en-US" sz="2400" dirty="0">
-                <a:solidFill>
-                  <a:schemeClr val="bg1"/>
-                </a:solidFill>
-              </a:rPr>
-              <a:t>by </a:t>
-            </a:r>
-            <a:br>
-              <a:rPr lang="en-US" sz="2400" dirty="0">
-                <a:solidFill>
-                  <a:schemeClr val="bg1"/>
-                </a:solidFill>
-              </a:rPr>
-            </a:br>
-            <a:r>
-              <a:rPr lang="en-US" sz="2400" dirty="0">
-                <a:solidFill>
-                  <a:schemeClr val="bg1"/>
-                </a:solidFill>
-              </a:rPr>
-              <a:t>Visualization</a:t>
-            </a:r>
-            <a:endParaRPr lang="en-US" sz="2400" kern="1200" dirty="0">
-              <a:solidFill>
-                <a:schemeClr val="bg1"/>
-              </a:solidFill>
-              <a:latin typeface="+mj-lt"/>
-              <a:ea typeface="+mj-ea"/>
-              <a:cs typeface="+mj-cs"/>
-            </a:endParaRPr>
-          </a:p>
-        </p:txBody>
-      </p:sp>
-      <p:pic>
-        <p:nvPicPr>
-          <p:cNvPr id="8" name="Picture 7">
-            <a:extLst>
-              <a:ext uri="{FF2B5EF4-FFF2-40B4-BE49-F238E27FC236}">
-                <a16:creationId xmlns:a16="http://schemas.microsoft.com/office/drawing/2014/main" id="{521D4292-9ECC-4DA5-8CC0-C561A0DA118E}"/>
-              </a:ext>
-            </a:extLst>
-          </p:cNvPr>
-          <p:cNvPicPr>
-            <a:picLocks noChangeAspect="1"/>
-          </p:cNvPicPr>
-          <p:nvPr/>
-        </p:nvPicPr>
-        <p:blipFill rotWithShape="1">
-          <a:blip r:embed="rId3"/>
-          <a:srcRect l="8000" r="9400"/>
-          <a:stretch/>
-        </p:blipFill>
-        <p:spPr>
-          <a:xfrm>
-            <a:off x="660103" y="3048000"/>
-            <a:ext cx="2167974" cy="2624666"/>
-          </a:xfrm>
-          <a:prstGeom prst="rect">
-            <a:avLst/>
-          </a:prstGeom>
-          <a:noFill/>
-        </p:spPr>
-      </p:pic>
-      <p:sp>
-        <p:nvSpPr>
-          <p:cNvPr id="7" name="TextBox 6">
-            <a:extLst>
-              <a:ext uri="{FF2B5EF4-FFF2-40B4-BE49-F238E27FC236}">
-                <a16:creationId xmlns:a16="http://schemas.microsoft.com/office/drawing/2014/main" id="{DF060353-BDFF-427E-8ABE-861948AE3B71}"/>
-              </a:ext>
-            </a:extLst>
-          </p:cNvPr>
-          <p:cNvSpPr txBox="1"/>
-          <p:nvPr/>
-        </p:nvSpPr>
-        <p:spPr>
-          <a:xfrm>
-            <a:off x="3810000" y="506762"/>
-            <a:ext cx="5334000" cy="6001643"/>
-          </a:xfrm>
-          <a:prstGeom prst="rect">
-            <a:avLst/>
-          </a:prstGeom>
-          <a:noFill/>
-        </p:spPr>
-        <p:txBody>
-          <a:bodyPr wrap="square" rtlCol="0">
-            <a:spAutoFit/>
-          </a:bodyPr>
-          <a:lstStyle/>
-          <a:p>
-            <a:pPr marL="342900" indent="-342900">
-              <a:buFont typeface="Arial" panose="020B0604020202020204" pitchFamily="34" charset="0"/>
-              <a:buChar char="•"/>
-              <a:defRPr/>
-            </a:pPr>
-            <a:r>
-              <a:rPr lang="en-US" dirty="0">
-                <a:solidFill>
-                  <a:srgbClr val="404040"/>
-                </a:solidFill>
-              </a:rPr>
-              <a:t>Run Chunk 1</a:t>
-            </a:r>
-          </a:p>
-          <a:p>
-            <a:pPr marL="800100" lvl="1" indent="-342900">
-              <a:buFont typeface="Arial" panose="020B0604020202020204" pitchFamily="34" charset="0"/>
-              <a:buChar char="•"/>
-              <a:defRPr/>
-            </a:pPr>
-            <a:endParaRPr lang="en-US" dirty="0">
-              <a:solidFill>
-                <a:srgbClr val="404040"/>
-              </a:solidFill>
-            </a:endParaRPr>
-          </a:p>
-          <a:p>
-            <a:pPr marL="800100" lvl="1" indent="-342900">
-              <a:buFont typeface="Arial" panose="020B0604020202020204" pitchFamily="34" charset="0"/>
-              <a:buChar char="•"/>
-              <a:defRPr/>
-            </a:pPr>
-            <a:r>
-              <a:rPr lang="en-US" dirty="0">
-                <a:solidFill>
-                  <a:srgbClr val="404040"/>
-                </a:solidFill>
-              </a:rPr>
-              <a:t>Plots of Different Models</a:t>
-            </a:r>
-          </a:p>
-          <a:p>
-            <a:pPr marL="800100" lvl="1" indent="-342900">
-              <a:buFont typeface="Arial" panose="020B0604020202020204" pitchFamily="34" charset="0"/>
-              <a:buChar char="•"/>
-              <a:defRPr/>
-            </a:pPr>
-            <a:r>
-              <a:rPr lang="en-US" dirty="0">
-                <a:solidFill>
-                  <a:srgbClr val="404040"/>
-                </a:solidFill>
-              </a:rPr>
-              <a:t>What Can We Say About the Different Models?</a:t>
-            </a:r>
-          </a:p>
-          <a:p>
-            <a:pPr marL="800100" lvl="1" indent="-342900">
-              <a:buFont typeface="Arial" panose="020B0604020202020204" pitchFamily="34" charset="0"/>
-              <a:buChar char="•"/>
-              <a:defRPr/>
-            </a:pPr>
-            <a:endParaRPr lang="en-US" dirty="0">
-              <a:solidFill>
-                <a:srgbClr val="404040"/>
-              </a:solidFill>
-            </a:endParaRPr>
-          </a:p>
-          <a:p>
-            <a:pPr marL="800100" lvl="1" indent="-342900">
-              <a:buFont typeface="Arial" panose="020B0604020202020204" pitchFamily="34" charset="0"/>
-              <a:buChar char="•"/>
-              <a:defRPr/>
-            </a:pPr>
-            <a:endParaRPr lang="en-US" dirty="0">
-              <a:solidFill>
-                <a:srgbClr val="404040"/>
-              </a:solidFill>
-            </a:endParaRPr>
-          </a:p>
-          <a:p>
-            <a:pPr marL="800100" lvl="1" indent="-342900">
-              <a:buFont typeface="Arial" panose="020B0604020202020204" pitchFamily="34" charset="0"/>
-              <a:buChar char="•"/>
-              <a:defRPr/>
-            </a:pPr>
-            <a:endParaRPr lang="en-US" dirty="0">
-              <a:solidFill>
-                <a:srgbClr val="404040"/>
-              </a:solidFill>
-            </a:endParaRPr>
-          </a:p>
-          <a:p>
-            <a:pPr marL="800100" lvl="1" indent="-342900">
-              <a:buFont typeface="Arial" panose="020B0604020202020204" pitchFamily="34" charset="0"/>
-              <a:buChar char="•"/>
-              <a:defRPr/>
-            </a:pPr>
-            <a:endParaRPr lang="en-US" dirty="0">
-              <a:solidFill>
-                <a:srgbClr val="404040"/>
-              </a:solidFill>
-            </a:endParaRPr>
-          </a:p>
-          <a:p>
-            <a:pPr marL="800100" lvl="1" indent="-342900">
-              <a:buFont typeface="Arial" panose="020B0604020202020204" pitchFamily="34" charset="0"/>
-              <a:buChar char="•"/>
-              <a:defRPr/>
-            </a:pPr>
-            <a:endParaRPr lang="en-US" dirty="0">
-              <a:solidFill>
-                <a:srgbClr val="404040"/>
-              </a:solidFill>
-            </a:endParaRPr>
-          </a:p>
-          <a:p>
-            <a:pPr marL="800100" lvl="1" indent="-342900">
-              <a:buFont typeface="Arial" panose="020B0604020202020204" pitchFamily="34" charset="0"/>
-              <a:buChar char="•"/>
-              <a:defRPr/>
-            </a:pPr>
-            <a:endParaRPr lang="en-US" dirty="0">
-              <a:solidFill>
-                <a:srgbClr val="404040"/>
-              </a:solidFill>
-            </a:endParaRPr>
-          </a:p>
-          <a:p>
-            <a:pPr marL="800100" lvl="1" indent="-342900">
-              <a:buFont typeface="Arial" panose="020B0604020202020204" pitchFamily="34" charset="0"/>
-              <a:buChar char="•"/>
-              <a:defRPr/>
-            </a:pPr>
-            <a:endParaRPr lang="en-US" dirty="0">
-              <a:solidFill>
-                <a:srgbClr val="404040"/>
-              </a:solidFill>
-            </a:endParaRPr>
-          </a:p>
-          <a:p>
-            <a:pPr marL="800100" lvl="1" indent="-342900">
-              <a:buFont typeface="Arial" panose="020B0604020202020204" pitchFamily="34" charset="0"/>
-              <a:buChar char="•"/>
-              <a:defRPr/>
-            </a:pPr>
-            <a:endParaRPr lang="en-US" dirty="0">
-              <a:solidFill>
-                <a:srgbClr val="404040"/>
-              </a:solidFill>
-            </a:endParaRPr>
-          </a:p>
-          <a:p>
-            <a:pPr marL="800100" lvl="1" indent="-342900">
-              <a:buFont typeface="Arial" panose="020B0604020202020204" pitchFamily="34" charset="0"/>
-              <a:buChar char="•"/>
-              <a:defRPr/>
-            </a:pPr>
-            <a:endParaRPr lang="en-US" dirty="0">
-              <a:solidFill>
-                <a:srgbClr val="404040"/>
-              </a:solidFill>
-            </a:endParaRPr>
-          </a:p>
-          <a:p>
-            <a:pPr marL="800100" lvl="1" indent="-342900">
-              <a:buFont typeface="Arial" panose="020B0604020202020204" pitchFamily="34" charset="0"/>
-              <a:buChar char="•"/>
-              <a:defRPr/>
-            </a:pPr>
-            <a:endParaRPr lang="en-US" dirty="0">
-              <a:solidFill>
-                <a:srgbClr val="404040"/>
-              </a:solidFill>
-            </a:endParaRPr>
-          </a:p>
-          <a:p>
-            <a:pPr marL="800100" lvl="1" indent="-342900">
-              <a:buFont typeface="Arial" panose="020B0604020202020204" pitchFamily="34" charset="0"/>
-              <a:buChar char="•"/>
-              <a:defRPr/>
-            </a:pPr>
-            <a:r>
-              <a:rPr lang="en-US" dirty="0">
-                <a:solidFill>
-                  <a:srgbClr val="404040"/>
-                </a:solidFill>
-              </a:rPr>
-              <a:t>Which Model Would You Use?</a:t>
-            </a:r>
-          </a:p>
-        </p:txBody>
-      </p:sp>
-      <p:pic>
-        <p:nvPicPr>
-          <p:cNvPr id="4" name="Picture 3">
-            <a:extLst>
-              <a:ext uri="{FF2B5EF4-FFF2-40B4-BE49-F238E27FC236}">
-                <a16:creationId xmlns:a16="http://schemas.microsoft.com/office/drawing/2014/main" id="{1420D3CD-785A-4E05-87D5-01B50183B3B1}"/>
-              </a:ext>
-            </a:extLst>
-          </p:cNvPr>
-          <p:cNvPicPr>
-            <a:picLocks noChangeAspect="1"/>
-          </p:cNvPicPr>
-          <p:nvPr/>
-        </p:nvPicPr>
-        <p:blipFill>
-          <a:blip r:embed="rId4"/>
-          <a:stretch>
-            <a:fillRect/>
-          </a:stretch>
-        </p:blipFill>
-        <p:spPr>
-          <a:xfrm>
-            <a:off x="4150825" y="2438400"/>
-            <a:ext cx="4473615" cy="3305538"/>
-          </a:xfrm>
-          <a:prstGeom prst="rect">
-            <a:avLst/>
-          </a:prstGeom>
-          <a:ln>
-            <a:solidFill>
-              <a:srgbClr val="404040"/>
-            </a:solidFill>
-          </a:ln>
-        </p:spPr>
-        <p:style>
-          <a:lnRef idx="2">
-            <a:schemeClr val="dk1"/>
-          </a:lnRef>
-          <a:fillRef idx="1">
-            <a:schemeClr val="lt1"/>
-          </a:fillRef>
-          <a:effectRef idx="0">
-            <a:schemeClr val="dk1"/>
-          </a:effectRef>
-          <a:fontRef idx="minor">
-            <a:schemeClr val="dk1"/>
-          </a:fontRef>
-        </p:style>
-      </p:pic>
-    </p:spTree>
-    <p:custDataLst>
-      <p:tags r:id="rId1"/>
-    </p:custDataLst>
-    <p:extLst>
-      <p:ext uri="{BB962C8B-B14F-4D97-AF65-F5344CB8AC3E}">
-        <p14:creationId xmlns:p14="http://schemas.microsoft.com/office/powerpoint/2010/main" val="2487047333"/>
-      </p:ext>
-    </p:extLst>
-  </p:cSld>
-  <p:clrMapOvr>
-    <a:masterClrMapping/>
-  </p:clrMapOvr>
-</p:sld>
-</file>
-
-<file path=ppt/slides/slide24.xml><?xml version="1.0" encoding="utf-8"?>
-<p:sld xmlns:a="http://schemas.openxmlformats.org/drawingml/2006/main" xmlns:r="http://schemas.openxmlformats.org/officeDocument/2006/relationships" xmlns:p="http://schemas.openxmlformats.org/presentationml/2006/main">
-  <p:cSld>
-    <p:bg>
-      <p:bgPr>
-        <a:solidFill>
-          <a:schemeClr val="bg1">
-            <a:lumMod val="85000"/>
-          </a:schemeClr>
-        </a:solidFill>
-        <a:effectLst/>
-      </p:bgPr>
-    </p:bg>
-    <p:spTree>
-      <p:nvGrpSpPr>
-        <p:cNvPr id="1" name=""/>
-        <p:cNvGrpSpPr/>
-        <p:nvPr/>
-      </p:nvGrpSpPr>
-      <p:grpSpPr>
-        <a:xfrm>
-          <a:off x="0" y="0"/>
-          <a:ext cx="0" cy="0"/>
-          <a:chOff x="0" y="0"/>
-          <a:chExt cx="0" cy="0"/>
-        </a:xfrm>
-      </p:grpSpPr>
-      <p:sp>
-        <p:nvSpPr>
-          <p:cNvPr id="15" name="Rectangle 12">
-            <a:extLst>
-              <a:ext uri="{FF2B5EF4-FFF2-40B4-BE49-F238E27FC236}">
-                <a16:creationId xmlns:a16="http://schemas.microsoft.com/office/drawing/2014/main" id="{867D4867-5BA7-4462-B2F6-A23F4A622AA7}"/>
-              </a:ext>
-              <a:ext uri="{C183D7F6-B498-43B3-948B-1728B52AA6E4}">
-                <adec:decorative xmlns:adec="http://schemas.microsoft.com/office/drawing/2017/decorative" val="1"/>
-              </a:ext>
-            </a:extLst>
-          </p:cNvPr>
-          <p:cNvSpPr>
-            <a:spLocks noGrp="1" noRot="1" noChangeAspect="1" noMove="1" noResize="1" noEditPoints="1" noAdjustHandles="1" noChangeArrowheads="1" noChangeShapeType="1" noTextEdit="1"/>
-          </p:cNvSpPr>
-          <p:nvPr>
-            <p:extLst>
-              <p:ext uri="{386F3935-93C4-4BCD-93E2-E3B085C9AB24}">
-                <p16:designElem xmlns:p16="http://schemas.microsoft.com/office/powerpoint/2015/main" val="1"/>
-              </p:ext>
-            </p:extLst>
-          </p:nvPr>
-        </p:nvSpPr>
-        <p:spPr>
-          <a:xfrm>
-            <a:off x="0" y="0"/>
-            <a:ext cx="3490722" cy="6858000"/>
-          </a:xfrm>
-          <a:prstGeom prst="rect">
-            <a:avLst/>
-          </a:prstGeom>
-          <a:solidFill>
-            <a:schemeClr val="tx1">
-              <a:lumMod val="75000"/>
-              <a:lumOff val="25000"/>
-            </a:schemeClr>
-          </a:solidFill>
-          <a:ln>
-            <a:noFill/>
-          </a:ln>
-        </p:spPr>
-        <p:style>
-          <a:lnRef idx="0">
-            <a:scrgbClr r="0" g="0" b="0"/>
-          </a:lnRef>
-          <a:fillRef idx="0">
-            <a:scrgbClr r="0" g="0" b="0"/>
-          </a:fillRef>
-          <a:effectRef idx="0">
-            <a:scrgbClr r="0" g="0" b="0"/>
-          </a:effectRef>
-          <a:fontRef idx="minor">
-            <a:schemeClr val="lt1"/>
-          </a:fontRef>
-        </p:style>
-        <p:txBody>
-          <a:bodyPr rtlCol="0" anchor="ctr"/>
-          <a:lstStyle/>
-          <a:p>
-            <a:pPr marL="0" marR="0" lvl="0" indent="0" algn="ctr" defTabSz="457200" rtl="0" eaLnBrk="1" fontAlgn="base" latinLnBrk="0" hangingPunct="1">
-              <a:lnSpc>
-                <a:spcPct val="100000"/>
-              </a:lnSpc>
-              <a:spcBef>
-                <a:spcPct val="0"/>
-              </a:spcBef>
-              <a:spcAft>
-                <a:spcPct val="0"/>
-              </a:spcAft>
-              <a:buClrTx/>
-              <a:buSzTx/>
-              <a:buFontTx/>
-              <a:buNone/>
-              <a:tabLst/>
-              <a:defRPr/>
-            </a:pPr>
-            <a:endParaRPr kumimoji="0" lang="en-US" sz="2400" b="0" i="0" u="none" strike="noStrike" kern="1200" cap="none" spc="0" normalizeH="0" baseline="0" noProof="0">
-              <a:ln>
-                <a:noFill/>
-              </a:ln>
-              <a:solidFill>
-                <a:prstClr val="white"/>
-              </a:solidFill>
-              <a:effectLst/>
-              <a:uLnTx/>
-              <a:uFillTx/>
-              <a:latin typeface="Calibri"/>
-              <a:ea typeface="+mn-ea"/>
-              <a:cs typeface="+mn-cs"/>
-            </a:endParaRPr>
-          </a:p>
-        </p:txBody>
-      </p:sp>
-      <p:sp>
-        <p:nvSpPr>
-          <p:cNvPr id="2" name="Title 1"/>
-          <p:cNvSpPr>
-            <a:spLocks noGrp="1"/>
-          </p:cNvSpPr>
-          <p:nvPr>
-            <p:ph type="title"/>
-          </p:nvPr>
-        </p:nvSpPr>
-        <p:spPr>
-          <a:xfrm>
-            <a:off x="482600" y="643467"/>
-            <a:ext cx="2522980" cy="1597315"/>
-          </a:xfrm>
-          <a:noFill/>
-          <a:ln w="19050">
-            <a:solidFill>
-              <a:schemeClr val="bg1"/>
-            </a:solidFill>
-          </a:ln>
-        </p:spPr>
-        <p:txBody>
-          <a:bodyPr vert="horz" wrap="square" lIns="91440" tIns="45720" rIns="91440" bIns="45720" rtlCol="0" anchor="ctr">
-            <a:normAutofit/>
-          </a:bodyPr>
-          <a:lstStyle/>
-          <a:p>
-            <a:pPr defTabSz="914400" eaLnBrk="1" hangingPunct="1">
-              <a:lnSpc>
-                <a:spcPct val="90000"/>
-              </a:lnSpc>
-            </a:pPr>
-            <a:r>
-              <a:rPr lang="en-US" sz="2400" dirty="0">
-                <a:solidFill>
-                  <a:schemeClr val="bg1"/>
-                </a:solidFill>
-              </a:rPr>
-              <a:t>Part 5: </a:t>
-            </a:r>
-            <a:br>
-              <a:rPr lang="en-US" sz="2400" dirty="0">
-                <a:solidFill>
-                  <a:schemeClr val="bg1"/>
-                </a:solidFill>
-              </a:rPr>
-            </a:br>
-            <a:r>
-              <a:rPr lang="en-US" sz="2400" dirty="0">
-                <a:solidFill>
-                  <a:schemeClr val="bg1"/>
-                </a:solidFill>
-              </a:rPr>
-              <a:t>Evaluation </a:t>
-            </a:r>
-            <a:br>
-              <a:rPr lang="en-US" sz="2400" dirty="0">
-                <a:solidFill>
-                  <a:schemeClr val="bg1"/>
-                </a:solidFill>
-              </a:rPr>
-            </a:br>
-            <a:r>
-              <a:rPr lang="en-US" sz="2400" dirty="0">
-                <a:solidFill>
-                  <a:schemeClr val="bg1"/>
-                </a:solidFill>
-              </a:rPr>
-              <a:t>by </a:t>
-            </a:r>
-            <a:br>
-              <a:rPr lang="en-US" sz="2400" dirty="0">
-                <a:solidFill>
-                  <a:schemeClr val="bg1"/>
-                </a:solidFill>
-              </a:rPr>
-            </a:br>
-            <a:r>
-              <a:rPr lang="en-US" sz="2400" dirty="0">
-                <a:solidFill>
-                  <a:schemeClr val="bg1"/>
-                </a:solidFill>
-              </a:rPr>
-              <a:t>Visualization</a:t>
-            </a:r>
-            <a:endParaRPr lang="en-US" sz="2400" kern="1200" dirty="0">
-              <a:solidFill>
-                <a:schemeClr val="bg1"/>
-              </a:solidFill>
-              <a:latin typeface="+mj-lt"/>
-              <a:ea typeface="+mj-ea"/>
-              <a:cs typeface="+mj-cs"/>
-            </a:endParaRPr>
-          </a:p>
-        </p:txBody>
-      </p:sp>
-      <p:pic>
-        <p:nvPicPr>
-          <p:cNvPr id="8" name="Picture 7">
-            <a:extLst>
-              <a:ext uri="{FF2B5EF4-FFF2-40B4-BE49-F238E27FC236}">
-                <a16:creationId xmlns:a16="http://schemas.microsoft.com/office/drawing/2014/main" id="{521D4292-9ECC-4DA5-8CC0-C561A0DA118E}"/>
-              </a:ext>
-            </a:extLst>
-          </p:cNvPr>
-          <p:cNvPicPr>
-            <a:picLocks noChangeAspect="1"/>
-          </p:cNvPicPr>
-          <p:nvPr/>
-        </p:nvPicPr>
-        <p:blipFill rotWithShape="1">
-          <a:blip r:embed="rId3"/>
-          <a:srcRect l="8000" r="9400"/>
-          <a:stretch/>
-        </p:blipFill>
-        <p:spPr>
-          <a:xfrm>
-            <a:off x="660103" y="3048000"/>
-            <a:ext cx="2167974" cy="2624666"/>
-          </a:xfrm>
-          <a:prstGeom prst="rect">
-            <a:avLst/>
-          </a:prstGeom>
-          <a:noFill/>
-        </p:spPr>
-      </p:pic>
-      <p:sp>
-        <p:nvSpPr>
-          <p:cNvPr id="7" name="TextBox 6">
-            <a:extLst>
-              <a:ext uri="{FF2B5EF4-FFF2-40B4-BE49-F238E27FC236}">
-                <a16:creationId xmlns:a16="http://schemas.microsoft.com/office/drawing/2014/main" id="{DF060353-BDFF-427E-8ABE-861948AE3B71}"/>
-              </a:ext>
-            </a:extLst>
-          </p:cNvPr>
-          <p:cNvSpPr txBox="1"/>
-          <p:nvPr/>
-        </p:nvSpPr>
-        <p:spPr>
-          <a:xfrm>
-            <a:off x="3810000" y="506762"/>
-            <a:ext cx="5334000" cy="3416320"/>
-          </a:xfrm>
-          <a:prstGeom prst="rect">
-            <a:avLst/>
-          </a:prstGeom>
-          <a:noFill/>
-        </p:spPr>
-        <p:txBody>
-          <a:bodyPr wrap="square" rtlCol="0">
-            <a:spAutoFit/>
-          </a:bodyPr>
-          <a:lstStyle/>
-          <a:p>
-            <a:pPr marL="342900" indent="-342900">
-              <a:buFont typeface="Arial" panose="020B0604020202020204" pitchFamily="34" charset="0"/>
-              <a:buChar char="•"/>
-              <a:defRPr/>
-            </a:pPr>
-            <a:r>
-              <a:rPr lang="en-US" dirty="0">
-                <a:solidFill>
-                  <a:srgbClr val="404040"/>
-                </a:solidFill>
-              </a:rPr>
-              <a:t>Run Chunk 2</a:t>
-            </a:r>
-          </a:p>
-          <a:p>
-            <a:pPr marL="342900" indent="-342900">
-              <a:buFont typeface="Arial" panose="020B0604020202020204" pitchFamily="34" charset="0"/>
-              <a:buChar char="•"/>
-              <a:defRPr/>
-            </a:pPr>
-            <a:endParaRPr lang="en-US" dirty="0">
-              <a:solidFill>
-                <a:srgbClr val="404040"/>
-              </a:solidFill>
-            </a:endParaRPr>
-          </a:p>
-          <a:p>
-            <a:pPr marL="800100" lvl="1" indent="-342900">
-              <a:buFont typeface="Arial" panose="020B0604020202020204" pitchFamily="34" charset="0"/>
-              <a:buChar char="•"/>
-              <a:defRPr/>
-            </a:pPr>
-            <a:r>
-              <a:rPr lang="en-US" dirty="0">
-                <a:solidFill>
-                  <a:srgbClr val="404040"/>
-                </a:solidFill>
-              </a:rPr>
-              <a:t>Comparing Predictions vs Actual Maximum Water Temperatures</a:t>
-            </a:r>
-          </a:p>
-          <a:p>
-            <a:pPr marL="800100" lvl="1" indent="-342900">
-              <a:buFont typeface="Arial" panose="020B0604020202020204" pitchFamily="34" charset="0"/>
-              <a:buChar char="•"/>
-              <a:defRPr/>
-            </a:pPr>
-            <a:endParaRPr lang="en-US" dirty="0">
-              <a:solidFill>
-                <a:srgbClr val="404040"/>
-              </a:solidFill>
-            </a:endParaRPr>
-          </a:p>
-          <a:p>
-            <a:pPr marL="800100" lvl="1" indent="-342900">
-              <a:buFont typeface="Arial" panose="020B0604020202020204" pitchFamily="34" charset="0"/>
-              <a:buChar char="•"/>
-              <a:defRPr/>
-            </a:pPr>
-            <a:r>
-              <a:rPr lang="en-US" dirty="0">
-                <a:solidFill>
-                  <a:srgbClr val="404040"/>
-                </a:solidFill>
-              </a:rPr>
-              <a:t>Models Give Similar Predictions</a:t>
-            </a:r>
-          </a:p>
-          <a:p>
-            <a:pPr>
-              <a:defRPr/>
-            </a:pPr>
-            <a:endParaRPr lang="en-US" dirty="0">
-              <a:solidFill>
-                <a:srgbClr val="404040"/>
-              </a:solidFill>
-            </a:endParaRPr>
-          </a:p>
-          <a:p>
-            <a:pPr>
-              <a:defRPr/>
-            </a:pPr>
-            <a:endParaRPr lang="en-US" dirty="0">
-              <a:solidFill>
-                <a:srgbClr val="404040"/>
-              </a:solidFill>
-            </a:endParaRPr>
-          </a:p>
-        </p:txBody>
-      </p:sp>
-      <p:pic>
-        <p:nvPicPr>
-          <p:cNvPr id="3" name="Picture 2">
-            <a:extLst>
-              <a:ext uri="{FF2B5EF4-FFF2-40B4-BE49-F238E27FC236}">
-                <a16:creationId xmlns:a16="http://schemas.microsoft.com/office/drawing/2014/main" id="{087E12EC-14ED-44AB-B91A-4E4B85DE7A8E}"/>
-              </a:ext>
-            </a:extLst>
-          </p:cNvPr>
-          <p:cNvPicPr>
-            <a:picLocks noChangeAspect="1"/>
-          </p:cNvPicPr>
-          <p:nvPr/>
-        </p:nvPicPr>
-        <p:blipFill>
-          <a:blip r:embed="rId4"/>
-          <a:stretch>
-            <a:fillRect/>
-          </a:stretch>
-        </p:blipFill>
-        <p:spPr>
-          <a:xfrm>
-            <a:off x="4101951" y="3200400"/>
-            <a:ext cx="4750097" cy="3604185"/>
-          </a:xfrm>
-          <a:prstGeom prst="rect">
-            <a:avLst/>
-          </a:prstGeom>
-          <a:ln>
-            <a:solidFill>
-              <a:srgbClr val="404040"/>
-            </a:solidFill>
-          </a:ln>
-        </p:spPr>
-        <p:style>
-          <a:lnRef idx="2">
-            <a:schemeClr val="dk1"/>
-          </a:lnRef>
-          <a:fillRef idx="1">
-            <a:schemeClr val="lt1"/>
-          </a:fillRef>
-          <a:effectRef idx="0">
-            <a:schemeClr val="dk1"/>
-          </a:effectRef>
-          <a:fontRef idx="minor">
-            <a:schemeClr val="dk1"/>
-          </a:fontRef>
-        </p:style>
-      </p:pic>
-    </p:spTree>
-    <p:custDataLst>
-      <p:tags r:id="rId1"/>
-    </p:custDataLst>
-    <p:extLst>
-      <p:ext uri="{BB962C8B-B14F-4D97-AF65-F5344CB8AC3E}">
-        <p14:creationId xmlns:p14="http://schemas.microsoft.com/office/powerpoint/2010/main" val="305036315"/>
-      </p:ext>
-    </p:extLst>
-  </p:cSld>
-  <p:clrMapOvr>
-    <a:masterClrMapping/>
-  </p:clrMapOvr>
-</p:sld>
-</file>
-
-<file path=ppt/slides/slide25.xml><?xml version="1.0" encoding="utf-8"?>
-<p:sld xmlns:a="http://schemas.openxmlformats.org/drawingml/2006/main" xmlns:r="http://schemas.openxmlformats.org/officeDocument/2006/relationships" xmlns:p="http://schemas.openxmlformats.org/presentationml/2006/main">
-  <p:cSld>
-    <p:bg>
-      <p:bgPr>
-        <a:solidFill>
-          <a:schemeClr val="bg1">
-            <a:lumMod val="85000"/>
-          </a:schemeClr>
-        </a:solidFill>
-        <a:effectLst/>
-      </p:bgPr>
-    </p:bg>
-    <p:spTree>
-      <p:nvGrpSpPr>
-        <p:cNvPr id="1" name=""/>
-        <p:cNvGrpSpPr/>
-        <p:nvPr/>
-      </p:nvGrpSpPr>
-      <p:grpSpPr>
-        <a:xfrm>
-          <a:off x="0" y="0"/>
-          <a:ext cx="0" cy="0"/>
-          <a:chOff x="0" y="0"/>
-          <a:chExt cx="0" cy="0"/>
-        </a:xfrm>
-      </p:grpSpPr>
-      <p:sp>
-        <p:nvSpPr>
-          <p:cNvPr id="15" name="Rectangle 12">
-            <a:extLst>
-              <a:ext uri="{FF2B5EF4-FFF2-40B4-BE49-F238E27FC236}">
-                <a16:creationId xmlns:a16="http://schemas.microsoft.com/office/drawing/2014/main" id="{867D4867-5BA7-4462-B2F6-A23F4A622AA7}"/>
-              </a:ext>
-              <a:ext uri="{C183D7F6-B498-43B3-948B-1728B52AA6E4}">
-                <adec:decorative xmlns:adec="http://schemas.microsoft.com/office/drawing/2017/decorative" val="1"/>
-              </a:ext>
-            </a:extLst>
-          </p:cNvPr>
-          <p:cNvSpPr>
-            <a:spLocks noGrp="1" noRot="1" noChangeAspect="1" noMove="1" noResize="1" noEditPoints="1" noAdjustHandles="1" noChangeArrowheads="1" noChangeShapeType="1" noTextEdit="1"/>
-          </p:cNvSpPr>
-          <p:nvPr>
-            <p:extLst>
-              <p:ext uri="{386F3935-93C4-4BCD-93E2-E3B085C9AB24}">
-                <p16:designElem xmlns:p16="http://schemas.microsoft.com/office/powerpoint/2015/main" val="1"/>
-              </p:ext>
-            </p:extLst>
-          </p:nvPr>
-        </p:nvSpPr>
-        <p:spPr>
-          <a:xfrm>
-            <a:off x="0" y="0"/>
-            <a:ext cx="3490722" cy="6858000"/>
-          </a:xfrm>
-          <a:prstGeom prst="rect">
-            <a:avLst/>
-          </a:prstGeom>
-          <a:solidFill>
-            <a:schemeClr val="tx1">
-              <a:lumMod val="75000"/>
-              <a:lumOff val="25000"/>
-            </a:schemeClr>
-          </a:solidFill>
-          <a:ln>
-            <a:noFill/>
-          </a:ln>
-        </p:spPr>
-        <p:style>
-          <a:lnRef idx="0">
-            <a:scrgbClr r="0" g="0" b="0"/>
-          </a:lnRef>
-          <a:fillRef idx="0">
-            <a:scrgbClr r="0" g="0" b="0"/>
-          </a:fillRef>
-          <a:effectRef idx="0">
-            <a:scrgbClr r="0" g="0" b="0"/>
-          </a:effectRef>
-          <a:fontRef idx="minor">
-            <a:schemeClr val="lt1"/>
-          </a:fontRef>
-        </p:style>
-        <p:txBody>
-          <a:bodyPr rtlCol="0" anchor="ctr"/>
-          <a:lstStyle/>
-          <a:p>
-            <a:pPr marL="0" marR="0" lvl="0" indent="0" algn="ctr" defTabSz="457200" rtl="0" eaLnBrk="1" fontAlgn="base" latinLnBrk="0" hangingPunct="1">
-              <a:lnSpc>
-                <a:spcPct val="100000"/>
-              </a:lnSpc>
-              <a:spcBef>
-                <a:spcPct val="0"/>
-              </a:spcBef>
-              <a:spcAft>
-                <a:spcPct val="0"/>
-              </a:spcAft>
-              <a:buClrTx/>
-              <a:buSzTx/>
-              <a:buFontTx/>
-              <a:buNone/>
-              <a:tabLst/>
-              <a:defRPr/>
-            </a:pPr>
-            <a:endParaRPr kumimoji="0" lang="en-US" sz="2400" b="0" i="0" u="none" strike="noStrike" kern="1200" cap="none" spc="0" normalizeH="0" baseline="0" noProof="0">
-              <a:ln>
-                <a:noFill/>
-              </a:ln>
-              <a:solidFill>
-                <a:prstClr val="white"/>
-              </a:solidFill>
-              <a:effectLst/>
-              <a:uLnTx/>
-              <a:uFillTx/>
-              <a:latin typeface="Calibri"/>
-              <a:ea typeface="+mn-ea"/>
-              <a:cs typeface="+mn-cs"/>
-            </a:endParaRPr>
-          </a:p>
-        </p:txBody>
-      </p:sp>
-      <p:sp>
-        <p:nvSpPr>
-          <p:cNvPr id="2" name="Title 1"/>
-          <p:cNvSpPr>
-            <a:spLocks noGrp="1"/>
-          </p:cNvSpPr>
-          <p:nvPr>
-            <p:ph type="title"/>
-          </p:nvPr>
-        </p:nvSpPr>
-        <p:spPr>
-          <a:xfrm>
-            <a:off x="482600" y="643467"/>
-            <a:ext cx="2522980" cy="1597315"/>
-          </a:xfrm>
-          <a:noFill/>
-          <a:ln w="19050">
-            <a:solidFill>
-              <a:schemeClr val="bg1"/>
-            </a:solidFill>
-          </a:ln>
-        </p:spPr>
-        <p:txBody>
-          <a:bodyPr vert="horz" wrap="square" lIns="91440" tIns="45720" rIns="91440" bIns="45720" rtlCol="0" anchor="ctr">
-            <a:normAutofit/>
-          </a:bodyPr>
-          <a:lstStyle/>
-          <a:p>
-            <a:pPr defTabSz="914400" eaLnBrk="1" hangingPunct="1">
-              <a:lnSpc>
-                <a:spcPct val="90000"/>
-              </a:lnSpc>
-            </a:pPr>
-            <a:r>
-              <a:rPr lang="en-US" sz="2400" dirty="0">
-                <a:solidFill>
-                  <a:schemeClr val="bg1"/>
-                </a:solidFill>
-              </a:rPr>
-              <a:t>Part 5: </a:t>
-            </a:r>
-            <a:br>
-              <a:rPr lang="en-US" sz="2400" dirty="0">
-                <a:solidFill>
-                  <a:schemeClr val="bg1"/>
-                </a:solidFill>
-              </a:rPr>
-            </a:br>
-            <a:r>
-              <a:rPr lang="en-US" sz="2400" dirty="0">
-                <a:solidFill>
-                  <a:schemeClr val="bg1"/>
-                </a:solidFill>
-              </a:rPr>
-              <a:t>Evaluation </a:t>
-            </a:r>
-            <a:br>
-              <a:rPr lang="en-US" sz="2400" dirty="0">
-                <a:solidFill>
-                  <a:schemeClr val="bg1"/>
-                </a:solidFill>
-              </a:rPr>
-            </a:br>
-            <a:r>
-              <a:rPr lang="en-US" sz="2400" dirty="0">
-                <a:solidFill>
-                  <a:schemeClr val="bg1"/>
-                </a:solidFill>
-              </a:rPr>
-              <a:t>by </a:t>
-            </a:r>
-            <a:br>
-              <a:rPr lang="en-US" sz="2400" dirty="0">
-                <a:solidFill>
-                  <a:schemeClr val="bg1"/>
-                </a:solidFill>
-              </a:rPr>
-            </a:br>
-            <a:r>
-              <a:rPr lang="en-US" sz="2400" dirty="0">
-                <a:solidFill>
-                  <a:schemeClr val="bg1"/>
-                </a:solidFill>
-              </a:rPr>
-              <a:t>Visualization</a:t>
-            </a:r>
-            <a:endParaRPr lang="en-US" sz="2400" kern="1200" dirty="0">
-              <a:solidFill>
-                <a:schemeClr val="bg1"/>
-              </a:solidFill>
-              <a:latin typeface="+mj-lt"/>
-              <a:ea typeface="+mj-ea"/>
-              <a:cs typeface="+mj-cs"/>
-            </a:endParaRPr>
-          </a:p>
-        </p:txBody>
-      </p:sp>
-      <p:pic>
-        <p:nvPicPr>
-          <p:cNvPr id="8" name="Picture 7">
-            <a:extLst>
-              <a:ext uri="{FF2B5EF4-FFF2-40B4-BE49-F238E27FC236}">
-                <a16:creationId xmlns:a16="http://schemas.microsoft.com/office/drawing/2014/main" id="{521D4292-9ECC-4DA5-8CC0-C561A0DA118E}"/>
-              </a:ext>
-            </a:extLst>
-          </p:cNvPr>
-          <p:cNvPicPr>
-            <a:picLocks noChangeAspect="1"/>
-          </p:cNvPicPr>
-          <p:nvPr/>
-        </p:nvPicPr>
-        <p:blipFill rotWithShape="1">
-          <a:blip r:embed="rId3"/>
-          <a:srcRect l="8000" r="9400"/>
-          <a:stretch/>
-        </p:blipFill>
-        <p:spPr>
-          <a:xfrm>
-            <a:off x="660103" y="3048000"/>
-            <a:ext cx="2167974" cy="2624666"/>
-          </a:xfrm>
-          <a:prstGeom prst="rect">
-            <a:avLst/>
-          </a:prstGeom>
-          <a:noFill/>
-        </p:spPr>
-      </p:pic>
-      <p:sp>
-        <p:nvSpPr>
-          <p:cNvPr id="7" name="TextBox 6">
-            <a:extLst>
-              <a:ext uri="{FF2B5EF4-FFF2-40B4-BE49-F238E27FC236}">
-                <a16:creationId xmlns:a16="http://schemas.microsoft.com/office/drawing/2014/main" id="{DF060353-BDFF-427E-8ABE-861948AE3B71}"/>
-              </a:ext>
-            </a:extLst>
-          </p:cNvPr>
-          <p:cNvSpPr txBox="1"/>
-          <p:nvPr/>
-        </p:nvSpPr>
-        <p:spPr>
-          <a:xfrm>
-            <a:off x="3810000" y="506762"/>
-            <a:ext cx="5334000" cy="3046988"/>
-          </a:xfrm>
-          <a:prstGeom prst="rect">
-            <a:avLst/>
-          </a:prstGeom>
-          <a:noFill/>
-        </p:spPr>
-        <p:txBody>
-          <a:bodyPr wrap="square" rtlCol="0">
-            <a:spAutoFit/>
-          </a:bodyPr>
-          <a:lstStyle/>
-          <a:p>
-            <a:pPr marL="342900" indent="-342900">
-              <a:buFont typeface="Arial" panose="020B0604020202020204" pitchFamily="34" charset="0"/>
-              <a:buChar char="•"/>
-              <a:defRPr/>
-            </a:pPr>
-            <a:r>
-              <a:rPr lang="en-US" dirty="0">
-                <a:solidFill>
-                  <a:srgbClr val="404040"/>
-                </a:solidFill>
-              </a:rPr>
-              <a:t>Run Chunk 3</a:t>
-            </a:r>
-          </a:p>
-          <a:p>
-            <a:pPr marL="342900" indent="-342900">
-              <a:buFont typeface="Arial" panose="020B0604020202020204" pitchFamily="34" charset="0"/>
-              <a:buChar char="•"/>
-              <a:defRPr/>
-            </a:pPr>
-            <a:endParaRPr lang="en-US" dirty="0">
-              <a:solidFill>
-                <a:srgbClr val="404040"/>
-              </a:solidFill>
-            </a:endParaRPr>
-          </a:p>
-          <a:p>
-            <a:pPr marL="800100" lvl="1" indent="-342900">
-              <a:buFont typeface="Arial" panose="020B0604020202020204" pitchFamily="34" charset="0"/>
-              <a:buChar char="•"/>
-              <a:defRPr/>
-            </a:pPr>
-            <a:r>
-              <a:rPr lang="en-US" dirty="0">
-                <a:solidFill>
-                  <a:srgbClr val="404040"/>
-                </a:solidFill>
-              </a:rPr>
-              <a:t>Shows Residuals Under the 4 Models Plotted Over Time</a:t>
-            </a:r>
-          </a:p>
-          <a:p>
-            <a:pPr marL="800100" lvl="1" indent="-342900">
-              <a:buFont typeface="Arial" panose="020B0604020202020204" pitchFamily="34" charset="0"/>
-              <a:buChar char="•"/>
-              <a:defRPr/>
-            </a:pPr>
-            <a:endParaRPr lang="en-US" dirty="0">
-              <a:solidFill>
-                <a:srgbClr val="404040"/>
-              </a:solidFill>
-            </a:endParaRPr>
-          </a:p>
-          <a:p>
-            <a:pPr marL="800100" lvl="1" indent="-342900">
-              <a:buFont typeface="Arial" panose="020B0604020202020204" pitchFamily="34" charset="0"/>
-              <a:buChar char="•"/>
-              <a:defRPr/>
-            </a:pPr>
-            <a:r>
-              <a:rPr lang="en-US" dirty="0">
-                <a:solidFill>
-                  <a:srgbClr val="404040"/>
-                </a:solidFill>
-              </a:rPr>
-              <a:t>What is the Problem?</a:t>
-            </a:r>
-          </a:p>
-          <a:p>
-            <a:pPr>
-              <a:defRPr/>
-            </a:pPr>
-            <a:endParaRPr lang="en-US" dirty="0">
-              <a:solidFill>
-                <a:srgbClr val="404040"/>
-              </a:solidFill>
-            </a:endParaRPr>
-          </a:p>
-          <a:p>
-            <a:pPr>
-              <a:defRPr/>
-            </a:pPr>
-            <a:endParaRPr lang="en-US" dirty="0">
-              <a:solidFill>
-                <a:srgbClr val="404040"/>
-              </a:solidFill>
-            </a:endParaRPr>
-          </a:p>
-        </p:txBody>
-      </p:sp>
-      <p:pic>
-        <p:nvPicPr>
-          <p:cNvPr id="4" name="Picture 3">
-            <a:extLst>
-              <a:ext uri="{FF2B5EF4-FFF2-40B4-BE49-F238E27FC236}">
-                <a16:creationId xmlns:a16="http://schemas.microsoft.com/office/drawing/2014/main" id="{A49C126B-26CF-48DA-BF81-F169B3FB01B6}"/>
-              </a:ext>
-            </a:extLst>
-          </p:cNvPr>
-          <p:cNvPicPr>
-            <a:picLocks noChangeAspect="1"/>
-          </p:cNvPicPr>
-          <p:nvPr/>
-        </p:nvPicPr>
-        <p:blipFill>
-          <a:blip r:embed="rId4"/>
-          <a:stretch>
-            <a:fillRect/>
-          </a:stretch>
-        </p:blipFill>
-        <p:spPr>
-          <a:xfrm>
-            <a:off x="3684043" y="2743200"/>
-            <a:ext cx="5334000" cy="3995130"/>
-          </a:xfrm>
-          <a:prstGeom prst="rect">
-            <a:avLst/>
-          </a:prstGeom>
-          <a:ln>
-            <a:solidFill>
-              <a:srgbClr val="404040"/>
-            </a:solidFill>
-          </a:ln>
-        </p:spPr>
-        <p:style>
-          <a:lnRef idx="2">
-            <a:schemeClr val="dk1"/>
-          </a:lnRef>
-          <a:fillRef idx="1">
-            <a:schemeClr val="lt1"/>
-          </a:fillRef>
-          <a:effectRef idx="0">
-            <a:schemeClr val="dk1"/>
-          </a:effectRef>
-          <a:fontRef idx="minor">
-            <a:schemeClr val="dk1"/>
-          </a:fontRef>
-        </p:style>
-      </p:pic>
-    </p:spTree>
-    <p:custDataLst>
-      <p:tags r:id="rId1"/>
-    </p:custDataLst>
-    <p:extLst>
-      <p:ext uri="{BB962C8B-B14F-4D97-AF65-F5344CB8AC3E}">
-        <p14:creationId xmlns:p14="http://schemas.microsoft.com/office/powerpoint/2010/main" val="3455747918"/>
-      </p:ext>
-    </p:extLst>
-  </p:cSld>
-  <p:clrMapOvr>
-    <a:masterClrMapping/>
-  </p:clrMapOvr>
-</p:sld>
-</file>
-
-<file path=ppt/slides/slide26.xml><?xml version="1.0" encoding="utf-8"?>
-<p:sld xmlns:a="http://schemas.openxmlformats.org/drawingml/2006/main" xmlns:r="http://schemas.openxmlformats.org/officeDocument/2006/relationships" xmlns:p="http://schemas.openxmlformats.org/presentationml/2006/main">
-  <p:cSld>
-    <p:bg>
-      <p:bgPr>
-        <a:solidFill>
-          <a:schemeClr val="bg1">
-            <a:lumMod val="85000"/>
-          </a:schemeClr>
-        </a:solidFill>
-        <a:effectLst/>
-      </p:bgPr>
-    </p:bg>
-    <p:spTree>
-      <p:nvGrpSpPr>
-        <p:cNvPr id="1" name=""/>
-        <p:cNvGrpSpPr/>
-        <p:nvPr/>
-      </p:nvGrpSpPr>
-      <p:grpSpPr>
-        <a:xfrm>
-          <a:off x="0" y="0"/>
-          <a:ext cx="0" cy="0"/>
-          <a:chOff x="0" y="0"/>
-          <a:chExt cx="0" cy="0"/>
-        </a:xfrm>
-      </p:grpSpPr>
-      <p:sp>
-        <p:nvSpPr>
-          <p:cNvPr id="15" name="Rectangle 12">
-            <a:extLst>
-              <a:ext uri="{FF2B5EF4-FFF2-40B4-BE49-F238E27FC236}">
-                <a16:creationId xmlns:a16="http://schemas.microsoft.com/office/drawing/2014/main" id="{867D4867-5BA7-4462-B2F6-A23F4A622AA7}"/>
-              </a:ext>
-              <a:ext uri="{C183D7F6-B498-43B3-948B-1728B52AA6E4}">
-                <adec:decorative xmlns:adec="http://schemas.microsoft.com/office/drawing/2017/decorative" val="1"/>
-              </a:ext>
-            </a:extLst>
-          </p:cNvPr>
-          <p:cNvSpPr>
-            <a:spLocks noGrp="1" noRot="1" noChangeAspect="1" noMove="1" noResize="1" noEditPoints="1" noAdjustHandles="1" noChangeArrowheads="1" noChangeShapeType="1" noTextEdit="1"/>
-          </p:cNvSpPr>
-          <p:nvPr>
-            <p:extLst>
-              <p:ext uri="{386F3935-93C4-4BCD-93E2-E3B085C9AB24}">
-                <p16:designElem xmlns:p16="http://schemas.microsoft.com/office/powerpoint/2015/main" val="1"/>
-              </p:ext>
-            </p:extLst>
-          </p:nvPr>
-        </p:nvSpPr>
-        <p:spPr>
-          <a:xfrm>
-            <a:off x="0" y="0"/>
-            <a:ext cx="3490722" cy="6858000"/>
-          </a:xfrm>
-          <a:prstGeom prst="rect">
-            <a:avLst/>
-          </a:prstGeom>
-          <a:solidFill>
-            <a:schemeClr val="tx1">
-              <a:lumMod val="75000"/>
-              <a:lumOff val="25000"/>
-            </a:schemeClr>
-          </a:solidFill>
-          <a:ln>
-            <a:noFill/>
-          </a:ln>
-        </p:spPr>
-        <p:style>
-          <a:lnRef idx="0">
-            <a:scrgbClr r="0" g="0" b="0"/>
-          </a:lnRef>
-          <a:fillRef idx="0">
-            <a:scrgbClr r="0" g="0" b="0"/>
-          </a:fillRef>
-          <a:effectRef idx="0">
-            <a:scrgbClr r="0" g="0" b="0"/>
-          </a:effectRef>
-          <a:fontRef idx="minor">
-            <a:schemeClr val="lt1"/>
-          </a:fontRef>
-        </p:style>
-        <p:txBody>
-          <a:bodyPr rtlCol="0" anchor="ctr"/>
-          <a:lstStyle/>
-          <a:p>
-            <a:pPr marL="0" marR="0" lvl="0" indent="0" algn="ctr" defTabSz="457200" rtl="0" eaLnBrk="1" fontAlgn="base" latinLnBrk="0" hangingPunct="1">
-              <a:lnSpc>
-                <a:spcPct val="100000"/>
-              </a:lnSpc>
-              <a:spcBef>
-                <a:spcPct val="0"/>
-              </a:spcBef>
-              <a:spcAft>
-                <a:spcPct val="0"/>
-              </a:spcAft>
-              <a:buClrTx/>
-              <a:buSzTx/>
-              <a:buFontTx/>
-              <a:buNone/>
-              <a:tabLst/>
-              <a:defRPr/>
-            </a:pPr>
-            <a:endParaRPr kumimoji="0" lang="en-US" sz="2400" b="0" i="0" u="none" strike="noStrike" kern="1200" cap="none" spc="0" normalizeH="0" baseline="0" noProof="0">
-              <a:ln>
-                <a:noFill/>
-              </a:ln>
-              <a:solidFill>
-                <a:prstClr val="white"/>
-              </a:solidFill>
-              <a:effectLst/>
-              <a:uLnTx/>
-              <a:uFillTx/>
-              <a:latin typeface="Calibri"/>
-              <a:ea typeface="+mn-ea"/>
-              <a:cs typeface="+mn-cs"/>
-            </a:endParaRPr>
-          </a:p>
-        </p:txBody>
-      </p:sp>
-      <p:sp>
-        <p:nvSpPr>
-          <p:cNvPr id="2" name="Title 1"/>
-          <p:cNvSpPr>
-            <a:spLocks noGrp="1"/>
-          </p:cNvSpPr>
-          <p:nvPr>
-            <p:ph type="title"/>
-          </p:nvPr>
-        </p:nvSpPr>
-        <p:spPr>
-          <a:xfrm>
-            <a:off x="482600" y="643467"/>
-            <a:ext cx="2522980" cy="1597315"/>
-          </a:xfrm>
-          <a:noFill/>
-          <a:ln w="19050">
-            <a:solidFill>
-              <a:schemeClr val="bg1"/>
-            </a:solidFill>
-          </a:ln>
-        </p:spPr>
-        <p:txBody>
-          <a:bodyPr vert="horz" wrap="square" lIns="91440" tIns="45720" rIns="91440" bIns="45720" rtlCol="0" anchor="ctr">
-            <a:normAutofit/>
-          </a:bodyPr>
-          <a:lstStyle/>
-          <a:p>
-            <a:pPr defTabSz="914400" eaLnBrk="1" hangingPunct="1">
-              <a:lnSpc>
-                <a:spcPct val="90000"/>
-              </a:lnSpc>
-            </a:pPr>
-            <a:r>
-              <a:rPr lang="en-US" sz="2400" dirty="0">
-                <a:solidFill>
-                  <a:schemeClr val="bg1"/>
-                </a:solidFill>
-              </a:rPr>
-              <a:t>Part 5: </a:t>
-            </a:r>
-            <a:br>
-              <a:rPr lang="en-US" sz="2400" dirty="0">
-                <a:solidFill>
-                  <a:schemeClr val="bg1"/>
-                </a:solidFill>
-              </a:rPr>
-            </a:br>
-            <a:r>
-              <a:rPr lang="en-US" sz="2400" dirty="0">
-                <a:solidFill>
-                  <a:schemeClr val="bg1"/>
-                </a:solidFill>
-              </a:rPr>
-              <a:t>Evaluation </a:t>
-            </a:r>
-            <a:br>
-              <a:rPr lang="en-US" sz="2400" dirty="0">
-                <a:solidFill>
-                  <a:schemeClr val="bg1"/>
-                </a:solidFill>
-              </a:rPr>
-            </a:br>
-            <a:r>
-              <a:rPr lang="en-US" sz="2400" dirty="0">
-                <a:solidFill>
-                  <a:schemeClr val="bg1"/>
-                </a:solidFill>
-              </a:rPr>
-              <a:t>by </a:t>
-            </a:r>
-            <a:br>
-              <a:rPr lang="en-US" sz="2400" dirty="0">
-                <a:solidFill>
-                  <a:schemeClr val="bg1"/>
-                </a:solidFill>
-              </a:rPr>
-            </a:br>
-            <a:r>
-              <a:rPr lang="en-US" sz="2400" dirty="0">
-                <a:solidFill>
-                  <a:schemeClr val="bg1"/>
-                </a:solidFill>
-              </a:rPr>
-              <a:t>Visualization</a:t>
-            </a:r>
-            <a:endParaRPr lang="en-US" sz="2400" kern="1200" dirty="0">
-              <a:solidFill>
-                <a:schemeClr val="bg1"/>
-              </a:solidFill>
-              <a:latin typeface="+mj-lt"/>
-              <a:ea typeface="+mj-ea"/>
-              <a:cs typeface="+mj-cs"/>
-            </a:endParaRPr>
-          </a:p>
-        </p:txBody>
-      </p:sp>
-      <p:pic>
-        <p:nvPicPr>
-          <p:cNvPr id="8" name="Picture 7">
-            <a:extLst>
-              <a:ext uri="{FF2B5EF4-FFF2-40B4-BE49-F238E27FC236}">
-                <a16:creationId xmlns:a16="http://schemas.microsoft.com/office/drawing/2014/main" id="{521D4292-9ECC-4DA5-8CC0-C561A0DA118E}"/>
-              </a:ext>
-            </a:extLst>
-          </p:cNvPr>
-          <p:cNvPicPr>
-            <a:picLocks noChangeAspect="1"/>
-          </p:cNvPicPr>
-          <p:nvPr/>
-        </p:nvPicPr>
-        <p:blipFill rotWithShape="1">
-          <a:blip r:embed="rId3"/>
-          <a:srcRect l="8000" r="9400"/>
-          <a:stretch/>
-        </p:blipFill>
-        <p:spPr>
-          <a:xfrm>
-            <a:off x="660103" y="3048000"/>
-            <a:ext cx="2167974" cy="2624666"/>
-          </a:xfrm>
-          <a:prstGeom prst="rect">
-            <a:avLst/>
-          </a:prstGeom>
-          <a:noFill/>
-        </p:spPr>
-      </p:pic>
-      <p:sp>
-        <p:nvSpPr>
-          <p:cNvPr id="7" name="TextBox 6">
-            <a:extLst>
-              <a:ext uri="{FF2B5EF4-FFF2-40B4-BE49-F238E27FC236}">
-                <a16:creationId xmlns:a16="http://schemas.microsoft.com/office/drawing/2014/main" id="{DF060353-BDFF-427E-8ABE-861948AE3B71}"/>
-              </a:ext>
-            </a:extLst>
-          </p:cNvPr>
-          <p:cNvSpPr txBox="1"/>
-          <p:nvPr/>
-        </p:nvSpPr>
-        <p:spPr>
-          <a:xfrm>
-            <a:off x="3810000" y="506762"/>
-            <a:ext cx="5334000" cy="1569660"/>
-          </a:xfrm>
-          <a:prstGeom prst="rect">
-            <a:avLst/>
-          </a:prstGeom>
-          <a:noFill/>
-        </p:spPr>
-        <p:txBody>
-          <a:bodyPr wrap="square" rtlCol="0">
-            <a:spAutoFit/>
-          </a:bodyPr>
-          <a:lstStyle/>
-          <a:p>
-            <a:pPr marL="342900" indent="-342900">
-              <a:buFont typeface="Arial" panose="020B0604020202020204" pitchFamily="34" charset="0"/>
-              <a:buChar char="•"/>
-              <a:defRPr/>
-            </a:pPr>
-            <a:r>
-              <a:rPr lang="en-US" dirty="0">
-                <a:solidFill>
-                  <a:srgbClr val="404040"/>
-                </a:solidFill>
-              </a:rPr>
-              <a:t>Run Chunk 4</a:t>
-            </a:r>
-          </a:p>
-          <a:p>
-            <a:pPr marL="342900" indent="-342900">
-              <a:buFont typeface="Arial" panose="020B0604020202020204" pitchFamily="34" charset="0"/>
-              <a:buChar char="•"/>
-              <a:defRPr/>
-            </a:pPr>
-            <a:endParaRPr lang="en-US" dirty="0">
-              <a:solidFill>
-                <a:srgbClr val="404040"/>
-              </a:solidFill>
-            </a:endParaRPr>
-          </a:p>
-          <a:p>
-            <a:pPr marL="800100" lvl="1" indent="-342900">
-              <a:buFont typeface="Arial" panose="020B0604020202020204" pitchFamily="34" charset="0"/>
-              <a:buChar char="•"/>
-              <a:defRPr/>
-            </a:pPr>
-            <a:r>
-              <a:rPr lang="en-US" dirty="0">
-                <a:solidFill>
-                  <a:srgbClr val="404040"/>
-                </a:solidFill>
-              </a:rPr>
-              <a:t>Evaluate Models For the Three Locations Separately</a:t>
-            </a:r>
-          </a:p>
-        </p:txBody>
-      </p:sp>
-      <p:pic>
-        <p:nvPicPr>
-          <p:cNvPr id="3" name="Picture 2">
-            <a:extLst>
-              <a:ext uri="{FF2B5EF4-FFF2-40B4-BE49-F238E27FC236}">
-                <a16:creationId xmlns:a16="http://schemas.microsoft.com/office/drawing/2014/main" id="{9CFB0ACF-3E0F-4DCD-9073-8C00CF6193E7}"/>
-              </a:ext>
-            </a:extLst>
-          </p:cNvPr>
-          <p:cNvPicPr>
-            <a:picLocks noChangeAspect="1"/>
-          </p:cNvPicPr>
-          <p:nvPr/>
-        </p:nvPicPr>
-        <p:blipFill>
-          <a:blip r:embed="rId4"/>
-          <a:stretch>
-            <a:fillRect/>
-          </a:stretch>
-        </p:blipFill>
-        <p:spPr>
-          <a:xfrm>
-            <a:off x="3581400" y="2095472"/>
-            <a:ext cx="5486400" cy="3657600"/>
-          </a:xfrm>
-          <a:prstGeom prst="rect">
-            <a:avLst/>
-          </a:prstGeom>
-          <a:ln>
-            <a:solidFill>
-              <a:srgbClr val="404040"/>
-            </a:solidFill>
-          </a:ln>
-        </p:spPr>
-        <p:style>
-          <a:lnRef idx="2">
-            <a:schemeClr val="dk1"/>
-          </a:lnRef>
-          <a:fillRef idx="1">
-            <a:schemeClr val="lt1"/>
-          </a:fillRef>
-          <a:effectRef idx="0">
-            <a:schemeClr val="dk1"/>
-          </a:effectRef>
-          <a:fontRef idx="minor">
-            <a:schemeClr val="dk1"/>
-          </a:fontRef>
-        </p:style>
-      </p:pic>
-    </p:spTree>
-    <p:custDataLst>
-      <p:tags r:id="rId1"/>
-    </p:custDataLst>
-    <p:extLst>
-      <p:ext uri="{BB962C8B-B14F-4D97-AF65-F5344CB8AC3E}">
-        <p14:creationId xmlns:p14="http://schemas.microsoft.com/office/powerpoint/2010/main" val="1367970803"/>
-      </p:ext>
-    </p:extLst>
-  </p:cSld>
-  <p:clrMapOvr>
-    <a:masterClrMapping/>
-  </p:clrMapOvr>
-</p:sld>
-</file>
-
-<file path=ppt/slides/slide27.xml><?xml version="1.0" encoding="utf-8"?>
-<p:sld xmlns:a="http://schemas.openxmlformats.org/drawingml/2006/main" xmlns:r="http://schemas.openxmlformats.org/officeDocument/2006/relationships" xmlns:p="http://schemas.openxmlformats.org/presentationml/2006/main">
-  <p:cSld>
-    <p:bg>
-      <p:bgPr>
-        <a:solidFill>
-          <a:schemeClr val="bg1">
-            <a:lumMod val="85000"/>
-          </a:schemeClr>
-        </a:solidFill>
-        <a:effectLst/>
-      </p:bgPr>
-    </p:bg>
-    <p:spTree>
-      <p:nvGrpSpPr>
-        <p:cNvPr id="1" name=""/>
-        <p:cNvGrpSpPr/>
-        <p:nvPr/>
-      </p:nvGrpSpPr>
-      <p:grpSpPr>
-        <a:xfrm>
-          <a:off x="0" y="0"/>
-          <a:ext cx="0" cy="0"/>
-          <a:chOff x="0" y="0"/>
-          <a:chExt cx="0" cy="0"/>
-        </a:xfrm>
-      </p:grpSpPr>
-      <p:sp>
-        <p:nvSpPr>
-          <p:cNvPr id="15" name="Rectangle 12">
-            <a:extLst>
-              <a:ext uri="{FF2B5EF4-FFF2-40B4-BE49-F238E27FC236}">
-                <a16:creationId xmlns:a16="http://schemas.microsoft.com/office/drawing/2014/main" id="{867D4867-5BA7-4462-B2F6-A23F4A622AA7}"/>
-              </a:ext>
-              <a:ext uri="{C183D7F6-B498-43B3-948B-1728B52AA6E4}">
-                <adec:decorative xmlns:adec="http://schemas.microsoft.com/office/drawing/2017/decorative" val="1"/>
-              </a:ext>
-            </a:extLst>
-          </p:cNvPr>
-          <p:cNvSpPr>
-            <a:spLocks noGrp="1" noRot="1" noChangeAspect="1" noMove="1" noResize="1" noEditPoints="1" noAdjustHandles="1" noChangeArrowheads="1" noChangeShapeType="1" noTextEdit="1"/>
-          </p:cNvSpPr>
-          <p:nvPr>
-            <p:extLst>
-              <p:ext uri="{386F3935-93C4-4BCD-93E2-E3B085C9AB24}">
-                <p16:designElem xmlns:p16="http://schemas.microsoft.com/office/powerpoint/2015/main" val="1"/>
-              </p:ext>
-            </p:extLst>
-          </p:nvPr>
-        </p:nvSpPr>
-        <p:spPr>
-          <a:xfrm>
-            <a:off x="0" y="0"/>
-            <a:ext cx="3490722" cy="6858000"/>
-          </a:xfrm>
-          <a:prstGeom prst="rect">
-            <a:avLst/>
-          </a:prstGeom>
-          <a:solidFill>
-            <a:schemeClr val="tx1">
-              <a:lumMod val="75000"/>
-              <a:lumOff val="25000"/>
-            </a:schemeClr>
-          </a:solidFill>
-          <a:ln>
-            <a:noFill/>
-          </a:ln>
-        </p:spPr>
-        <p:style>
-          <a:lnRef idx="0">
-            <a:scrgbClr r="0" g="0" b="0"/>
-          </a:lnRef>
-          <a:fillRef idx="0">
-            <a:scrgbClr r="0" g="0" b="0"/>
-          </a:fillRef>
-          <a:effectRef idx="0">
-            <a:scrgbClr r="0" g="0" b="0"/>
-          </a:effectRef>
-          <a:fontRef idx="minor">
-            <a:schemeClr val="lt1"/>
-          </a:fontRef>
-        </p:style>
-        <p:txBody>
-          <a:bodyPr rtlCol="0" anchor="ctr"/>
-          <a:lstStyle/>
-          <a:p>
-            <a:pPr marL="0" marR="0" lvl="0" indent="0" algn="ctr" defTabSz="457200" rtl="0" eaLnBrk="1" fontAlgn="base" latinLnBrk="0" hangingPunct="1">
-              <a:lnSpc>
-                <a:spcPct val="100000"/>
-              </a:lnSpc>
-              <a:spcBef>
-                <a:spcPct val="0"/>
-              </a:spcBef>
-              <a:spcAft>
-                <a:spcPct val="0"/>
-              </a:spcAft>
-              <a:buClrTx/>
-              <a:buSzTx/>
-              <a:buFontTx/>
-              <a:buNone/>
-              <a:tabLst/>
-              <a:defRPr/>
-            </a:pPr>
-            <a:endParaRPr kumimoji="0" lang="en-US" sz="2400" b="0" i="0" u="none" strike="noStrike" kern="1200" cap="none" spc="0" normalizeH="0" baseline="0" noProof="0">
-              <a:ln>
-                <a:noFill/>
-              </a:ln>
-              <a:solidFill>
-                <a:prstClr val="white"/>
-              </a:solidFill>
-              <a:effectLst/>
-              <a:uLnTx/>
-              <a:uFillTx/>
-              <a:latin typeface="Calibri"/>
-              <a:ea typeface="+mn-ea"/>
-              <a:cs typeface="+mn-cs"/>
-            </a:endParaRPr>
-          </a:p>
-        </p:txBody>
-      </p:sp>
-      <p:sp>
-        <p:nvSpPr>
-          <p:cNvPr id="2" name="Title 1"/>
-          <p:cNvSpPr>
-            <a:spLocks noGrp="1"/>
-          </p:cNvSpPr>
-          <p:nvPr>
-            <p:ph type="title"/>
-          </p:nvPr>
-        </p:nvSpPr>
-        <p:spPr>
-          <a:xfrm>
-            <a:off x="482600" y="643467"/>
-            <a:ext cx="2522980" cy="1597315"/>
-          </a:xfrm>
-          <a:noFill/>
-          <a:ln w="19050">
-            <a:solidFill>
-              <a:schemeClr val="bg1"/>
-            </a:solidFill>
-          </a:ln>
-        </p:spPr>
-        <p:txBody>
-          <a:bodyPr vert="horz" wrap="square" lIns="91440" tIns="45720" rIns="91440" bIns="45720" rtlCol="0" anchor="ctr">
-            <a:normAutofit/>
-          </a:bodyPr>
-          <a:lstStyle/>
-          <a:p>
-            <a:pPr defTabSz="914400" eaLnBrk="1" hangingPunct="1">
-              <a:lnSpc>
-                <a:spcPct val="90000"/>
-              </a:lnSpc>
-            </a:pPr>
-            <a:r>
-              <a:rPr lang="en-US" sz="2400" dirty="0">
-                <a:solidFill>
-                  <a:schemeClr val="bg1"/>
-                </a:solidFill>
-              </a:rPr>
-              <a:t>Part 5: </a:t>
-            </a:r>
-            <a:br>
-              <a:rPr lang="en-US" sz="2400" dirty="0">
-                <a:solidFill>
-                  <a:schemeClr val="bg1"/>
-                </a:solidFill>
-              </a:rPr>
-            </a:br>
-            <a:r>
-              <a:rPr lang="en-US" sz="2400" dirty="0">
-                <a:solidFill>
-                  <a:schemeClr val="bg1"/>
-                </a:solidFill>
-              </a:rPr>
-              <a:t>Evaluation </a:t>
-            </a:r>
-            <a:br>
-              <a:rPr lang="en-US" sz="2400" dirty="0">
-                <a:solidFill>
-                  <a:schemeClr val="bg1"/>
-                </a:solidFill>
-              </a:rPr>
-            </a:br>
-            <a:r>
-              <a:rPr lang="en-US" sz="2400" dirty="0">
-                <a:solidFill>
-                  <a:schemeClr val="bg1"/>
-                </a:solidFill>
-              </a:rPr>
-              <a:t>by </a:t>
-            </a:r>
-            <a:br>
-              <a:rPr lang="en-US" sz="2400" dirty="0">
-                <a:solidFill>
-                  <a:schemeClr val="bg1"/>
-                </a:solidFill>
-              </a:rPr>
-            </a:br>
-            <a:r>
-              <a:rPr lang="en-US" sz="2400" dirty="0">
-                <a:solidFill>
-                  <a:schemeClr val="bg1"/>
-                </a:solidFill>
-              </a:rPr>
-              <a:t>Visualization</a:t>
-            </a:r>
-            <a:endParaRPr lang="en-US" sz="2400" kern="1200" dirty="0">
-              <a:solidFill>
-                <a:schemeClr val="bg1"/>
-              </a:solidFill>
-              <a:latin typeface="+mj-lt"/>
-              <a:ea typeface="+mj-ea"/>
-              <a:cs typeface="+mj-cs"/>
-            </a:endParaRPr>
-          </a:p>
-        </p:txBody>
-      </p:sp>
-      <p:pic>
-        <p:nvPicPr>
-          <p:cNvPr id="8" name="Picture 7">
-            <a:extLst>
-              <a:ext uri="{FF2B5EF4-FFF2-40B4-BE49-F238E27FC236}">
-                <a16:creationId xmlns:a16="http://schemas.microsoft.com/office/drawing/2014/main" id="{521D4292-9ECC-4DA5-8CC0-C561A0DA118E}"/>
-              </a:ext>
-            </a:extLst>
-          </p:cNvPr>
-          <p:cNvPicPr>
-            <a:picLocks noChangeAspect="1"/>
-          </p:cNvPicPr>
-          <p:nvPr/>
-        </p:nvPicPr>
-        <p:blipFill rotWithShape="1">
-          <a:blip r:embed="rId3"/>
-          <a:srcRect l="8000" r="9400"/>
-          <a:stretch/>
-        </p:blipFill>
-        <p:spPr>
-          <a:xfrm>
-            <a:off x="660103" y="3048000"/>
-            <a:ext cx="2167974" cy="2624666"/>
-          </a:xfrm>
-          <a:prstGeom prst="rect">
-            <a:avLst/>
-          </a:prstGeom>
-          <a:noFill/>
-        </p:spPr>
-      </p:pic>
-      <p:sp>
-        <p:nvSpPr>
-          <p:cNvPr id="7" name="TextBox 6">
-            <a:extLst>
-              <a:ext uri="{FF2B5EF4-FFF2-40B4-BE49-F238E27FC236}">
-                <a16:creationId xmlns:a16="http://schemas.microsoft.com/office/drawing/2014/main" id="{DF060353-BDFF-427E-8ABE-861948AE3B71}"/>
-              </a:ext>
-            </a:extLst>
-          </p:cNvPr>
-          <p:cNvSpPr txBox="1"/>
-          <p:nvPr/>
-        </p:nvSpPr>
-        <p:spPr>
-          <a:xfrm>
-            <a:off x="3810000" y="506762"/>
-            <a:ext cx="5334000" cy="1569660"/>
-          </a:xfrm>
-          <a:prstGeom prst="rect">
-            <a:avLst/>
-          </a:prstGeom>
-          <a:noFill/>
-        </p:spPr>
-        <p:txBody>
-          <a:bodyPr wrap="square" rtlCol="0">
-            <a:spAutoFit/>
-          </a:bodyPr>
-          <a:lstStyle/>
-          <a:p>
-            <a:pPr marL="342900" indent="-342900">
-              <a:buFont typeface="Arial" panose="020B0604020202020204" pitchFamily="34" charset="0"/>
-              <a:buChar char="•"/>
-              <a:defRPr/>
-            </a:pPr>
-            <a:r>
-              <a:rPr lang="en-US" dirty="0">
-                <a:solidFill>
-                  <a:srgbClr val="404040"/>
-                </a:solidFill>
-              </a:rPr>
-              <a:t>Run Chunk 5</a:t>
-            </a:r>
-          </a:p>
-          <a:p>
-            <a:pPr marL="342900" indent="-342900">
-              <a:buFont typeface="Arial" panose="020B0604020202020204" pitchFamily="34" charset="0"/>
-              <a:buChar char="•"/>
-              <a:defRPr/>
-            </a:pPr>
-            <a:endParaRPr lang="en-US" dirty="0">
-              <a:solidFill>
-                <a:srgbClr val="404040"/>
-              </a:solidFill>
-            </a:endParaRPr>
-          </a:p>
-          <a:p>
-            <a:pPr marL="800100" lvl="1" indent="-342900">
-              <a:buFont typeface="Arial" panose="020B0604020202020204" pitchFamily="34" charset="0"/>
-              <a:buChar char="•"/>
-              <a:defRPr/>
-            </a:pPr>
-            <a:r>
-              <a:rPr lang="en-US" dirty="0">
-                <a:solidFill>
-                  <a:srgbClr val="404040"/>
-                </a:solidFill>
-              </a:rPr>
-              <a:t>Evaluate Error For the Three Locations Separately (by A)</a:t>
-            </a:r>
-          </a:p>
-        </p:txBody>
-      </p:sp>
-      <p:pic>
-        <p:nvPicPr>
-          <p:cNvPr id="5" name="Picture 4">
-            <a:extLst>
-              <a:ext uri="{FF2B5EF4-FFF2-40B4-BE49-F238E27FC236}">
-                <a16:creationId xmlns:a16="http://schemas.microsoft.com/office/drawing/2014/main" id="{30E686D6-7807-4C7C-848A-94CD0D813A85}"/>
-              </a:ext>
-            </a:extLst>
-          </p:cNvPr>
-          <p:cNvPicPr>
-            <a:picLocks noChangeAspect="1"/>
-          </p:cNvPicPr>
-          <p:nvPr/>
-        </p:nvPicPr>
-        <p:blipFill>
-          <a:blip r:embed="rId4"/>
-          <a:stretch>
-            <a:fillRect/>
-          </a:stretch>
-        </p:blipFill>
-        <p:spPr>
-          <a:xfrm>
-            <a:off x="3600450" y="2076422"/>
-            <a:ext cx="5463902" cy="3657600"/>
-          </a:xfrm>
-          <a:prstGeom prst="rect">
-            <a:avLst/>
-          </a:prstGeom>
-          <a:ln>
-            <a:solidFill>
-              <a:srgbClr val="404040"/>
-            </a:solidFill>
-          </a:ln>
-        </p:spPr>
-        <p:style>
-          <a:lnRef idx="2">
-            <a:schemeClr val="dk1"/>
-          </a:lnRef>
-          <a:fillRef idx="1">
-            <a:schemeClr val="lt1"/>
-          </a:fillRef>
-          <a:effectRef idx="0">
-            <a:schemeClr val="dk1"/>
-          </a:effectRef>
-          <a:fontRef idx="minor">
-            <a:schemeClr val="dk1"/>
-          </a:fontRef>
-        </p:style>
-      </p:pic>
-    </p:spTree>
-    <p:custDataLst>
-      <p:tags r:id="rId1"/>
-    </p:custDataLst>
-    <p:extLst>
-      <p:ext uri="{BB962C8B-B14F-4D97-AF65-F5344CB8AC3E}">
-        <p14:creationId xmlns:p14="http://schemas.microsoft.com/office/powerpoint/2010/main" val="3105666947"/>
-      </p:ext>
-    </p:extLst>
-  </p:cSld>
-  <p:clrMapOvr>
-    <a:masterClrMapping/>
-  </p:clrMapOvr>
-</p:sld>
-</file>
-
-<file path=ppt/slides/slide28.xml><?xml version="1.0" encoding="utf-8"?>
-<p:sld xmlns:a="http://schemas.openxmlformats.org/drawingml/2006/main" xmlns:r="http://schemas.openxmlformats.org/officeDocument/2006/relationships" xmlns:p="http://schemas.openxmlformats.org/presentationml/2006/main">
-  <p:cSld>
-    <p:bg>
-      <p:bgPr>
-        <a:solidFill>
-          <a:schemeClr val="bg1">
-            <a:lumMod val="85000"/>
-          </a:schemeClr>
-        </a:solidFill>
-        <a:effectLst/>
-      </p:bgPr>
-    </p:bg>
-    <p:spTree>
-      <p:nvGrpSpPr>
-        <p:cNvPr id="1" name=""/>
-        <p:cNvGrpSpPr/>
-        <p:nvPr/>
-      </p:nvGrpSpPr>
-      <p:grpSpPr>
-        <a:xfrm>
-          <a:off x="0" y="0"/>
-          <a:ext cx="0" cy="0"/>
-          <a:chOff x="0" y="0"/>
-          <a:chExt cx="0" cy="0"/>
-        </a:xfrm>
-      </p:grpSpPr>
-      <p:sp>
-        <p:nvSpPr>
-          <p:cNvPr id="15" name="Rectangle 12">
-            <a:extLst>
-              <a:ext uri="{FF2B5EF4-FFF2-40B4-BE49-F238E27FC236}">
-                <a16:creationId xmlns:a16="http://schemas.microsoft.com/office/drawing/2014/main" id="{867D4867-5BA7-4462-B2F6-A23F4A622AA7}"/>
-              </a:ext>
-              <a:ext uri="{C183D7F6-B498-43B3-948B-1728B52AA6E4}">
-                <adec:decorative xmlns:adec="http://schemas.microsoft.com/office/drawing/2017/decorative" val="1"/>
-              </a:ext>
-            </a:extLst>
-          </p:cNvPr>
-          <p:cNvSpPr>
-            <a:spLocks noGrp="1" noRot="1" noChangeAspect="1" noMove="1" noResize="1" noEditPoints="1" noAdjustHandles="1" noChangeArrowheads="1" noChangeShapeType="1" noTextEdit="1"/>
-          </p:cNvSpPr>
-          <p:nvPr>
-            <p:extLst>
-              <p:ext uri="{386F3935-93C4-4BCD-93E2-E3B085C9AB24}">
-                <p16:designElem xmlns:p16="http://schemas.microsoft.com/office/powerpoint/2015/main" val="1"/>
-              </p:ext>
-            </p:extLst>
-          </p:nvPr>
-        </p:nvSpPr>
-        <p:spPr>
-          <a:xfrm>
-            <a:off x="0" y="0"/>
-            <a:ext cx="3490722" cy="6858000"/>
-          </a:xfrm>
-          <a:prstGeom prst="rect">
-            <a:avLst/>
-          </a:prstGeom>
-          <a:solidFill>
-            <a:schemeClr val="tx1">
-              <a:lumMod val="75000"/>
-              <a:lumOff val="25000"/>
-            </a:schemeClr>
-          </a:solidFill>
-          <a:ln>
-            <a:noFill/>
-          </a:ln>
-        </p:spPr>
-        <p:style>
-          <a:lnRef idx="0">
-            <a:scrgbClr r="0" g="0" b="0"/>
-          </a:lnRef>
-          <a:fillRef idx="0">
-            <a:scrgbClr r="0" g="0" b="0"/>
-          </a:fillRef>
-          <a:effectRef idx="0">
-            <a:scrgbClr r="0" g="0" b="0"/>
-          </a:effectRef>
-          <a:fontRef idx="minor">
-            <a:schemeClr val="lt1"/>
-          </a:fontRef>
-        </p:style>
-        <p:txBody>
-          <a:bodyPr rtlCol="0" anchor="ctr"/>
-          <a:lstStyle/>
-          <a:p>
-            <a:pPr marL="0" marR="0" lvl="0" indent="0" algn="ctr" defTabSz="457200" rtl="0" eaLnBrk="1" fontAlgn="base" latinLnBrk="0" hangingPunct="1">
-              <a:lnSpc>
-                <a:spcPct val="100000"/>
-              </a:lnSpc>
-              <a:spcBef>
-                <a:spcPct val="0"/>
-              </a:spcBef>
-              <a:spcAft>
-                <a:spcPct val="0"/>
-              </a:spcAft>
-              <a:buClrTx/>
-              <a:buSzTx/>
-              <a:buFontTx/>
-              <a:buNone/>
-              <a:tabLst/>
-              <a:defRPr/>
-            </a:pPr>
-            <a:endParaRPr kumimoji="0" lang="en-US" sz="2400" b="0" i="0" u="none" strike="noStrike" kern="1200" cap="none" spc="0" normalizeH="0" baseline="0" noProof="0">
-              <a:ln>
-                <a:noFill/>
-              </a:ln>
-              <a:solidFill>
-                <a:prstClr val="white"/>
-              </a:solidFill>
-              <a:effectLst/>
-              <a:uLnTx/>
-              <a:uFillTx/>
-              <a:latin typeface="Calibri"/>
-              <a:ea typeface="+mn-ea"/>
-              <a:cs typeface="+mn-cs"/>
-            </a:endParaRPr>
-          </a:p>
-        </p:txBody>
-      </p:sp>
-      <p:sp>
-        <p:nvSpPr>
-          <p:cNvPr id="2" name="Title 1"/>
-          <p:cNvSpPr>
-            <a:spLocks noGrp="1"/>
-          </p:cNvSpPr>
-          <p:nvPr>
-            <p:ph type="title"/>
-          </p:nvPr>
-        </p:nvSpPr>
-        <p:spPr>
-          <a:xfrm>
-            <a:off x="482600" y="643467"/>
-            <a:ext cx="2522980" cy="1597315"/>
-          </a:xfrm>
-          <a:noFill/>
-          <a:ln w="19050">
-            <a:solidFill>
-              <a:schemeClr val="bg1"/>
-            </a:solidFill>
-          </a:ln>
-        </p:spPr>
-        <p:txBody>
-          <a:bodyPr vert="horz" wrap="square" lIns="91440" tIns="45720" rIns="91440" bIns="45720" rtlCol="0" anchor="ctr">
-            <a:normAutofit/>
-          </a:bodyPr>
-          <a:lstStyle/>
-          <a:p>
-            <a:pPr defTabSz="914400" eaLnBrk="1" hangingPunct="1">
-              <a:lnSpc>
-                <a:spcPct val="90000"/>
-              </a:lnSpc>
-            </a:pPr>
-            <a:r>
-              <a:rPr lang="en-US" sz="2400" dirty="0">
-                <a:solidFill>
-                  <a:schemeClr val="bg1"/>
-                </a:solidFill>
-              </a:rPr>
-              <a:t>Part 5: </a:t>
-            </a:r>
-            <a:br>
-              <a:rPr lang="en-US" sz="2400" dirty="0">
-                <a:solidFill>
-                  <a:schemeClr val="bg1"/>
-                </a:solidFill>
-              </a:rPr>
-            </a:br>
-            <a:r>
-              <a:rPr lang="en-US" sz="2400" dirty="0">
-                <a:solidFill>
-                  <a:schemeClr val="bg1"/>
-                </a:solidFill>
-              </a:rPr>
-              <a:t>Evaluation </a:t>
-            </a:r>
-            <a:br>
-              <a:rPr lang="en-US" sz="2400" dirty="0">
-                <a:solidFill>
-                  <a:schemeClr val="bg1"/>
-                </a:solidFill>
-              </a:rPr>
-            </a:br>
-            <a:r>
-              <a:rPr lang="en-US" sz="2400" dirty="0">
-                <a:solidFill>
-                  <a:schemeClr val="bg1"/>
-                </a:solidFill>
-              </a:rPr>
-              <a:t>by </a:t>
-            </a:r>
-            <a:br>
-              <a:rPr lang="en-US" sz="2400" dirty="0">
-                <a:solidFill>
-                  <a:schemeClr val="bg1"/>
-                </a:solidFill>
-              </a:rPr>
-            </a:br>
-            <a:r>
-              <a:rPr lang="en-US" sz="2400" dirty="0">
-                <a:solidFill>
-                  <a:schemeClr val="bg1"/>
-                </a:solidFill>
-              </a:rPr>
-              <a:t>Visualization</a:t>
-            </a:r>
-            <a:endParaRPr lang="en-US" sz="2400" kern="1200" dirty="0">
-              <a:solidFill>
-                <a:schemeClr val="bg1"/>
-              </a:solidFill>
-              <a:latin typeface="+mj-lt"/>
-              <a:ea typeface="+mj-ea"/>
-              <a:cs typeface="+mj-cs"/>
-            </a:endParaRPr>
-          </a:p>
-        </p:txBody>
-      </p:sp>
-      <p:pic>
-        <p:nvPicPr>
-          <p:cNvPr id="8" name="Picture 7">
-            <a:extLst>
-              <a:ext uri="{FF2B5EF4-FFF2-40B4-BE49-F238E27FC236}">
-                <a16:creationId xmlns:a16="http://schemas.microsoft.com/office/drawing/2014/main" id="{521D4292-9ECC-4DA5-8CC0-C561A0DA118E}"/>
-              </a:ext>
-            </a:extLst>
-          </p:cNvPr>
-          <p:cNvPicPr>
-            <a:picLocks noChangeAspect="1"/>
-          </p:cNvPicPr>
-          <p:nvPr/>
-        </p:nvPicPr>
-        <p:blipFill rotWithShape="1">
-          <a:blip r:embed="rId3"/>
-          <a:srcRect l="8000" r="9400"/>
-          <a:stretch/>
-        </p:blipFill>
-        <p:spPr>
-          <a:xfrm>
-            <a:off x="660103" y="3048000"/>
-            <a:ext cx="2167974" cy="2624666"/>
-          </a:xfrm>
-          <a:prstGeom prst="rect">
-            <a:avLst/>
-          </a:prstGeom>
-          <a:noFill/>
-        </p:spPr>
-      </p:pic>
-      <p:sp>
-        <p:nvSpPr>
-          <p:cNvPr id="7" name="TextBox 6">
-            <a:extLst>
-              <a:ext uri="{FF2B5EF4-FFF2-40B4-BE49-F238E27FC236}">
-                <a16:creationId xmlns:a16="http://schemas.microsoft.com/office/drawing/2014/main" id="{DF060353-BDFF-427E-8ABE-861948AE3B71}"/>
-              </a:ext>
-            </a:extLst>
-          </p:cNvPr>
-          <p:cNvSpPr txBox="1"/>
-          <p:nvPr/>
-        </p:nvSpPr>
-        <p:spPr>
-          <a:xfrm>
-            <a:off x="3810000" y="506762"/>
-            <a:ext cx="5334000" cy="1569660"/>
-          </a:xfrm>
-          <a:prstGeom prst="rect">
-            <a:avLst/>
-          </a:prstGeom>
-          <a:noFill/>
-        </p:spPr>
-        <p:txBody>
-          <a:bodyPr wrap="square" rtlCol="0">
-            <a:spAutoFit/>
-          </a:bodyPr>
-          <a:lstStyle/>
-          <a:p>
-            <a:pPr marL="342900" indent="-342900">
-              <a:buFont typeface="Arial" panose="020B0604020202020204" pitchFamily="34" charset="0"/>
-              <a:buChar char="•"/>
-              <a:defRPr/>
-            </a:pPr>
-            <a:r>
-              <a:rPr lang="en-US" dirty="0">
-                <a:solidFill>
-                  <a:srgbClr val="404040"/>
-                </a:solidFill>
-              </a:rPr>
-              <a:t>Run Chunk 6</a:t>
-            </a:r>
-          </a:p>
-          <a:p>
-            <a:pPr marL="342900" indent="-342900">
-              <a:buFont typeface="Arial" panose="020B0604020202020204" pitchFamily="34" charset="0"/>
-              <a:buChar char="•"/>
-              <a:defRPr/>
-            </a:pPr>
-            <a:endParaRPr lang="en-US" dirty="0">
-              <a:solidFill>
-                <a:srgbClr val="404040"/>
-              </a:solidFill>
-            </a:endParaRPr>
-          </a:p>
-          <a:p>
-            <a:pPr marL="800100" lvl="1" indent="-342900">
-              <a:buFont typeface="Arial" panose="020B0604020202020204" pitchFamily="34" charset="0"/>
-              <a:buChar char="•"/>
-              <a:defRPr/>
-            </a:pPr>
-            <a:r>
-              <a:rPr lang="en-US" dirty="0">
-                <a:solidFill>
-                  <a:srgbClr val="404040"/>
-                </a:solidFill>
-              </a:rPr>
-              <a:t>Evaluate Error For the Three Locations Separately (by Time)</a:t>
-            </a:r>
-          </a:p>
-        </p:txBody>
-      </p:sp>
-      <p:pic>
-        <p:nvPicPr>
-          <p:cNvPr id="3" name="Picture 2">
-            <a:extLst>
-              <a:ext uri="{FF2B5EF4-FFF2-40B4-BE49-F238E27FC236}">
-                <a16:creationId xmlns:a16="http://schemas.microsoft.com/office/drawing/2014/main" id="{79AD1DB3-7222-4FE0-BC88-CFE22C67E6E1}"/>
-              </a:ext>
-            </a:extLst>
-          </p:cNvPr>
-          <p:cNvPicPr>
-            <a:picLocks noChangeAspect="1"/>
-          </p:cNvPicPr>
-          <p:nvPr/>
-        </p:nvPicPr>
-        <p:blipFill>
-          <a:blip r:embed="rId4"/>
-          <a:stretch>
-            <a:fillRect/>
-          </a:stretch>
-        </p:blipFill>
-        <p:spPr>
-          <a:xfrm>
-            <a:off x="3556000" y="2133600"/>
-            <a:ext cx="5496110" cy="3657600"/>
-          </a:xfrm>
-          <a:prstGeom prst="rect">
-            <a:avLst/>
-          </a:prstGeom>
-          <a:ln>
-            <a:solidFill>
-              <a:srgbClr val="404040"/>
-            </a:solidFill>
-          </a:ln>
-        </p:spPr>
-        <p:style>
-          <a:lnRef idx="2">
-            <a:schemeClr val="dk1"/>
-          </a:lnRef>
-          <a:fillRef idx="1">
-            <a:schemeClr val="lt1"/>
-          </a:fillRef>
-          <a:effectRef idx="0">
-            <a:schemeClr val="dk1"/>
-          </a:effectRef>
-          <a:fontRef idx="minor">
-            <a:schemeClr val="dk1"/>
-          </a:fontRef>
-        </p:style>
-      </p:pic>
-    </p:spTree>
-    <p:custDataLst>
-      <p:tags r:id="rId1"/>
-    </p:custDataLst>
-    <p:extLst>
-      <p:ext uri="{BB962C8B-B14F-4D97-AF65-F5344CB8AC3E}">
-        <p14:creationId xmlns:p14="http://schemas.microsoft.com/office/powerpoint/2010/main" val="507818488"/>
-      </p:ext>
-    </p:extLst>
-  </p:cSld>
-  <p:clrMapOvr>
-    <a:masterClrMapping/>
-  </p:clrMapOvr>
-</p:sld>
-</file>
-
-<file path=ppt/slides/slide29.xml><?xml version="1.0" encoding="utf-8"?>
-<p:sld xmlns:a="http://schemas.openxmlformats.org/drawingml/2006/main" xmlns:r="http://schemas.openxmlformats.org/officeDocument/2006/relationships" xmlns:p="http://schemas.openxmlformats.org/presentationml/2006/main">
-  <p:cSld>
-    <p:bg>
-      <p:bgPr>
-        <a:solidFill>
-          <a:schemeClr val="bg1">
-            <a:lumMod val="85000"/>
-          </a:schemeClr>
-        </a:solidFill>
-        <a:effectLst/>
-      </p:bgPr>
-    </p:bg>
-    <p:spTree>
-      <p:nvGrpSpPr>
-        <p:cNvPr id="1" name=""/>
-        <p:cNvGrpSpPr/>
-        <p:nvPr/>
-      </p:nvGrpSpPr>
-      <p:grpSpPr>
-        <a:xfrm>
-          <a:off x="0" y="0"/>
-          <a:ext cx="0" cy="0"/>
-          <a:chOff x="0" y="0"/>
-          <a:chExt cx="0" cy="0"/>
-        </a:xfrm>
-      </p:grpSpPr>
-      <p:sp>
-        <p:nvSpPr>
-          <p:cNvPr id="15" name="Rectangle 12">
-            <a:extLst>
-              <a:ext uri="{FF2B5EF4-FFF2-40B4-BE49-F238E27FC236}">
-                <a16:creationId xmlns:a16="http://schemas.microsoft.com/office/drawing/2014/main" id="{867D4867-5BA7-4462-B2F6-A23F4A622AA7}"/>
-              </a:ext>
-              <a:ext uri="{C183D7F6-B498-43B3-948B-1728B52AA6E4}">
-                <adec:decorative xmlns:adec="http://schemas.microsoft.com/office/drawing/2017/decorative" val="1"/>
-              </a:ext>
-            </a:extLst>
-          </p:cNvPr>
-          <p:cNvSpPr>
-            <a:spLocks noGrp="1" noRot="1" noChangeAspect="1" noMove="1" noResize="1" noEditPoints="1" noAdjustHandles="1" noChangeArrowheads="1" noChangeShapeType="1" noTextEdit="1"/>
-          </p:cNvSpPr>
-          <p:nvPr>
-            <p:extLst>
-              <p:ext uri="{386F3935-93C4-4BCD-93E2-E3B085C9AB24}">
-                <p16:designElem xmlns:p16="http://schemas.microsoft.com/office/powerpoint/2015/main" val="1"/>
-              </p:ext>
-            </p:extLst>
-          </p:nvPr>
-        </p:nvSpPr>
-        <p:spPr>
-          <a:xfrm>
-            <a:off x="0" y="0"/>
-            <a:ext cx="3490722" cy="6858000"/>
-          </a:xfrm>
-          <a:prstGeom prst="rect">
-            <a:avLst/>
-          </a:prstGeom>
-          <a:solidFill>
-            <a:schemeClr val="tx1">
-              <a:lumMod val="75000"/>
-              <a:lumOff val="25000"/>
-            </a:schemeClr>
-          </a:solidFill>
-          <a:ln>
-            <a:noFill/>
-          </a:ln>
-        </p:spPr>
-        <p:style>
-          <a:lnRef idx="0">
-            <a:scrgbClr r="0" g="0" b="0"/>
-          </a:lnRef>
-          <a:fillRef idx="0">
-            <a:scrgbClr r="0" g="0" b="0"/>
-          </a:fillRef>
-          <a:effectRef idx="0">
-            <a:scrgbClr r="0" g="0" b="0"/>
-          </a:effectRef>
-          <a:fontRef idx="minor">
-            <a:schemeClr val="lt1"/>
-          </a:fontRef>
-        </p:style>
-        <p:txBody>
-          <a:bodyPr rtlCol="0" anchor="ctr"/>
-          <a:lstStyle/>
-          <a:p>
-            <a:pPr marL="0" marR="0" lvl="0" indent="0" algn="ctr" defTabSz="457200" rtl="0" eaLnBrk="1" fontAlgn="base" latinLnBrk="0" hangingPunct="1">
-              <a:lnSpc>
-                <a:spcPct val="100000"/>
-              </a:lnSpc>
-              <a:spcBef>
-                <a:spcPct val="0"/>
-              </a:spcBef>
-              <a:spcAft>
-                <a:spcPct val="0"/>
-              </a:spcAft>
-              <a:buClrTx/>
-              <a:buSzTx/>
-              <a:buFontTx/>
-              <a:buNone/>
-              <a:tabLst/>
-              <a:defRPr/>
-            </a:pPr>
-            <a:endParaRPr kumimoji="0" lang="en-US" sz="2400" b="0" i="0" u="none" strike="noStrike" kern="1200" cap="none" spc="0" normalizeH="0" baseline="0" noProof="0">
-              <a:ln>
-                <a:noFill/>
-              </a:ln>
-              <a:solidFill>
-                <a:prstClr val="white"/>
-              </a:solidFill>
-              <a:effectLst/>
-              <a:uLnTx/>
-              <a:uFillTx/>
-              <a:latin typeface="Calibri"/>
-              <a:ea typeface="+mn-ea"/>
-              <a:cs typeface="+mn-cs"/>
-            </a:endParaRPr>
-          </a:p>
-        </p:txBody>
-      </p:sp>
-      <p:sp>
-        <p:nvSpPr>
-          <p:cNvPr id="2" name="Title 1"/>
-          <p:cNvSpPr>
-            <a:spLocks noGrp="1"/>
-          </p:cNvSpPr>
-          <p:nvPr>
-            <p:ph type="title"/>
-          </p:nvPr>
-        </p:nvSpPr>
-        <p:spPr>
-          <a:xfrm>
-            <a:off x="482600" y="643467"/>
-            <a:ext cx="2522980" cy="1597315"/>
-          </a:xfrm>
-          <a:noFill/>
-          <a:ln w="19050">
-            <a:solidFill>
-              <a:schemeClr val="bg1"/>
-            </a:solidFill>
-          </a:ln>
-        </p:spPr>
-        <p:txBody>
-          <a:bodyPr vert="horz" wrap="square" lIns="91440" tIns="45720" rIns="91440" bIns="45720" rtlCol="0" anchor="ctr">
-            <a:normAutofit/>
-          </a:bodyPr>
-          <a:lstStyle/>
-          <a:p>
-            <a:pPr defTabSz="914400" eaLnBrk="1" hangingPunct="1">
-              <a:lnSpc>
-                <a:spcPct val="90000"/>
-              </a:lnSpc>
-            </a:pPr>
-            <a:r>
-              <a:rPr lang="en-US" sz="2400" dirty="0">
-                <a:solidFill>
-                  <a:schemeClr val="bg1"/>
-                </a:solidFill>
-              </a:rPr>
-              <a:t>Discussion</a:t>
-            </a:r>
-            <a:endParaRPr lang="en-US" sz="2400" kern="1200" dirty="0">
-              <a:solidFill>
-                <a:schemeClr val="bg1"/>
-              </a:solidFill>
-              <a:latin typeface="+mj-lt"/>
-              <a:ea typeface="+mj-ea"/>
-              <a:cs typeface="+mj-cs"/>
-            </a:endParaRPr>
-          </a:p>
-        </p:txBody>
-      </p:sp>
-      <p:pic>
-        <p:nvPicPr>
-          <p:cNvPr id="8" name="Picture 7">
-            <a:extLst>
-              <a:ext uri="{FF2B5EF4-FFF2-40B4-BE49-F238E27FC236}">
-                <a16:creationId xmlns:a16="http://schemas.microsoft.com/office/drawing/2014/main" id="{521D4292-9ECC-4DA5-8CC0-C561A0DA118E}"/>
-              </a:ext>
-            </a:extLst>
-          </p:cNvPr>
-          <p:cNvPicPr>
-            <a:picLocks noChangeAspect="1"/>
-          </p:cNvPicPr>
-          <p:nvPr/>
-        </p:nvPicPr>
-        <p:blipFill rotWithShape="1">
-          <a:blip r:embed="rId3"/>
-          <a:srcRect l="8000" r="9400"/>
-          <a:stretch/>
-        </p:blipFill>
-        <p:spPr>
-          <a:xfrm>
-            <a:off x="660103" y="3048000"/>
-            <a:ext cx="2167974" cy="2624666"/>
-          </a:xfrm>
-          <a:prstGeom prst="rect">
-            <a:avLst/>
-          </a:prstGeom>
-          <a:noFill/>
-        </p:spPr>
-      </p:pic>
-      <p:sp>
-        <p:nvSpPr>
-          <p:cNvPr id="7" name="TextBox 6">
-            <a:extLst>
-              <a:ext uri="{FF2B5EF4-FFF2-40B4-BE49-F238E27FC236}">
-                <a16:creationId xmlns:a16="http://schemas.microsoft.com/office/drawing/2014/main" id="{DF060353-BDFF-427E-8ABE-861948AE3B71}"/>
-              </a:ext>
-            </a:extLst>
-          </p:cNvPr>
-          <p:cNvSpPr txBox="1"/>
-          <p:nvPr/>
-        </p:nvSpPr>
-        <p:spPr>
-          <a:xfrm>
-            <a:off x="3810000" y="506762"/>
-            <a:ext cx="5334000" cy="6001643"/>
-          </a:xfrm>
-          <a:prstGeom prst="rect">
-            <a:avLst/>
-          </a:prstGeom>
-          <a:noFill/>
-        </p:spPr>
-        <p:txBody>
-          <a:bodyPr wrap="square" rtlCol="0">
-            <a:spAutoFit/>
-          </a:bodyPr>
-          <a:lstStyle/>
-          <a:p>
-            <a:pPr marL="342900" indent="-342900">
-              <a:buFont typeface="Arial" panose="020B0604020202020204" pitchFamily="34" charset="0"/>
-              <a:buChar char="•"/>
-              <a:defRPr/>
-            </a:pPr>
-            <a:r>
-              <a:rPr lang="en-US" dirty="0">
-                <a:solidFill>
-                  <a:srgbClr val="404040"/>
-                </a:solidFill>
-              </a:rPr>
-              <a:t>Problems With The Approach</a:t>
-            </a:r>
-          </a:p>
-          <a:p>
-            <a:pPr marL="342900" indent="-342900">
-              <a:buFont typeface="Arial" panose="020B0604020202020204" pitchFamily="34" charset="0"/>
-              <a:buChar char="•"/>
-              <a:defRPr/>
-            </a:pPr>
-            <a:endParaRPr lang="en-US" dirty="0">
-              <a:solidFill>
-                <a:srgbClr val="404040"/>
-              </a:solidFill>
-            </a:endParaRPr>
-          </a:p>
-          <a:p>
-            <a:pPr marL="800100" lvl="1" indent="-342900">
-              <a:buFont typeface="Arial" panose="020B0604020202020204" pitchFamily="34" charset="0"/>
-              <a:buChar char="•"/>
-              <a:defRPr/>
-            </a:pPr>
-            <a:r>
-              <a:rPr lang="en-US" dirty="0">
-                <a:solidFill>
-                  <a:srgbClr val="404040"/>
-                </a:solidFill>
-              </a:rPr>
-              <a:t>Same Model For All Locations</a:t>
-            </a:r>
-          </a:p>
-          <a:p>
-            <a:pPr marL="800100" lvl="1" indent="-342900">
-              <a:buFont typeface="Arial" panose="020B0604020202020204" pitchFamily="34" charset="0"/>
-              <a:buChar char="•"/>
-              <a:defRPr/>
-            </a:pPr>
-            <a:endParaRPr lang="en-US" dirty="0">
-              <a:solidFill>
-                <a:srgbClr val="404040"/>
-              </a:solidFill>
-            </a:endParaRPr>
-          </a:p>
-          <a:p>
-            <a:pPr marL="800100" lvl="1" indent="-342900">
-              <a:buFont typeface="Arial" panose="020B0604020202020204" pitchFamily="34" charset="0"/>
-              <a:buChar char="•"/>
-              <a:defRPr/>
-            </a:pPr>
-            <a:r>
-              <a:rPr lang="en-US" dirty="0">
-                <a:solidFill>
-                  <a:srgbClr val="404040"/>
-                </a:solidFill>
-              </a:rPr>
-              <a:t>Not All Locations Used in Train</a:t>
-            </a:r>
-          </a:p>
-          <a:p>
-            <a:pPr marL="800100" lvl="1" indent="-342900">
-              <a:buFont typeface="Arial" panose="020B0604020202020204" pitchFamily="34" charset="0"/>
-              <a:buChar char="•"/>
-              <a:defRPr/>
-            </a:pPr>
-            <a:endParaRPr lang="en-US" dirty="0">
-              <a:solidFill>
-                <a:srgbClr val="404040"/>
-              </a:solidFill>
-            </a:endParaRPr>
-          </a:p>
-          <a:p>
-            <a:pPr marL="800100" lvl="1" indent="-342900">
-              <a:buFont typeface="Arial" panose="020B0604020202020204" pitchFamily="34" charset="0"/>
-              <a:buChar char="•"/>
-              <a:defRPr/>
-            </a:pPr>
-            <a:r>
-              <a:rPr lang="en-US" dirty="0">
-                <a:solidFill>
-                  <a:srgbClr val="404040"/>
-                </a:solidFill>
-              </a:rPr>
-              <a:t>Not All Locations Used in Test</a:t>
-            </a:r>
-          </a:p>
-          <a:p>
-            <a:pPr marL="800100" lvl="1" indent="-342900">
-              <a:buFont typeface="Arial" panose="020B0604020202020204" pitchFamily="34" charset="0"/>
-              <a:buChar char="•"/>
-              <a:defRPr/>
-            </a:pPr>
-            <a:endParaRPr lang="en-US" dirty="0">
-              <a:solidFill>
-                <a:srgbClr val="404040"/>
-              </a:solidFill>
-            </a:endParaRPr>
-          </a:p>
-          <a:p>
-            <a:pPr marL="800100" lvl="1" indent="-342900">
-              <a:buFont typeface="Arial" panose="020B0604020202020204" pitchFamily="34" charset="0"/>
-              <a:buChar char="•"/>
-              <a:defRPr/>
-            </a:pPr>
-            <a:r>
-              <a:rPr lang="en-US" dirty="0">
-                <a:solidFill>
-                  <a:srgbClr val="404040"/>
-                </a:solidFill>
-              </a:rPr>
-              <a:t>Residuals Indicate that Model Can Be Improved</a:t>
-            </a:r>
-          </a:p>
-          <a:p>
-            <a:pPr marL="800100" lvl="1" indent="-342900">
-              <a:buFont typeface="Arial" panose="020B0604020202020204" pitchFamily="34" charset="0"/>
-              <a:buChar char="•"/>
-              <a:defRPr/>
-            </a:pPr>
-            <a:endParaRPr lang="en-US" dirty="0">
-              <a:solidFill>
-                <a:srgbClr val="404040"/>
-              </a:solidFill>
-            </a:endParaRPr>
-          </a:p>
-          <a:p>
-            <a:pPr marL="800100" lvl="1" indent="-342900">
-              <a:buFont typeface="Arial" panose="020B0604020202020204" pitchFamily="34" charset="0"/>
-              <a:buChar char="•"/>
-              <a:defRPr/>
-            </a:pPr>
-            <a:r>
-              <a:rPr lang="en-US" dirty="0">
-                <a:solidFill>
-                  <a:srgbClr val="404040"/>
-                </a:solidFill>
-              </a:rPr>
-              <a:t>All Models Have the Same Issue if Used for Predicting the Maximum Water Temperature Given the Maximum Air Temperature</a:t>
-            </a:r>
-          </a:p>
-        </p:txBody>
-      </p:sp>
-    </p:spTree>
-    <p:custDataLst>
-      <p:tags r:id="rId1"/>
-    </p:custDataLst>
-    <p:extLst>
-      <p:ext uri="{BB962C8B-B14F-4D97-AF65-F5344CB8AC3E}">
-        <p14:creationId xmlns:p14="http://schemas.microsoft.com/office/powerpoint/2010/main" val="3310022946"/>
-      </p:ext>
-    </p:extLst>
-  </p:cSld>
-  <p:clrMapOvr>
-    <a:masterClrMapping/>
-  </p:clrMapOvr>
-</p:sld>
-</file>
-
-<file path=ppt/slides/slide3.xml><?xml version="1.0" encoding="utf-8"?>
-<p:sld xmlns:a="http://schemas.openxmlformats.org/drawingml/2006/main" xmlns:r="http://schemas.openxmlformats.org/officeDocument/2006/relationships" xmlns:p="http://schemas.openxmlformats.org/presentationml/2006/main">
-  <p:cSld>
-    <p:bg>
-      <p:bgPr>
-        <a:solidFill>
-          <a:schemeClr val="bg1">
-            <a:lumMod val="85000"/>
-          </a:schemeClr>
-        </a:solidFill>
-        <a:effectLst/>
-      </p:bgPr>
-    </p:bg>
-    <p:spTree>
-      <p:nvGrpSpPr>
-        <p:cNvPr id="1" name=""/>
-        <p:cNvGrpSpPr/>
-        <p:nvPr/>
-      </p:nvGrpSpPr>
-      <p:grpSpPr>
-        <a:xfrm>
-          <a:off x="0" y="0"/>
-          <a:ext cx="0" cy="0"/>
-          <a:chOff x="0" y="0"/>
-          <a:chExt cx="0" cy="0"/>
-        </a:xfrm>
-      </p:grpSpPr>
-      <p:sp>
-        <p:nvSpPr>
-          <p:cNvPr id="15" name="Rectangle 12">
-            <a:extLst>
-              <a:ext uri="{FF2B5EF4-FFF2-40B4-BE49-F238E27FC236}">
-                <a16:creationId xmlns:a16="http://schemas.microsoft.com/office/drawing/2014/main" id="{867D4867-5BA7-4462-B2F6-A23F4A622AA7}"/>
-              </a:ext>
-              <a:ext uri="{C183D7F6-B498-43B3-948B-1728B52AA6E4}">
-                <adec:decorative xmlns:adec="http://schemas.microsoft.com/office/drawing/2017/decorative" val="1"/>
-              </a:ext>
-            </a:extLst>
-          </p:cNvPr>
-          <p:cNvSpPr>
-            <a:spLocks noGrp="1" noRot="1" noChangeAspect="1" noMove="1" noResize="1" noEditPoints="1" noAdjustHandles="1" noChangeArrowheads="1" noChangeShapeType="1" noTextEdit="1"/>
-          </p:cNvSpPr>
-          <p:nvPr>
-            <p:extLst>
-              <p:ext uri="{386F3935-93C4-4BCD-93E2-E3B085C9AB24}">
-                <p16:designElem xmlns:p16="http://schemas.microsoft.com/office/powerpoint/2015/main" val="1"/>
-              </p:ext>
-            </p:extLst>
-          </p:nvPr>
-        </p:nvSpPr>
-        <p:spPr>
-          <a:xfrm>
-            <a:off x="0" y="0"/>
-            <a:ext cx="3490722" cy="6858000"/>
-          </a:xfrm>
-          <a:prstGeom prst="rect">
-            <a:avLst/>
-          </a:prstGeom>
-          <a:solidFill>
-            <a:schemeClr val="tx1">
-              <a:lumMod val="75000"/>
-              <a:lumOff val="25000"/>
-            </a:schemeClr>
-          </a:solidFill>
-          <a:ln>
-            <a:noFill/>
-          </a:ln>
-        </p:spPr>
-        <p:style>
-          <a:lnRef idx="0">
-            <a:scrgbClr r="0" g="0" b="0"/>
-          </a:lnRef>
-          <a:fillRef idx="0">
-            <a:scrgbClr r="0" g="0" b="0"/>
-          </a:fillRef>
-          <a:effectRef idx="0">
-            <a:scrgbClr r="0" g="0" b="0"/>
-          </a:effectRef>
-          <a:fontRef idx="minor">
-            <a:schemeClr val="lt1"/>
-          </a:fontRef>
-        </p:style>
-        <p:txBody>
-          <a:bodyPr rtlCol="0" anchor="ctr"/>
-          <a:lstStyle/>
-          <a:p>
-            <a:pPr marL="0" marR="0" lvl="0" indent="0" algn="ctr" defTabSz="457200" rtl="0" eaLnBrk="1" fontAlgn="base" latinLnBrk="0" hangingPunct="1">
-              <a:lnSpc>
-                <a:spcPct val="100000"/>
-              </a:lnSpc>
-              <a:spcBef>
-                <a:spcPct val="0"/>
-              </a:spcBef>
-              <a:spcAft>
-                <a:spcPct val="0"/>
-              </a:spcAft>
-              <a:buClrTx/>
-              <a:buSzTx/>
-              <a:buFontTx/>
-              <a:buNone/>
-              <a:tabLst/>
-              <a:defRPr/>
-            </a:pPr>
-            <a:endParaRPr kumimoji="0" lang="en-US" sz="2400" b="0" i="0" u="none" strike="noStrike" kern="1200" cap="none" spc="0" normalizeH="0" baseline="0" noProof="0">
-              <a:ln>
-                <a:noFill/>
-              </a:ln>
-              <a:solidFill>
-                <a:prstClr val="white"/>
-              </a:solidFill>
-              <a:effectLst/>
-              <a:uLnTx/>
-              <a:uFillTx/>
-              <a:latin typeface="Calibri"/>
-              <a:ea typeface="+mn-ea"/>
-              <a:cs typeface="+mn-cs"/>
-            </a:endParaRPr>
-          </a:p>
-        </p:txBody>
-      </p:sp>
-      <p:sp>
-        <p:nvSpPr>
-          <p:cNvPr id="2" name="Title 1"/>
-          <p:cNvSpPr>
-            <a:spLocks noGrp="1"/>
-          </p:cNvSpPr>
-          <p:nvPr>
-            <p:ph type="title"/>
-          </p:nvPr>
-        </p:nvSpPr>
-        <p:spPr>
-          <a:xfrm>
-            <a:off x="482600" y="643467"/>
-            <a:ext cx="2522980" cy="1597315"/>
-          </a:xfrm>
-          <a:noFill/>
-          <a:ln w="19050">
-            <a:solidFill>
-              <a:schemeClr val="bg1"/>
-            </a:solidFill>
-          </a:ln>
-        </p:spPr>
-        <p:txBody>
-          <a:bodyPr vert="horz" wrap="square" lIns="91440" tIns="45720" rIns="91440" bIns="45720" rtlCol="0" anchor="ctr">
-            <a:normAutofit/>
-          </a:bodyPr>
-          <a:lstStyle/>
-          <a:p>
-            <a:pPr defTabSz="914400" eaLnBrk="1" hangingPunct="1">
-              <a:lnSpc>
-                <a:spcPct val="90000"/>
-              </a:lnSpc>
-            </a:pPr>
-            <a:r>
-              <a:rPr lang="en-US" sz="2400" dirty="0">
-                <a:solidFill>
-                  <a:schemeClr val="bg1"/>
-                </a:solidFill>
-                <a:ea typeface="+mj-ea"/>
-                <a:cs typeface="+mj-cs"/>
-              </a:rPr>
-              <a:t>Introduction</a:t>
-            </a:r>
-            <a:endParaRPr lang="en-US" sz="2400" kern="1200" dirty="0">
-              <a:solidFill>
-                <a:schemeClr val="bg1"/>
-              </a:solidFill>
-              <a:latin typeface="+mj-lt"/>
-              <a:ea typeface="+mj-ea"/>
-              <a:cs typeface="+mj-cs"/>
-            </a:endParaRPr>
-          </a:p>
-        </p:txBody>
-      </p:sp>
-      <p:pic>
-        <p:nvPicPr>
-          <p:cNvPr id="8" name="Picture 7">
-            <a:extLst>
-              <a:ext uri="{FF2B5EF4-FFF2-40B4-BE49-F238E27FC236}">
-                <a16:creationId xmlns:a16="http://schemas.microsoft.com/office/drawing/2014/main" id="{521D4292-9ECC-4DA5-8CC0-C561A0DA118E}"/>
-              </a:ext>
-            </a:extLst>
-          </p:cNvPr>
-          <p:cNvPicPr>
-            <a:picLocks noChangeAspect="1"/>
-          </p:cNvPicPr>
-          <p:nvPr/>
-        </p:nvPicPr>
-        <p:blipFill rotWithShape="1">
-          <a:blip r:embed="rId3"/>
-          <a:srcRect l="8000" r="9400"/>
-          <a:stretch/>
-        </p:blipFill>
-        <p:spPr>
-          <a:xfrm>
-            <a:off x="660103" y="3048000"/>
-            <a:ext cx="2167974" cy="2624666"/>
-          </a:xfrm>
-          <a:prstGeom prst="rect">
-            <a:avLst/>
-          </a:prstGeom>
-          <a:noFill/>
-        </p:spPr>
-      </p:pic>
-      <p:sp>
-        <p:nvSpPr>
-          <p:cNvPr id="7" name="TextBox 6">
-            <a:extLst>
-              <a:ext uri="{FF2B5EF4-FFF2-40B4-BE49-F238E27FC236}">
-                <a16:creationId xmlns:a16="http://schemas.microsoft.com/office/drawing/2014/main" id="{DF060353-BDFF-427E-8ABE-861948AE3B71}"/>
-              </a:ext>
-            </a:extLst>
-          </p:cNvPr>
-          <p:cNvSpPr txBox="1"/>
-          <p:nvPr/>
-        </p:nvSpPr>
-        <p:spPr>
-          <a:xfrm>
             <a:off x="3810000" y="643467"/>
             <a:ext cx="5334000" cy="4154984"/>
           </a:xfrm>
@@ -19708,680 +14470,6 @@
     <p:extLst>
       <p:ext uri="{BB962C8B-B14F-4D97-AF65-F5344CB8AC3E}">
         <p14:creationId xmlns:p14="http://schemas.microsoft.com/office/powerpoint/2010/main" val="3991367428"/>
-      </p:ext>
-    </p:extLst>
-  </p:cSld>
-  <p:clrMapOvr>
-    <a:masterClrMapping/>
-  </p:clrMapOvr>
-</p:sld>
-</file>
-
-<file path=ppt/slides/slide30.xml><?xml version="1.0" encoding="utf-8"?>
-<p:sld xmlns:a="http://schemas.openxmlformats.org/drawingml/2006/main" xmlns:r="http://schemas.openxmlformats.org/officeDocument/2006/relationships" xmlns:p="http://schemas.openxmlformats.org/presentationml/2006/main">
-  <p:cSld>
-    <p:bg>
-      <p:bgPr>
-        <a:solidFill>
-          <a:schemeClr val="bg1">
-            <a:lumMod val="85000"/>
-          </a:schemeClr>
-        </a:solidFill>
-        <a:effectLst/>
-      </p:bgPr>
-    </p:bg>
-    <p:spTree>
-      <p:nvGrpSpPr>
-        <p:cNvPr id="1" name=""/>
-        <p:cNvGrpSpPr/>
-        <p:nvPr/>
-      </p:nvGrpSpPr>
-      <p:grpSpPr>
-        <a:xfrm>
-          <a:off x="0" y="0"/>
-          <a:ext cx="0" cy="0"/>
-          <a:chOff x="0" y="0"/>
-          <a:chExt cx="0" cy="0"/>
-        </a:xfrm>
-      </p:grpSpPr>
-      <p:sp>
-        <p:nvSpPr>
-          <p:cNvPr id="15" name="Rectangle 12">
-            <a:extLst>
-              <a:ext uri="{FF2B5EF4-FFF2-40B4-BE49-F238E27FC236}">
-                <a16:creationId xmlns:a16="http://schemas.microsoft.com/office/drawing/2014/main" id="{867D4867-5BA7-4462-B2F6-A23F4A622AA7}"/>
-              </a:ext>
-              <a:ext uri="{C183D7F6-B498-43B3-948B-1728B52AA6E4}">
-                <adec:decorative xmlns:adec="http://schemas.microsoft.com/office/drawing/2017/decorative" val="1"/>
-              </a:ext>
-            </a:extLst>
-          </p:cNvPr>
-          <p:cNvSpPr>
-            <a:spLocks noGrp="1" noRot="1" noChangeAspect="1" noMove="1" noResize="1" noEditPoints="1" noAdjustHandles="1" noChangeArrowheads="1" noChangeShapeType="1" noTextEdit="1"/>
-          </p:cNvSpPr>
-          <p:nvPr>
-            <p:extLst>
-              <p:ext uri="{386F3935-93C4-4BCD-93E2-E3B085C9AB24}">
-                <p16:designElem xmlns:p16="http://schemas.microsoft.com/office/powerpoint/2015/main" val="1"/>
-              </p:ext>
-            </p:extLst>
-          </p:nvPr>
-        </p:nvSpPr>
-        <p:spPr>
-          <a:xfrm>
-            <a:off x="0" y="0"/>
-            <a:ext cx="3490722" cy="6858000"/>
-          </a:xfrm>
-          <a:prstGeom prst="rect">
-            <a:avLst/>
-          </a:prstGeom>
-          <a:solidFill>
-            <a:schemeClr val="tx1">
-              <a:lumMod val="75000"/>
-              <a:lumOff val="25000"/>
-            </a:schemeClr>
-          </a:solidFill>
-          <a:ln>
-            <a:noFill/>
-          </a:ln>
-        </p:spPr>
-        <p:style>
-          <a:lnRef idx="0">
-            <a:scrgbClr r="0" g="0" b="0"/>
-          </a:lnRef>
-          <a:fillRef idx="0">
-            <a:scrgbClr r="0" g="0" b="0"/>
-          </a:fillRef>
-          <a:effectRef idx="0">
-            <a:scrgbClr r="0" g="0" b="0"/>
-          </a:effectRef>
-          <a:fontRef idx="minor">
-            <a:schemeClr val="lt1"/>
-          </a:fontRef>
-        </p:style>
-        <p:txBody>
-          <a:bodyPr rtlCol="0" anchor="ctr"/>
-          <a:lstStyle/>
-          <a:p>
-            <a:pPr algn="ctr"/>
-            <a:endParaRPr lang="en-US"/>
-          </a:p>
-        </p:txBody>
-      </p:sp>
-      <p:sp>
-        <p:nvSpPr>
-          <p:cNvPr id="2" name="Title 1"/>
-          <p:cNvSpPr>
-            <a:spLocks noGrp="1"/>
-          </p:cNvSpPr>
-          <p:nvPr>
-            <p:ph type="title"/>
-          </p:nvPr>
-        </p:nvSpPr>
-        <p:spPr>
-          <a:xfrm>
-            <a:off x="482600" y="643467"/>
-            <a:ext cx="2522980" cy="1597315"/>
-          </a:xfrm>
-          <a:noFill/>
-          <a:ln w="19050">
-            <a:solidFill>
-              <a:schemeClr val="bg1"/>
-            </a:solidFill>
-          </a:ln>
-        </p:spPr>
-        <p:txBody>
-          <a:bodyPr vert="horz" wrap="square" lIns="91440" tIns="45720" rIns="91440" bIns="45720" rtlCol="0" anchor="ctr">
-            <a:normAutofit/>
-          </a:bodyPr>
-          <a:lstStyle/>
-          <a:p>
-            <a:pPr defTabSz="914400" eaLnBrk="1" hangingPunct="1">
-              <a:lnSpc>
-                <a:spcPct val="90000"/>
-              </a:lnSpc>
-            </a:pPr>
-            <a:r>
-              <a:rPr lang="en-US" sz="2400" kern="1200">
-                <a:solidFill>
-                  <a:schemeClr val="bg1"/>
-                </a:solidFill>
-                <a:latin typeface="+mj-lt"/>
-                <a:ea typeface="+mj-ea"/>
-                <a:cs typeface="+mj-cs"/>
-              </a:rPr>
-              <a:t>Closing</a:t>
-            </a:r>
-            <a:endParaRPr lang="en-US" sz="2400" kern="1200" dirty="0">
-              <a:solidFill>
-                <a:schemeClr val="bg1"/>
-              </a:solidFill>
-              <a:latin typeface="+mj-lt"/>
-              <a:ea typeface="+mj-ea"/>
-              <a:cs typeface="+mj-cs"/>
-            </a:endParaRPr>
-          </a:p>
-        </p:txBody>
-      </p:sp>
-      <p:pic>
-        <p:nvPicPr>
-          <p:cNvPr id="8" name="Picture 7">
-            <a:extLst>
-              <a:ext uri="{FF2B5EF4-FFF2-40B4-BE49-F238E27FC236}">
-                <a16:creationId xmlns:a16="http://schemas.microsoft.com/office/drawing/2014/main" id="{521D4292-9ECC-4DA5-8CC0-C561A0DA118E}"/>
-              </a:ext>
-            </a:extLst>
-          </p:cNvPr>
-          <p:cNvPicPr>
-            <a:picLocks noChangeAspect="1"/>
-          </p:cNvPicPr>
-          <p:nvPr/>
-        </p:nvPicPr>
-        <p:blipFill rotWithShape="1">
-          <a:blip r:embed="rId3"/>
-          <a:srcRect l="8000" r="9400"/>
-          <a:stretch/>
-        </p:blipFill>
-        <p:spPr>
-          <a:xfrm>
-            <a:off x="660103" y="3048000"/>
-            <a:ext cx="2167974" cy="2624666"/>
-          </a:xfrm>
-          <a:prstGeom prst="rect">
-            <a:avLst/>
-          </a:prstGeom>
-          <a:noFill/>
-        </p:spPr>
-      </p:pic>
-      <p:sp>
-        <p:nvSpPr>
-          <p:cNvPr id="7" name="Content Placeholder 2">
-            <a:extLst>
-              <a:ext uri="{FF2B5EF4-FFF2-40B4-BE49-F238E27FC236}">
-                <a16:creationId xmlns:a16="http://schemas.microsoft.com/office/drawing/2014/main" id="{8FE51533-15BE-453E-90FE-08298901BC34}"/>
-              </a:ext>
-            </a:extLst>
-          </p:cNvPr>
-          <p:cNvSpPr txBox="1">
-            <a:spLocks/>
-          </p:cNvSpPr>
-          <p:nvPr/>
-        </p:nvSpPr>
-        <p:spPr bwMode="auto">
-          <a:xfrm>
-            <a:off x="3810000" y="643466"/>
-            <a:ext cx="4851400" cy="5833533"/>
-          </a:xfrm>
-          <a:prstGeom prst="rect">
-            <a:avLst/>
-          </a:prstGeom>
-        </p:spPr>
-        <p:txBody>
-          <a:bodyPr vert="horz" lIns="91440" tIns="45720" rIns="91440" bIns="45720" numCol="1" rtlCol="0" anchorCtr="0" compatLnSpc="1">
-            <a:prstTxWarp prst="textNoShape">
-              <a:avLst/>
-            </a:prstTxWarp>
-            <a:noAutofit/>
-          </a:bodyPr>
-          <a:lstStyle>
-            <a:lvl1pPr marL="342900" indent="-342900" algn="l" defTabSz="457200" rtl="0" eaLnBrk="0" fontAlgn="base" hangingPunct="0">
-              <a:spcBef>
-                <a:spcPct val="20000"/>
-              </a:spcBef>
-              <a:spcAft>
-                <a:spcPct val="0"/>
-              </a:spcAft>
-              <a:buFont typeface="Arial" charset="0"/>
-              <a:buChar char="•"/>
-              <a:defRPr sz="3200" kern="1200">
-                <a:solidFill>
-                  <a:schemeClr val="tx1"/>
-                </a:solidFill>
-                <a:latin typeface="+mn-lt"/>
-                <a:ea typeface="ＭＳ Ｐゴシック" pitchFamily="-109" charset="-128"/>
-                <a:cs typeface="ＭＳ Ｐゴシック" pitchFamily="-109" charset="-128"/>
-              </a:defRPr>
-            </a:lvl1pPr>
-            <a:lvl2pPr marL="742950" indent="-285750" algn="l" defTabSz="457200" rtl="0" eaLnBrk="0" fontAlgn="base" hangingPunct="0">
-              <a:spcBef>
-                <a:spcPct val="20000"/>
-              </a:spcBef>
-              <a:spcAft>
-                <a:spcPct val="0"/>
-              </a:spcAft>
-              <a:buFont typeface="Arial" charset="0"/>
-              <a:buChar char="–"/>
-              <a:defRPr sz="2800" kern="1200">
-                <a:solidFill>
-                  <a:schemeClr val="tx1"/>
-                </a:solidFill>
-                <a:latin typeface="+mn-lt"/>
-                <a:ea typeface="ＭＳ Ｐゴシック" pitchFamily="-109" charset="-128"/>
-                <a:cs typeface="+mn-cs"/>
-              </a:defRPr>
-            </a:lvl2pPr>
-            <a:lvl3pPr marL="1143000" indent="-228600" algn="l" defTabSz="457200" rtl="0" eaLnBrk="0" fontAlgn="base" hangingPunct="0">
-              <a:spcBef>
-                <a:spcPct val="20000"/>
-              </a:spcBef>
-              <a:spcAft>
-                <a:spcPct val="0"/>
-              </a:spcAft>
-              <a:buFont typeface="Arial" charset="0"/>
-              <a:buChar char="•"/>
-              <a:defRPr sz="2400" kern="1200">
-                <a:solidFill>
-                  <a:schemeClr val="tx1"/>
-                </a:solidFill>
-                <a:latin typeface="+mn-lt"/>
-                <a:ea typeface="ＭＳ Ｐゴシック" pitchFamily="-109" charset="-128"/>
-                <a:cs typeface="+mn-cs"/>
-              </a:defRPr>
-            </a:lvl3pPr>
-            <a:lvl4pPr marL="1600200" indent="-228600" algn="l" defTabSz="457200" rtl="0" eaLnBrk="0" fontAlgn="base" hangingPunct="0">
-              <a:spcBef>
-                <a:spcPct val="20000"/>
-              </a:spcBef>
-              <a:spcAft>
-                <a:spcPct val="0"/>
-              </a:spcAft>
-              <a:buFont typeface="Arial" charset="0"/>
-              <a:buChar char="–"/>
-              <a:defRPr sz="2000" kern="1200">
-                <a:solidFill>
-                  <a:schemeClr val="tx1"/>
-                </a:solidFill>
-                <a:latin typeface="+mn-lt"/>
-                <a:ea typeface="ＭＳ Ｐゴシック" pitchFamily="-109" charset="-128"/>
-                <a:cs typeface="+mn-cs"/>
-              </a:defRPr>
-            </a:lvl4pPr>
-            <a:lvl5pPr marL="2057400" indent="-228600" algn="l" defTabSz="457200" rtl="0" eaLnBrk="0" fontAlgn="base" hangingPunct="0">
-              <a:spcBef>
-                <a:spcPct val="20000"/>
-              </a:spcBef>
-              <a:spcAft>
-                <a:spcPct val="0"/>
-              </a:spcAft>
-              <a:buFont typeface="Arial" charset="0"/>
-              <a:buChar char="»"/>
-              <a:defRPr sz="2000" kern="1200">
-                <a:solidFill>
-                  <a:schemeClr val="tx1"/>
-                </a:solidFill>
-                <a:latin typeface="+mn-lt"/>
-                <a:ea typeface="ＭＳ Ｐゴシック" pitchFamily="-109" charset="-128"/>
-                <a:cs typeface="+mn-cs"/>
-              </a:defRPr>
-            </a:lvl5pPr>
-            <a:lvl6pPr marL="2514600" indent="-228600" algn="l" defTabSz="457200" rtl="0" eaLnBrk="1" latinLnBrk="0" hangingPunct="1">
-              <a:spcBef>
-                <a:spcPct val="20000"/>
-              </a:spcBef>
-              <a:buFont typeface="Arial"/>
-              <a:buChar char="•"/>
-              <a:defRPr sz="2000" kern="1200">
-                <a:solidFill>
-                  <a:schemeClr val="tx1"/>
-                </a:solidFill>
-                <a:latin typeface="+mn-lt"/>
-                <a:ea typeface="+mn-ea"/>
-                <a:cs typeface="+mn-cs"/>
-              </a:defRPr>
-            </a:lvl6pPr>
-            <a:lvl7pPr marL="2971800" indent="-228600" algn="l" defTabSz="457200" rtl="0" eaLnBrk="1" latinLnBrk="0" hangingPunct="1">
-              <a:spcBef>
-                <a:spcPct val="20000"/>
-              </a:spcBef>
-              <a:buFont typeface="Arial"/>
-              <a:buChar char="•"/>
-              <a:defRPr sz="2000" kern="1200">
-                <a:solidFill>
-                  <a:schemeClr val="tx1"/>
-                </a:solidFill>
-                <a:latin typeface="+mn-lt"/>
-                <a:ea typeface="+mn-ea"/>
-                <a:cs typeface="+mn-cs"/>
-              </a:defRPr>
-            </a:lvl7pPr>
-            <a:lvl8pPr marL="3429000" indent="-228600" algn="l" defTabSz="457200" rtl="0" eaLnBrk="1" latinLnBrk="0" hangingPunct="1">
-              <a:spcBef>
-                <a:spcPct val="20000"/>
-              </a:spcBef>
-              <a:buFont typeface="Arial"/>
-              <a:buChar char="•"/>
-              <a:defRPr sz="2000" kern="1200">
-                <a:solidFill>
-                  <a:schemeClr val="tx1"/>
-                </a:solidFill>
-                <a:latin typeface="+mn-lt"/>
-                <a:ea typeface="+mn-ea"/>
-                <a:cs typeface="+mn-cs"/>
-              </a:defRPr>
-            </a:lvl8pPr>
-            <a:lvl9pPr marL="3886200" indent="-228600" algn="l" defTabSz="457200" rtl="0" eaLnBrk="1" latinLnBrk="0" hangingPunct="1">
-              <a:spcBef>
-                <a:spcPct val="20000"/>
-              </a:spcBef>
-              <a:buFont typeface="Arial"/>
-              <a:buChar char="•"/>
-              <a:defRPr sz="2000" kern="1200">
-                <a:solidFill>
-                  <a:schemeClr val="tx1"/>
-                </a:solidFill>
-                <a:latin typeface="+mn-lt"/>
-                <a:ea typeface="+mn-ea"/>
-                <a:cs typeface="+mn-cs"/>
-              </a:defRPr>
-            </a:lvl9pPr>
-          </a:lstStyle>
-          <a:p>
-            <a:pPr indent="-228600" defTabSz="914400" eaLnBrk="1" hangingPunct="1">
-              <a:lnSpc>
-                <a:spcPct val="90000"/>
-              </a:lnSpc>
-              <a:buFont typeface="Arial" panose="020B0604020202020204" pitchFamily="34" charset="0"/>
-              <a:buChar char="•"/>
-            </a:pPr>
-            <a:endParaRPr lang="en-US" sz="2000" dirty="0">
-              <a:solidFill>
-                <a:srgbClr val="404040"/>
-              </a:solidFill>
-              <a:ea typeface="+mn-ea"/>
-              <a:cs typeface="+mn-cs"/>
-            </a:endParaRPr>
-          </a:p>
-          <a:p>
-            <a:pPr indent="-228600" defTabSz="914400" eaLnBrk="1" hangingPunct="1">
-              <a:lnSpc>
-                <a:spcPct val="90000"/>
-              </a:lnSpc>
-              <a:buFont typeface="Arial" panose="020B0604020202020204" pitchFamily="34" charset="0"/>
-              <a:buChar char="•"/>
-            </a:pPr>
-            <a:endParaRPr lang="en-US" sz="2000" dirty="0">
-              <a:solidFill>
-                <a:srgbClr val="404040"/>
-              </a:solidFill>
-              <a:ea typeface="+mn-ea"/>
-              <a:cs typeface="+mn-cs"/>
-            </a:endParaRPr>
-          </a:p>
-        </p:txBody>
-      </p:sp>
-      <p:sp>
-        <p:nvSpPr>
-          <p:cNvPr id="10" name="Content Placeholder 2">
-            <a:extLst>
-              <a:ext uri="{FF2B5EF4-FFF2-40B4-BE49-F238E27FC236}">
-                <a16:creationId xmlns:a16="http://schemas.microsoft.com/office/drawing/2014/main" id="{10754C74-871F-42E2-A79F-10B9CCA16CD5}"/>
-              </a:ext>
-            </a:extLst>
-          </p:cNvPr>
-          <p:cNvSpPr txBox="1">
-            <a:spLocks/>
-          </p:cNvSpPr>
-          <p:nvPr/>
-        </p:nvSpPr>
-        <p:spPr bwMode="auto">
-          <a:xfrm>
-            <a:off x="3973322" y="643466"/>
-            <a:ext cx="4851400" cy="5953916"/>
-          </a:xfrm>
-          <a:prstGeom prst="rect">
-            <a:avLst/>
-          </a:prstGeom>
-        </p:spPr>
-        <p:txBody>
-          <a:bodyPr vert="horz" lIns="91440" tIns="45720" rIns="91440" bIns="45720" numCol="1" rtlCol="0" anchorCtr="0" compatLnSpc="1">
-            <a:prstTxWarp prst="textNoShape">
-              <a:avLst/>
-            </a:prstTxWarp>
-            <a:noAutofit/>
-          </a:bodyPr>
-          <a:lstStyle>
-            <a:lvl1pPr marL="342900" indent="-342900" algn="l" defTabSz="457200" rtl="0" eaLnBrk="0" fontAlgn="base" hangingPunct="0">
-              <a:spcBef>
-                <a:spcPct val="20000"/>
-              </a:spcBef>
-              <a:spcAft>
-                <a:spcPct val="0"/>
-              </a:spcAft>
-              <a:buFont typeface="Arial" charset="0"/>
-              <a:buChar char="•"/>
-              <a:defRPr sz="3200" kern="1200">
-                <a:solidFill>
-                  <a:schemeClr val="tx1"/>
-                </a:solidFill>
-                <a:latin typeface="+mn-lt"/>
-                <a:ea typeface="ＭＳ Ｐゴシック" pitchFamily="-109" charset="-128"/>
-                <a:cs typeface="ＭＳ Ｐゴシック" pitchFamily="-109" charset="-128"/>
-              </a:defRPr>
-            </a:lvl1pPr>
-            <a:lvl2pPr marL="742950" indent="-285750" algn="l" defTabSz="457200" rtl="0" eaLnBrk="0" fontAlgn="base" hangingPunct="0">
-              <a:spcBef>
-                <a:spcPct val="20000"/>
-              </a:spcBef>
-              <a:spcAft>
-                <a:spcPct val="0"/>
-              </a:spcAft>
-              <a:buFont typeface="Arial" charset="0"/>
-              <a:buChar char="–"/>
-              <a:defRPr sz="2800" kern="1200">
-                <a:solidFill>
-                  <a:schemeClr val="tx1"/>
-                </a:solidFill>
-                <a:latin typeface="+mn-lt"/>
-                <a:ea typeface="ＭＳ Ｐゴシック" pitchFamily="-109" charset="-128"/>
-                <a:cs typeface="+mn-cs"/>
-              </a:defRPr>
-            </a:lvl2pPr>
-            <a:lvl3pPr marL="1143000" indent="-228600" algn="l" defTabSz="457200" rtl="0" eaLnBrk="0" fontAlgn="base" hangingPunct="0">
-              <a:spcBef>
-                <a:spcPct val="20000"/>
-              </a:spcBef>
-              <a:spcAft>
-                <a:spcPct val="0"/>
-              </a:spcAft>
-              <a:buFont typeface="Arial" charset="0"/>
-              <a:buChar char="•"/>
-              <a:defRPr sz="2400" kern="1200">
-                <a:solidFill>
-                  <a:schemeClr val="tx1"/>
-                </a:solidFill>
-                <a:latin typeface="+mn-lt"/>
-                <a:ea typeface="ＭＳ Ｐゴシック" pitchFamily="-109" charset="-128"/>
-                <a:cs typeface="+mn-cs"/>
-              </a:defRPr>
-            </a:lvl3pPr>
-            <a:lvl4pPr marL="1600200" indent="-228600" algn="l" defTabSz="457200" rtl="0" eaLnBrk="0" fontAlgn="base" hangingPunct="0">
-              <a:spcBef>
-                <a:spcPct val="20000"/>
-              </a:spcBef>
-              <a:spcAft>
-                <a:spcPct val="0"/>
-              </a:spcAft>
-              <a:buFont typeface="Arial" charset="0"/>
-              <a:buChar char="–"/>
-              <a:defRPr sz="2000" kern="1200">
-                <a:solidFill>
-                  <a:schemeClr val="tx1"/>
-                </a:solidFill>
-                <a:latin typeface="+mn-lt"/>
-                <a:ea typeface="ＭＳ Ｐゴシック" pitchFamily="-109" charset="-128"/>
-                <a:cs typeface="+mn-cs"/>
-              </a:defRPr>
-            </a:lvl4pPr>
-            <a:lvl5pPr marL="2057400" indent="-228600" algn="l" defTabSz="457200" rtl="0" eaLnBrk="0" fontAlgn="base" hangingPunct="0">
-              <a:spcBef>
-                <a:spcPct val="20000"/>
-              </a:spcBef>
-              <a:spcAft>
-                <a:spcPct val="0"/>
-              </a:spcAft>
-              <a:buFont typeface="Arial" charset="0"/>
-              <a:buChar char="»"/>
-              <a:defRPr sz="2000" kern="1200">
-                <a:solidFill>
-                  <a:schemeClr val="tx1"/>
-                </a:solidFill>
-                <a:latin typeface="+mn-lt"/>
-                <a:ea typeface="ＭＳ Ｐゴシック" pitchFamily="-109" charset="-128"/>
-                <a:cs typeface="+mn-cs"/>
-              </a:defRPr>
-            </a:lvl5pPr>
-            <a:lvl6pPr marL="2514600" indent="-228600" algn="l" defTabSz="457200" rtl="0" eaLnBrk="1" latinLnBrk="0" hangingPunct="1">
-              <a:spcBef>
-                <a:spcPct val="20000"/>
-              </a:spcBef>
-              <a:buFont typeface="Arial"/>
-              <a:buChar char="•"/>
-              <a:defRPr sz="2000" kern="1200">
-                <a:solidFill>
-                  <a:schemeClr val="tx1"/>
-                </a:solidFill>
-                <a:latin typeface="+mn-lt"/>
-                <a:ea typeface="+mn-ea"/>
-                <a:cs typeface="+mn-cs"/>
-              </a:defRPr>
-            </a:lvl6pPr>
-            <a:lvl7pPr marL="2971800" indent="-228600" algn="l" defTabSz="457200" rtl="0" eaLnBrk="1" latinLnBrk="0" hangingPunct="1">
-              <a:spcBef>
-                <a:spcPct val="20000"/>
-              </a:spcBef>
-              <a:buFont typeface="Arial"/>
-              <a:buChar char="•"/>
-              <a:defRPr sz="2000" kern="1200">
-                <a:solidFill>
-                  <a:schemeClr val="tx1"/>
-                </a:solidFill>
-                <a:latin typeface="+mn-lt"/>
-                <a:ea typeface="+mn-ea"/>
-                <a:cs typeface="+mn-cs"/>
-              </a:defRPr>
-            </a:lvl7pPr>
-            <a:lvl8pPr marL="3429000" indent="-228600" algn="l" defTabSz="457200" rtl="0" eaLnBrk="1" latinLnBrk="0" hangingPunct="1">
-              <a:spcBef>
-                <a:spcPct val="20000"/>
-              </a:spcBef>
-              <a:buFont typeface="Arial"/>
-              <a:buChar char="•"/>
-              <a:defRPr sz="2000" kern="1200">
-                <a:solidFill>
-                  <a:schemeClr val="tx1"/>
-                </a:solidFill>
-                <a:latin typeface="+mn-lt"/>
-                <a:ea typeface="+mn-ea"/>
-                <a:cs typeface="+mn-cs"/>
-              </a:defRPr>
-            </a:lvl8pPr>
-            <a:lvl9pPr marL="3886200" indent="-228600" algn="l" defTabSz="457200" rtl="0" eaLnBrk="1" latinLnBrk="0" hangingPunct="1">
-              <a:spcBef>
-                <a:spcPct val="20000"/>
-              </a:spcBef>
-              <a:buFont typeface="Arial"/>
-              <a:buChar char="•"/>
-              <a:defRPr sz="2000" kern="1200">
-                <a:solidFill>
-                  <a:schemeClr val="tx1"/>
-                </a:solidFill>
-                <a:latin typeface="+mn-lt"/>
-                <a:ea typeface="+mn-ea"/>
-                <a:cs typeface="+mn-cs"/>
-              </a:defRPr>
-            </a:lvl9pPr>
-          </a:lstStyle>
-          <a:p>
-            <a:pPr marL="114300" indent="0" defTabSz="914400" eaLnBrk="1" hangingPunct="1">
-              <a:lnSpc>
-                <a:spcPct val="90000"/>
-              </a:lnSpc>
-              <a:buNone/>
-            </a:pPr>
-            <a:r>
-              <a:rPr lang="en-US" sz="7200" dirty="0">
-                <a:solidFill>
-                  <a:srgbClr val="404040"/>
-                </a:solidFill>
-                <a:ea typeface="+mn-ea"/>
-                <a:cs typeface="+mn-cs"/>
-              </a:rPr>
-              <a:t>Disperse and Make Reasonable Decisions</a:t>
-            </a:r>
-          </a:p>
-          <a:p>
-            <a:pPr indent="-228600" defTabSz="914400" eaLnBrk="1" hangingPunct="1">
-              <a:lnSpc>
-                <a:spcPct val="90000"/>
-              </a:lnSpc>
-              <a:buFont typeface="Arial" panose="020B0604020202020204" pitchFamily="34" charset="0"/>
-              <a:buChar char="•"/>
-            </a:pPr>
-            <a:endParaRPr lang="en-US" sz="7200" dirty="0">
-              <a:solidFill>
-                <a:srgbClr val="404040"/>
-              </a:solidFill>
-              <a:ea typeface="+mn-ea"/>
-              <a:cs typeface="+mn-cs"/>
-            </a:endParaRPr>
-          </a:p>
-          <a:p>
-            <a:pPr indent="-228600" defTabSz="914400" eaLnBrk="1" hangingPunct="1">
-              <a:lnSpc>
-                <a:spcPct val="90000"/>
-              </a:lnSpc>
-              <a:buFont typeface="Arial" panose="020B0604020202020204" pitchFamily="34" charset="0"/>
-              <a:buChar char="•"/>
-            </a:pPr>
-            <a:endParaRPr lang="en-US" sz="7200" dirty="0">
-              <a:solidFill>
-                <a:srgbClr val="404040"/>
-              </a:solidFill>
-              <a:ea typeface="+mn-ea"/>
-              <a:cs typeface="+mn-cs"/>
-            </a:endParaRPr>
-          </a:p>
-          <a:p>
-            <a:pPr indent="-228600" defTabSz="914400" eaLnBrk="1" hangingPunct="1">
-              <a:lnSpc>
-                <a:spcPct val="90000"/>
-              </a:lnSpc>
-              <a:buFont typeface="Arial" panose="020B0604020202020204" pitchFamily="34" charset="0"/>
-              <a:buChar char="•"/>
-            </a:pPr>
-            <a:endParaRPr lang="en-US" sz="7200" dirty="0">
-              <a:solidFill>
-                <a:srgbClr val="404040"/>
-              </a:solidFill>
-              <a:ea typeface="+mn-ea"/>
-              <a:cs typeface="+mn-cs"/>
-            </a:endParaRPr>
-          </a:p>
-          <a:p>
-            <a:pPr indent="-228600" defTabSz="914400" eaLnBrk="1" hangingPunct="1">
-              <a:lnSpc>
-                <a:spcPct val="90000"/>
-              </a:lnSpc>
-              <a:buFont typeface="Arial" panose="020B0604020202020204" pitchFamily="34" charset="0"/>
-              <a:buChar char="•"/>
-            </a:pPr>
-            <a:endParaRPr lang="en-US" sz="7200" dirty="0">
-              <a:solidFill>
-                <a:srgbClr val="404040"/>
-              </a:solidFill>
-              <a:ea typeface="+mn-ea"/>
-              <a:cs typeface="+mn-cs"/>
-            </a:endParaRPr>
-          </a:p>
-        </p:txBody>
-      </p:sp>
-    </p:spTree>
-    <p:custDataLst>
-      <p:tags r:id="rId1"/>
-    </p:custDataLst>
-    <p:extLst>
-      <p:ext uri="{BB962C8B-B14F-4D97-AF65-F5344CB8AC3E}">
-        <p14:creationId xmlns:p14="http://schemas.microsoft.com/office/powerpoint/2010/main" val="3647066437"/>
       </p:ext>
     </p:extLst>
   </p:cSld>
@@ -20762,349 +14850,6 @@
 </file>
 
 <file path=ppt/slides/slide5.xml><?xml version="1.0" encoding="utf-8"?>
-<p:sld xmlns:a="http://schemas.openxmlformats.org/drawingml/2006/main" xmlns:r="http://schemas.openxmlformats.org/officeDocument/2006/relationships" xmlns:p="http://schemas.openxmlformats.org/presentationml/2006/main">
-  <p:cSld>
-    <p:bg>
-      <p:bgPr>
-        <a:solidFill>
-          <a:schemeClr val="bg1">
-            <a:lumMod val="85000"/>
-          </a:schemeClr>
-        </a:solidFill>
-        <a:effectLst/>
-      </p:bgPr>
-    </p:bg>
-    <p:spTree>
-      <p:nvGrpSpPr>
-        <p:cNvPr id="1" name=""/>
-        <p:cNvGrpSpPr/>
-        <p:nvPr/>
-      </p:nvGrpSpPr>
-      <p:grpSpPr>
-        <a:xfrm>
-          <a:off x="0" y="0"/>
-          <a:ext cx="0" cy="0"/>
-          <a:chOff x="0" y="0"/>
-          <a:chExt cx="0" cy="0"/>
-        </a:xfrm>
-      </p:grpSpPr>
-      <p:sp>
-        <p:nvSpPr>
-          <p:cNvPr id="15" name="Rectangle 12">
-            <a:extLst>
-              <a:ext uri="{FF2B5EF4-FFF2-40B4-BE49-F238E27FC236}">
-                <a16:creationId xmlns:a16="http://schemas.microsoft.com/office/drawing/2014/main" id="{867D4867-5BA7-4462-B2F6-A23F4A622AA7}"/>
-              </a:ext>
-              <a:ext uri="{C183D7F6-B498-43B3-948B-1728B52AA6E4}">
-                <adec:decorative xmlns:adec="http://schemas.microsoft.com/office/drawing/2017/decorative" val="1"/>
-              </a:ext>
-            </a:extLst>
-          </p:cNvPr>
-          <p:cNvSpPr>
-            <a:spLocks noGrp="1" noRot="1" noChangeAspect="1" noMove="1" noResize="1" noEditPoints="1" noAdjustHandles="1" noChangeArrowheads="1" noChangeShapeType="1" noTextEdit="1"/>
-          </p:cNvSpPr>
-          <p:nvPr>
-            <p:extLst>
-              <p:ext uri="{386F3935-93C4-4BCD-93E2-E3B085C9AB24}">
-                <p16:designElem xmlns:p16="http://schemas.microsoft.com/office/powerpoint/2015/main" val="1"/>
-              </p:ext>
-            </p:extLst>
-          </p:nvPr>
-        </p:nvSpPr>
-        <p:spPr>
-          <a:xfrm>
-            <a:off x="0" y="0"/>
-            <a:ext cx="3490722" cy="6858000"/>
-          </a:xfrm>
-          <a:prstGeom prst="rect">
-            <a:avLst/>
-          </a:prstGeom>
-          <a:solidFill>
-            <a:schemeClr val="tx1">
-              <a:lumMod val="75000"/>
-              <a:lumOff val="25000"/>
-            </a:schemeClr>
-          </a:solidFill>
-          <a:ln>
-            <a:noFill/>
-          </a:ln>
-        </p:spPr>
-        <p:style>
-          <a:lnRef idx="0">
-            <a:scrgbClr r="0" g="0" b="0"/>
-          </a:lnRef>
-          <a:fillRef idx="0">
-            <a:scrgbClr r="0" g="0" b="0"/>
-          </a:fillRef>
-          <a:effectRef idx="0">
-            <a:scrgbClr r="0" g="0" b="0"/>
-          </a:effectRef>
-          <a:fontRef idx="minor">
-            <a:schemeClr val="lt1"/>
-          </a:fontRef>
-        </p:style>
-        <p:txBody>
-          <a:bodyPr rtlCol="0" anchor="ctr"/>
-          <a:lstStyle/>
-          <a:p>
-            <a:pPr marL="0" marR="0" lvl="0" indent="0" algn="ctr" defTabSz="457200" rtl="0" eaLnBrk="1" fontAlgn="base" latinLnBrk="0" hangingPunct="1">
-              <a:lnSpc>
-                <a:spcPct val="100000"/>
-              </a:lnSpc>
-              <a:spcBef>
-                <a:spcPct val="0"/>
-              </a:spcBef>
-              <a:spcAft>
-                <a:spcPct val="0"/>
-              </a:spcAft>
-              <a:buClrTx/>
-              <a:buSzTx/>
-              <a:buFontTx/>
-              <a:buNone/>
-              <a:tabLst/>
-              <a:defRPr/>
-            </a:pPr>
-            <a:endParaRPr kumimoji="0" lang="en-US" sz="2400" b="0" i="0" u="none" strike="noStrike" kern="1200" cap="none" spc="0" normalizeH="0" baseline="0" noProof="0">
-              <a:ln>
-                <a:noFill/>
-              </a:ln>
-              <a:solidFill>
-                <a:prstClr val="white"/>
-              </a:solidFill>
-              <a:effectLst/>
-              <a:uLnTx/>
-              <a:uFillTx/>
-              <a:latin typeface="Calibri"/>
-              <a:ea typeface="+mn-ea"/>
-              <a:cs typeface="+mn-cs"/>
-            </a:endParaRPr>
-          </a:p>
-        </p:txBody>
-      </p:sp>
-      <p:sp>
-        <p:nvSpPr>
-          <p:cNvPr id="2" name="Title 1"/>
-          <p:cNvSpPr>
-            <a:spLocks noGrp="1"/>
-          </p:cNvSpPr>
-          <p:nvPr>
-            <p:ph type="title"/>
-          </p:nvPr>
-        </p:nvSpPr>
-        <p:spPr>
-          <a:xfrm>
-            <a:off x="482600" y="643467"/>
-            <a:ext cx="2522980" cy="1597315"/>
-          </a:xfrm>
-          <a:noFill/>
-          <a:ln w="19050">
-            <a:solidFill>
-              <a:schemeClr val="bg1"/>
-            </a:solidFill>
-          </a:ln>
-        </p:spPr>
-        <p:txBody>
-          <a:bodyPr vert="horz" wrap="square" lIns="91440" tIns="45720" rIns="91440" bIns="45720" rtlCol="0" anchor="ctr">
-            <a:normAutofit/>
-          </a:bodyPr>
-          <a:lstStyle/>
-          <a:p>
-            <a:pPr defTabSz="914400" eaLnBrk="1" hangingPunct="1">
-              <a:lnSpc>
-                <a:spcPct val="90000"/>
-              </a:lnSpc>
-            </a:pPr>
-            <a:r>
-              <a:rPr lang="en-US" sz="2400" dirty="0">
-                <a:solidFill>
-                  <a:schemeClr val="bg1"/>
-                </a:solidFill>
-                <a:ea typeface="+mj-ea"/>
-                <a:cs typeface="+mj-cs"/>
-              </a:rPr>
-              <a:t>Introduction</a:t>
-            </a:r>
-            <a:endParaRPr lang="en-US" sz="2400" kern="1200" dirty="0">
-              <a:solidFill>
-                <a:schemeClr val="bg1"/>
-              </a:solidFill>
-              <a:latin typeface="+mj-lt"/>
-              <a:ea typeface="+mj-ea"/>
-              <a:cs typeface="+mj-cs"/>
-            </a:endParaRPr>
-          </a:p>
-        </p:txBody>
-      </p:sp>
-      <p:pic>
-        <p:nvPicPr>
-          <p:cNvPr id="8" name="Picture 7">
-            <a:extLst>
-              <a:ext uri="{FF2B5EF4-FFF2-40B4-BE49-F238E27FC236}">
-                <a16:creationId xmlns:a16="http://schemas.microsoft.com/office/drawing/2014/main" id="{521D4292-9ECC-4DA5-8CC0-C561A0DA118E}"/>
-              </a:ext>
-            </a:extLst>
-          </p:cNvPr>
-          <p:cNvPicPr>
-            <a:picLocks noChangeAspect="1"/>
-          </p:cNvPicPr>
-          <p:nvPr/>
-        </p:nvPicPr>
-        <p:blipFill rotWithShape="1">
-          <a:blip r:embed="rId3"/>
-          <a:srcRect l="8000" r="9400"/>
-          <a:stretch/>
-        </p:blipFill>
-        <p:spPr>
-          <a:xfrm>
-            <a:off x="660103" y="3048000"/>
-            <a:ext cx="2167974" cy="2624666"/>
-          </a:xfrm>
-          <a:prstGeom prst="rect">
-            <a:avLst/>
-          </a:prstGeom>
-          <a:noFill/>
-        </p:spPr>
-      </p:pic>
-      <p:sp>
-        <p:nvSpPr>
-          <p:cNvPr id="7" name="TextBox 6">
-            <a:extLst>
-              <a:ext uri="{FF2B5EF4-FFF2-40B4-BE49-F238E27FC236}">
-                <a16:creationId xmlns:a16="http://schemas.microsoft.com/office/drawing/2014/main" id="{DF060353-BDFF-427E-8ABE-861948AE3B71}"/>
-              </a:ext>
-            </a:extLst>
-          </p:cNvPr>
-          <p:cNvSpPr txBox="1"/>
-          <p:nvPr/>
-        </p:nvSpPr>
-        <p:spPr>
-          <a:xfrm>
-            <a:off x="3810000" y="643467"/>
-            <a:ext cx="5334000" cy="3785652"/>
-          </a:xfrm>
-          <a:prstGeom prst="rect">
-            <a:avLst/>
-          </a:prstGeom>
-          <a:noFill/>
-        </p:spPr>
-        <p:txBody>
-          <a:bodyPr wrap="square" rtlCol="0">
-            <a:spAutoFit/>
-          </a:bodyPr>
-          <a:lstStyle/>
-          <a:p>
-            <a:pPr marL="342900" indent="-342900">
-              <a:buFont typeface="Arial" panose="020B0604020202020204" pitchFamily="34" charset="0"/>
-              <a:buChar char="•"/>
-              <a:defRPr/>
-            </a:pPr>
-            <a:r>
-              <a:rPr lang="en-US" dirty="0">
-                <a:solidFill>
-                  <a:srgbClr val="404040"/>
-                </a:solidFill>
-              </a:rPr>
-              <a:t>What Do You Know About the Relationship of These Variables?</a:t>
-            </a:r>
-          </a:p>
-          <a:p>
-            <a:pPr marL="342900" indent="-342900">
-              <a:buFont typeface="Arial" panose="020B0604020202020204" pitchFamily="34" charset="0"/>
-              <a:buChar char="•"/>
-              <a:defRPr/>
-            </a:pPr>
-            <a:endParaRPr lang="en-US" dirty="0">
-              <a:solidFill>
-                <a:srgbClr val="404040"/>
-              </a:solidFill>
-            </a:endParaRPr>
-          </a:p>
-          <a:p>
-            <a:pPr marL="342900" indent="-342900">
-              <a:buFont typeface="Arial" panose="020B0604020202020204" pitchFamily="34" charset="0"/>
-              <a:buChar char="•"/>
-              <a:defRPr/>
-            </a:pPr>
-            <a:r>
-              <a:rPr lang="en-US" dirty="0">
-                <a:solidFill>
-                  <a:srgbClr val="404040"/>
-                </a:solidFill>
-              </a:rPr>
-              <a:t>Who Would Care About this Relationship?</a:t>
-            </a:r>
-          </a:p>
-          <a:p>
-            <a:pPr marL="342900" indent="-342900">
-              <a:buFont typeface="Arial" panose="020B0604020202020204" pitchFamily="34" charset="0"/>
-              <a:buChar char="•"/>
-              <a:defRPr/>
-            </a:pPr>
-            <a:endParaRPr lang="en-US" dirty="0">
-              <a:solidFill>
-                <a:srgbClr val="404040"/>
-              </a:solidFill>
-            </a:endParaRPr>
-          </a:p>
-          <a:p>
-            <a:pPr marL="342900" indent="-342900">
-              <a:buFont typeface="Arial" panose="020B0604020202020204" pitchFamily="34" charset="0"/>
-              <a:buChar char="•"/>
-              <a:defRPr/>
-            </a:pPr>
-            <a:r>
-              <a:rPr lang="en-US" dirty="0">
-                <a:solidFill>
-                  <a:srgbClr val="404040"/>
-                </a:solidFill>
-              </a:rPr>
-              <a:t>Why Would Someone Want to Predict the Max Water Temp?</a:t>
-            </a:r>
-          </a:p>
-          <a:p>
-            <a:pPr>
-              <a:defRPr/>
-            </a:pPr>
-            <a:endParaRPr lang="en-US" dirty="0">
-              <a:solidFill>
-                <a:srgbClr val="404040"/>
-              </a:solidFill>
-            </a:endParaRPr>
-          </a:p>
-          <a:p>
-            <a:pPr marL="342900" indent="-342900">
-              <a:buFont typeface="Arial" panose="020B0604020202020204" pitchFamily="34" charset="0"/>
-              <a:buChar char="•"/>
-              <a:defRPr/>
-            </a:pPr>
-            <a:r>
-              <a:rPr lang="en-US" dirty="0">
-                <a:solidFill>
-                  <a:srgbClr val="404040"/>
-                </a:solidFill>
-              </a:rPr>
-              <a:t>Why Would this Model Be Useful?</a:t>
-            </a:r>
-          </a:p>
-        </p:txBody>
-      </p:sp>
-    </p:spTree>
-    <p:custDataLst>
-      <p:tags r:id="rId1"/>
-    </p:custDataLst>
-    <p:extLst>
-      <p:ext uri="{BB962C8B-B14F-4D97-AF65-F5344CB8AC3E}">
-        <p14:creationId xmlns:p14="http://schemas.microsoft.com/office/powerpoint/2010/main" val="3870217085"/>
-      </p:ext>
-    </p:extLst>
-  </p:cSld>
-  <p:clrMapOvr>
-    <a:masterClrMapping/>
-  </p:clrMapOvr>
-</p:sld>
-</file>
-
-<file path=ppt/slides/slide6.xml><?xml version="1.0" encoding="utf-8"?>
 <p:sld xmlns:a="http://schemas.openxmlformats.org/drawingml/2006/main" xmlns:r="http://schemas.openxmlformats.org/officeDocument/2006/relationships" xmlns:p="http://schemas.openxmlformats.org/presentationml/2006/main">
   <p:cSld>
     <p:bg>
@@ -21635,7 +15380,7 @@
 </p:sld>
 </file>
 
-<file path=ppt/slides/slide7.xml><?xml version="1.0" encoding="utf-8"?>
+<file path=ppt/slides/slide6.xml><?xml version="1.0" encoding="utf-8"?>
 <p:sld xmlns:a="http://schemas.openxmlformats.org/drawingml/2006/main" xmlns:r="http://schemas.openxmlformats.org/officeDocument/2006/relationships" xmlns:p="http://schemas.openxmlformats.org/presentationml/2006/main">
   <p:cSld>
     <p:bg>
@@ -22113,7 +15858,7 @@
 </p:sld>
 </file>
 
-<file path=ppt/slides/slide8.xml><?xml version="1.0" encoding="utf-8"?>
+<file path=ppt/slides/slide7.xml><?xml version="1.0" encoding="utf-8"?>
 <p:sld xmlns:a="http://schemas.openxmlformats.org/drawingml/2006/main" xmlns:r="http://schemas.openxmlformats.org/officeDocument/2006/relationships" xmlns:p="http://schemas.openxmlformats.org/presentationml/2006/main">
   <p:cSld>
     <p:bg>
@@ -22492,6 +16237,351 @@
     <p:extLst>
       <p:ext uri="{BB962C8B-B14F-4D97-AF65-F5344CB8AC3E}">
         <p14:creationId xmlns:p14="http://schemas.microsoft.com/office/powerpoint/2010/main" val="3945207671"/>
+      </p:ext>
+    </p:extLst>
+  </p:cSld>
+  <p:clrMapOvr>
+    <a:masterClrMapping/>
+  </p:clrMapOvr>
+</p:sld>
+</file>
+
+<file path=ppt/slides/slide8.xml><?xml version="1.0" encoding="utf-8"?>
+<p:sld xmlns:a="http://schemas.openxmlformats.org/drawingml/2006/main" xmlns:r="http://schemas.openxmlformats.org/officeDocument/2006/relationships" xmlns:p="http://schemas.openxmlformats.org/presentationml/2006/main">
+  <p:cSld>
+    <p:bg>
+      <p:bgPr>
+        <a:solidFill>
+          <a:schemeClr val="bg1">
+            <a:lumMod val="85000"/>
+          </a:schemeClr>
+        </a:solidFill>
+        <a:effectLst/>
+      </p:bgPr>
+    </p:bg>
+    <p:spTree>
+      <p:nvGrpSpPr>
+        <p:cNvPr id="1" name=""/>
+        <p:cNvGrpSpPr/>
+        <p:nvPr/>
+      </p:nvGrpSpPr>
+      <p:grpSpPr>
+        <a:xfrm>
+          <a:off x="0" y="0"/>
+          <a:ext cx="0" cy="0"/>
+          <a:chOff x="0" y="0"/>
+          <a:chExt cx="0" cy="0"/>
+        </a:xfrm>
+      </p:grpSpPr>
+      <p:sp>
+        <p:nvSpPr>
+          <p:cNvPr id="15" name="Rectangle 12">
+            <a:extLst>
+              <a:ext uri="{FF2B5EF4-FFF2-40B4-BE49-F238E27FC236}">
+                <a16:creationId xmlns:a16="http://schemas.microsoft.com/office/drawing/2014/main" id="{867D4867-5BA7-4462-B2F6-A23F4A622AA7}"/>
+              </a:ext>
+              <a:ext uri="{C183D7F6-B498-43B3-948B-1728B52AA6E4}">
+                <adec:decorative xmlns:adec="http://schemas.microsoft.com/office/drawing/2017/decorative" val="1"/>
+              </a:ext>
+            </a:extLst>
+          </p:cNvPr>
+          <p:cNvSpPr>
+            <a:spLocks noGrp="1" noRot="1" noChangeAspect="1" noMove="1" noResize="1" noEditPoints="1" noAdjustHandles="1" noChangeArrowheads="1" noChangeShapeType="1" noTextEdit="1"/>
+          </p:cNvSpPr>
+          <p:nvPr>
+            <p:extLst>
+              <p:ext uri="{386F3935-93C4-4BCD-93E2-E3B085C9AB24}">
+                <p16:designElem xmlns:p16="http://schemas.microsoft.com/office/powerpoint/2015/main" val="1"/>
+              </p:ext>
+            </p:extLst>
+          </p:nvPr>
+        </p:nvSpPr>
+        <p:spPr>
+          <a:xfrm>
+            <a:off x="0" y="0"/>
+            <a:ext cx="3490722" cy="6858000"/>
+          </a:xfrm>
+          <a:prstGeom prst="rect">
+            <a:avLst/>
+          </a:prstGeom>
+          <a:solidFill>
+            <a:schemeClr val="tx1">
+              <a:lumMod val="75000"/>
+              <a:lumOff val="25000"/>
+            </a:schemeClr>
+          </a:solidFill>
+          <a:ln>
+            <a:noFill/>
+          </a:ln>
+        </p:spPr>
+        <p:style>
+          <a:lnRef idx="0">
+            <a:scrgbClr r="0" g="0" b="0"/>
+          </a:lnRef>
+          <a:fillRef idx="0">
+            <a:scrgbClr r="0" g="0" b="0"/>
+          </a:fillRef>
+          <a:effectRef idx="0">
+            <a:scrgbClr r="0" g="0" b="0"/>
+          </a:effectRef>
+          <a:fontRef idx="minor">
+            <a:schemeClr val="lt1"/>
+          </a:fontRef>
+        </p:style>
+        <p:txBody>
+          <a:bodyPr rtlCol="0" anchor="ctr"/>
+          <a:lstStyle/>
+          <a:p>
+            <a:pPr marL="0" marR="0" lvl="0" indent="0" algn="ctr" defTabSz="457200" rtl="0" eaLnBrk="1" fontAlgn="base" latinLnBrk="0" hangingPunct="1">
+              <a:lnSpc>
+                <a:spcPct val="100000"/>
+              </a:lnSpc>
+              <a:spcBef>
+                <a:spcPct val="0"/>
+              </a:spcBef>
+              <a:spcAft>
+                <a:spcPct val="0"/>
+              </a:spcAft>
+              <a:buClrTx/>
+              <a:buSzTx/>
+              <a:buFontTx/>
+              <a:buNone/>
+              <a:tabLst/>
+              <a:defRPr/>
+            </a:pPr>
+            <a:endParaRPr kumimoji="0" lang="en-US" sz="2400" b="0" i="0" u="none" strike="noStrike" kern="1200" cap="none" spc="0" normalizeH="0" baseline="0" noProof="0">
+              <a:ln>
+                <a:noFill/>
+              </a:ln>
+              <a:solidFill>
+                <a:prstClr val="white"/>
+              </a:solidFill>
+              <a:effectLst/>
+              <a:uLnTx/>
+              <a:uFillTx/>
+              <a:latin typeface="Calibri"/>
+              <a:ea typeface="+mn-ea"/>
+              <a:cs typeface="+mn-cs"/>
+            </a:endParaRPr>
+          </a:p>
+        </p:txBody>
+      </p:sp>
+      <p:sp>
+        <p:nvSpPr>
+          <p:cNvPr id="2" name="Title 1"/>
+          <p:cNvSpPr>
+            <a:spLocks noGrp="1"/>
+          </p:cNvSpPr>
+          <p:nvPr>
+            <p:ph type="title"/>
+          </p:nvPr>
+        </p:nvSpPr>
+        <p:spPr>
+          <a:xfrm>
+            <a:off x="482600" y="643467"/>
+            <a:ext cx="2522980" cy="1597315"/>
+          </a:xfrm>
+          <a:noFill/>
+          <a:ln w="19050">
+            <a:solidFill>
+              <a:schemeClr val="bg1"/>
+            </a:solidFill>
+          </a:ln>
+        </p:spPr>
+        <p:txBody>
+          <a:bodyPr vert="horz" wrap="square" lIns="91440" tIns="45720" rIns="91440" bIns="45720" rtlCol="0" anchor="ctr">
+            <a:normAutofit/>
+          </a:bodyPr>
+          <a:lstStyle/>
+          <a:p>
+            <a:pPr defTabSz="914400" eaLnBrk="1" hangingPunct="1">
+              <a:lnSpc>
+                <a:spcPct val="90000"/>
+              </a:lnSpc>
+            </a:pPr>
+            <a:r>
+              <a:rPr lang="en-US" sz="2400" dirty="0">
+                <a:solidFill>
+                  <a:schemeClr val="bg1"/>
+                </a:solidFill>
+                <a:ea typeface="+mj-ea"/>
+                <a:cs typeface="+mj-cs"/>
+              </a:rPr>
+              <a:t>Part 1: Examining the Relationship</a:t>
+            </a:r>
+            <a:endParaRPr lang="en-US" sz="2400" kern="1200" dirty="0">
+              <a:solidFill>
+                <a:schemeClr val="bg1"/>
+              </a:solidFill>
+              <a:latin typeface="+mj-lt"/>
+              <a:ea typeface="+mj-ea"/>
+              <a:cs typeface="+mj-cs"/>
+            </a:endParaRPr>
+          </a:p>
+        </p:txBody>
+      </p:sp>
+      <p:pic>
+        <p:nvPicPr>
+          <p:cNvPr id="8" name="Picture 7">
+            <a:extLst>
+              <a:ext uri="{FF2B5EF4-FFF2-40B4-BE49-F238E27FC236}">
+                <a16:creationId xmlns:a16="http://schemas.microsoft.com/office/drawing/2014/main" id="{521D4292-9ECC-4DA5-8CC0-C561A0DA118E}"/>
+              </a:ext>
+            </a:extLst>
+          </p:cNvPr>
+          <p:cNvPicPr>
+            <a:picLocks noChangeAspect="1"/>
+          </p:cNvPicPr>
+          <p:nvPr/>
+        </p:nvPicPr>
+        <p:blipFill rotWithShape="1">
+          <a:blip r:embed="rId3"/>
+          <a:srcRect l="8000" r="9400"/>
+          <a:stretch/>
+        </p:blipFill>
+        <p:spPr>
+          <a:xfrm>
+            <a:off x="660103" y="3048000"/>
+            <a:ext cx="2167974" cy="2624666"/>
+          </a:xfrm>
+          <a:prstGeom prst="rect">
+            <a:avLst/>
+          </a:prstGeom>
+          <a:noFill/>
+        </p:spPr>
+      </p:pic>
+      <p:sp>
+        <p:nvSpPr>
+          <p:cNvPr id="6" name="TextBox 5">
+            <a:extLst>
+              <a:ext uri="{FF2B5EF4-FFF2-40B4-BE49-F238E27FC236}">
+                <a16:creationId xmlns:a16="http://schemas.microsoft.com/office/drawing/2014/main" id="{2B3FF754-7015-4F20-8186-8B784B2C623B}"/>
+              </a:ext>
+            </a:extLst>
+          </p:cNvPr>
+          <p:cNvSpPr txBox="1"/>
+          <p:nvPr/>
+        </p:nvSpPr>
+        <p:spPr>
+          <a:xfrm>
+            <a:off x="3803650" y="643467"/>
+            <a:ext cx="5334000" cy="4154984"/>
+          </a:xfrm>
+          <a:prstGeom prst="rect">
+            <a:avLst/>
+          </a:prstGeom>
+          <a:noFill/>
+        </p:spPr>
+        <p:txBody>
+          <a:bodyPr wrap="square" rtlCol="0">
+            <a:spAutoFit/>
+          </a:bodyPr>
+          <a:lstStyle/>
+          <a:p>
+            <a:pPr marL="342900" indent="-342900">
+              <a:buFont typeface="Arial" panose="020B0604020202020204" pitchFamily="34" charset="0"/>
+              <a:buChar char="•"/>
+              <a:defRPr/>
+            </a:pPr>
+            <a:r>
+              <a:rPr lang="en-US" dirty="0">
+                <a:solidFill>
+                  <a:srgbClr val="404040"/>
+                </a:solidFill>
+              </a:rPr>
+              <a:t>Chunk 2 Discussion</a:t>
+            </a:r>
+          </a:p>
+          <a:p>
+            <a:pPr marL="800100" lvl="1" indent="-342900">
+              <a:buFont typeface="Arial" panose="020B0604020202020204" pitchFamily="34" charset="0"/>
+              <a:buChar char="•"/>
+              <a:defRPr/>
+            </a:pPr>
+            <a:endParaRPr lang="en-US" dirty="0">
+              <a:solidFill>
+                <a:srgbClr val="404040"/>
+              </a:solidFill>
+            </a:endParaRPr>
+          </a:p>
+          <a:p>
+            <a:pPr marL="800100" lvl="1" indent="-342900">
+              <a:buFont typeface="Arial" panose="020B0604020202020204" pitchFamily="34" charset="0"/>
+              <a:buChar char="•"/>
+              <a:defRPr/>
+            </a:pPr>
+            <a:r>
+              <a:rPr lang="en-US" dirty="0">
+                <a:solidFill>
+                  <a:srgbClr val="404040"/>
+                </a:solidFill>
+              </a:rPr>
+              <a:t>What are the Differences in the Relationship Between W and A for the Various Locations?</a:t>
+            </a:r>
+          </a:p>
+          <a:p>
+            <a:pPr marL="800100" lvl="1" indent="-342900">
+              <a:buFont typeface="Arial" panose="020B0604020202020204" pitchFamily="34" charset="0"/>
+              <a:buChar char="•"/>
+              <a:defRPr/>
+            </a:pPr>
+            <a:endParaRPr lang="en-US" dirty="0">
+              <a:solidFill>
+                <a:srgbClr val="404040"/>
+              </a:solidFill>
+            </a:endParaRPr>
+          </a:p>
+          <a:p>
+            <a:pPr marL="800100" lvl="1" indent="-342900">
+              <a:buFont typeface="Arial" panose="020B0604020202020204" pitchFamily="34" charset="0"/>
+              <a:buChar char="•"/>
+              <a:defRPr/>
+            </a:pPr>
+            <a:r>
+              <a:rPr lang="en-US" dirty="0">
+                <a:solidFill>
+                  <a:srgbClr val="404040"/>
+                </a:solidFill>
+              </a:rPr>
+              <a:t>Why do You Think These Differences Exist?</a:t>
+            </a:r>
+          </a:p>
+          <a:p>
+            <a:pPr marL="800100" lvl="1" indent="-342900">
+              <a:buFont typeface="Arial" panose="020B0604020202020204" pitchFamily="34" charset="0"/>
+              <a:buChar char="•"/>
+              <a:defRPr/>
+            </a:pPr>
+            <a:endParaRPr lang="en-US" dirty="0">
+              <a:solidFill>
+                <a:srgbClr val="404040"/>
+              </a:solidFill>
+            </a:endParaRPr>
+          </a:p>
+          <a:p>
+            <a:pPr marL="800100" lvl="1" indent="-342900">
+              <a:buFont typeface="Arial" panose="020B0604020202020204" pitchFamily="34" charset="0"/>
+              <a:buChar char="•"/>
+              <a:defRPr/>
+            </a:pPr>
+            <a:r>
+              <a:rPr lang="en-US" dirty="0">
+                <a:solidFill>
+                  <a:srgbClr val="404040"/>
+                </a:solidFill>
+              </a:rPr>
+              <a:t>How do You Suggest We Handle the Differences?</a:t>
+            </a:r>
+          </a:p>
+        </p:txBody>
+      </p:sp>
+    </p:spTree>
+    <p:custDataLst>
+      <p:tags r:id="rId1"/>
+    </p:custDataLst>
+    <p:extLst>
+      <p:ext uri="{BB962C8B-B14F-4D97-AF65-F5344CB8AC3E}">
+        <p14:creationId xmlns:p14="http://schemas.microsoft.com/office/powerpoint/2010/main" val="986098090"/>
       </p:ext>
     </p:extLst>
   </p:cSld>
@@ -22719,8 +16809,8 @@
         </p:nvSpPr>
         <p:spPr>
           <a:xfrm>
-            <a:off x="3803650" y="643467"/>
-            <a:ext cx="5334000" cy="4154984"/>
+            <a:off x="3810000" y="643467"/>
+            <a:ext cx="5334000" cy="5262979"/>
           </a:xfrm>
           <a:prstGeom prst="rect">
             <a:avLst/>
@@ -22744,11 +16834,11 @@
                   <a:srgbClr val="404040"/>
                 </a:solidFill>
               </a:rPr>
-              <a:t>Chunk 2 Discussion</a:t>
-            </a:r>
-          </a:p>
-          <a:p>
-            <a:pPr marL="800100" lvl="1" indent="-342900">
+              <a:t>Chunk 3</a:t>
+            </a:r>
+          </a:p>
+          <a:p>
+            <a:pPr marL="342900" indent="-342900">
               <a:buFont typeface="Arial" panose="020B0604020202020204" pitchFamily="34" charset="0"/>
               <a:buChar char="•"/>
               <a:defRPr/>
@@ -22771,13 +16861,11 @@
                   <a:srgbClr val="404040"/>
                 </a:solidFill>
               </a:rPr>
-              <a:t>What are the Differences in the Relationship Between W and A for the Various Locations?</a:t>
-            </a:r>
-          </a:p>
-          <a:p>
-            <a:pPr marL="800100" lvl="1" indent="-342900">
-              <a:buFont typeface="Arial" panose="020B0604020202020204" pitchFamily="34" charset="0"/>
-              <a:buChar char="•"/>
+              <a:t>Randomly Samples 3 Locations</a:t>
+            </a:r>
+          </a:p>
+          <a:p>
+            <a:pPr lvl="1">
               <a:defRPr/>
             </a:pPr>
             <a:endParaRPr lang="en-US" dirty="0">
@@ -22798,7 +16886,7 @@
                   <a:srgbClr val="404040"/>
                 </a:solidFill>
               </a:rPr>
-              <a:t>Why do You Think These Differences Exist?</a:t>
+              <a:t>Plant Your Seed and Run Code</a:t>
             </a:r>
           </a:p>
           <a:p>
@@ -22825,8 +16913,103 @@
                   <a:srgbClr val="404040"/>
                 </a:solidFill>
               </a:rPr>
-              <a:t>How do You Suggest We Handle the Differences?</a:t>
-            </a:r>
+              <a:t>Usage: </a:t>
+            </a:r>
+          </a:p>
+          <a:p>
+            <a:pPr marL="1257300" lvl="2" indent="-342900">
+              <a:buFont typeface="Arial" panose="020B0604020202020204" pitchFamily="34" charset="0"/>
+              <a:buChar char="•"/>
+              <a:defRPr/>
+            </a:pPr>
+            <a:r>
+              <a:rPr lang="en-US" dirty="0" err="1">
+                <a:solidFill>
+                  <a:srgbClr val="404040"/>
+                </a:solidFill>
+              </a:rPr>
+              <a:t>anti_join</a:t>
+            </a:r>
+            <a:r>
+              <a:rPr lang="en-US" dirty="0">
+                <a:solidFill>
+                  <a:srgbClr val="404040"/>
+                </a:solidFill>
+              </a:rPr>
+              <a:t>()</a:t>
+            </a:r>
+          </a:p>
+          <a:p>
+            <a:pPr marL="1257300" lvl="2" indent="-342900">
+              <a:buFont typeface="Arial" panose="020B0604020202020204" pitchFamily="34" charset="0"/>
+              <a:buChar char="•"/>
+              <a:defRPr/>
+            </a:pPr>
+            <a:r>
+              <a:rPr lang="en-US" dirty="0" err="1">
+                <a:solidFill>
+                  <a:srgbClr val="404040"/>
+                </a:solidFill>
+              </a:rPr>
+              <a:t>semi_join</a:t>
+            </a:r>
+            <a:r>
+              <a:rPr lang="en-US" dirty="0">
+                <a:solidFill>
+                  <a:srgbClr val="404040"/>
+                </a:solidFill>
+              </a:rPr>
+              <a:t>()</a:t>
+            </a:r>
+          </a:p>
+          <a:p>
+            <a:pPr marL="800100" lvl="1" indent="-342900">
+              <a:buFont typeface="Arial" panose="020B0604020202020204" pitchFamily="34" charset="0"/>
+              <a:buChar char="•"/>
+              <a:defRPr/>
+            </a:pPr>
+            <a:endParaRPr lang="en-US" dirty="0">
+              <a:solidFill>
+                <a:srgbClr val="404040"/>
+              </a:solidFill>
+            </a:endParaRPr>
+          </a:p>
+          <a:p>
+            <a:pPr marL="800100" lvl="1" indent="-342900">
+              <a:buFont typeface="Arial" panose="020B0604020202020204" pitchFamily="34" charset="0"/>
+              <a:buChar char="•"/>
+              <a:defRPr/>
+            </a:pPr>
+            <a:r>
+              <a:rPr lang="en-US" dirty="0">
+                <a:solidFill>
+                  <a:srgbClr val="404040"/>
+                </a:solidFill>
+              </a:rPr>
+              <a:t>Why Don’t We Handpick the Three Locations?</a:t>
+            </a:r>
+          </a:p>
+          <a:p>
+            <a:pPr lvl="1">
+              <a:defRPr/>
+            </a:pPr>
+            <a:endParaRPr lang="en-US" dirty="0">
+              <a:solidFill>
+                <a:srgbClr val="404040"/>
+              </a:solidFill>
+            </a:endParaRPr>
+          </a:p>
+          <a:p>
+            <a:pPr marL="800100" lvl="1" indent="-342900">
+              <a:buFont typeface="Arial" panose="020B0604020202020204" pitchFamily="34" charset="0"/>
+              <a:buChar char="•"/>
+              <a:defRPr/>
+            </a:pPr>
+            <a:endParaRPr lang="en-US" dirty="0">
+              <a:solidFill>
+                <a:srgbClr val="404040"/>
+              </a:solidFill>
+            </a:endParaRPr>
           </a:p>
         </p:txBody>
       </p:sp>
@@ -22836,7 +17019,7 @@
     </p:custDataLst>
     <p:extLst>
       <p:ext uri="{BB962C8B-B14F-4D97-AF65-F5344CB8AC3E}">
-        <p14:creationId xmlns:p14="http://schemas.microsoft.com/office/powerpoint/2010/main" val="986098090"/>
+        <p14:creationId xmlns:p14="http://schemas.microsoft.com/office/powerpoint/2010/main" val="4054747657"/>
       </p:ext>
     </p:extLst>
   </p:cSld>
@@ -22992,91 +17175,13 @@
 </p:tagLst>
 </file>
 
-<file path=ppt/tags/tag19.xml><?xml version="1.0" encoding="utf-8"?>
-<p:tagLst xmlns:a="http://schemas.openxmlformats.org/drawingml/2006/main" xmlns:r="http://schemas.openxmlformats.org/officeDocument/2006/relationships" xmlns:p="http://schemas.openxmlformats.org/presentationml/2006/main">
-  <p:tag name="DELIMITERS" val="3.1"/>
-</p:tagLst>
-</file>
-
 <file path=ppt/tags/tag2.xml><?xml version="1.0" encoding="utf-8"?>
 <p:tagLst xmlns:a="http://schemas.openxmlformats.org/drawingml/2006/main" xmlns:r="http://schemas.openxmlformats.org/officeDocument/2006/relationships" xmlns:p="http://schemas.openxmlformats.org/presentationml/2006/main">
   <p:tag name="DELIMITERS" val="3.1"/>
 </p:tagLst>
 </file>
 
-<file path=ppt/tags/tag20.xml><?xml version="1.0" encoding="utf-8"?>
-<p:tagLst xmlns:a="http://schemas.openxmlformats.org/drawingml/2006/main" xmlns:r="http://schemas.openxmlformats.org/officeDocument/2006/relationships" xmlns:p="http://schemas.openxmlformats.org/presentationml/2006/main">
-  <p:tag name="DELIMITERS" val="3.1"/>
-</p:tagLst>
-</file>
-
-<file path=ppt/tags/tag21.xml><?xml version="1.0" encoding="utf-8"?>
-<p:tagLst xmlns:a="http://schemas.openxmlformats.org/drawingml/2006/main" xmlns:r="http://schemas.openxmlformats.org/officeDocument/2006/relationships" xmlns:p="http://schemas.openxmlformats.org/presentationml/2006/main">
-  <p:tag name="DELIMITERS" val="3.1"/>
-</p:tagLst>
-</file>
-
-<file path=ppt/tags/tag22.xml><?xml version="1.0" encoding="utf-8"?>
-<p:tagLst xmlns:a="http://schemas.openxmlformats.org/drawingml/2006/main" xmlns:r="http://schemas.openxmlformats.org/officeDocument/2006/relationships" xmlns:p="http://schemas.openxmlformats.org/presentationml/2006/main">
-  <p:tag name="DELIMITERS" val="3.1"/>
-</p:tagLst>
-</file>
-
-<file path=ppt/tags/tag23.xml><?xml version="1.0" encoding="utf-8"?>
-<p:tagLst xmlns:a="http://schemas.openxmlformats.org/drawingml/2006/main" xmlns:r="http://schemas.openxmlformats.org/officeDocument/2006/relationships" xmlns:p="http://schemas.openxmlformats.org/presentationml/2006/main">
-  <p:tag name="DELIMITERS" val="3.1"/>
-</p:tagLst>
-</file>
-
-<file path=ppt/tags/tag24.xml><?xml version="1.0" encoding="utf-8"?>
-<p:tagLst xmlns:a="http://schemas.openxmlformats.org/drawingml/2006/main" xmlns:r="http://schemas.openxmlformats.org/officeDocument/2006/relationships" xmlns:p="http://schemas.openxmlformats.org/presentationml/2006/main">
-  <p:tag name="DELIMITERS" val="3.1"/>
-</p:tagLst>
-</file>
-
-<file path=ppt/tags/tag25.xml><?xml version="1.0" encoding="utf-8"?>
-<p:tagLst xmlns:a="http://schemas.openxmlformats.org/drawingml/2006/main" xmlns:r="http://schemas.openxmlformats.org/officeDocument/2006/relationships" xmlns:p="http://schemas.openxmlformats.org/presentationml/2006/main">
-  <p:tag name="DELIMITERS" val="3.1"/>
-</p:tagLst>
-</file>
-
-<file path=ppt/tags/tag26.xml><?xml version="1.0" encoding="utf-8"?>
-<p:tagLst xmlns:a="http://schemas.openxmlformats.org/drawingml/2006/main" xmlns:r="http://schemas.openxmlformats.org/officeDocument/2006/relationships" xmlns:p="http://schemas.openxmlformats.org/presentationml/2006/main">
-  <p:tag name="DELIMITERS" val="3.1"/>
-</p:tagLst>
-</file>
-
-<file path=ppt/tags/tag27.xml><?xml version="1.0" encoding="utf-8"?>
-<p:tagLst xmlns:a="http://schemas.openxmlformats.org/drawingml/2006/main" xmlns:r="http://schemas.openxmlformats.org/officeDocument/2006/relationships" xmlns:p="http://schemas.openxmlformats.org/presentationml/2006/main">
-  <p:tag name="DELIMITERS" val="3.1"/>
-</p:tagLst>
-</file>
-
-<file path=ppt/tags/tag28.xml><?xml version="1.0" encoding="utf-8"?>
-<p:tagLst xmlns:a="http://schemas.openxmlformats.org/drawingml/2006/main" xmlns:r="http://schemas.openxmlformats.org/officeDocument/2006/relationships" xmlns:p="http://schemas.openxmlformats.org/presentationml/2006/main">
-  <p:tag name="DELIMITERS" val="3.1"/>
-</p:tagLst>
-</file>
-
-<file path=ppt/tags/tag29.xml><?xml version="1.0" encoding="utf-8"?>
-<p:tagLst xmlns:a="http://schemas.openxmlformats.org/drawingml/2006/main" xmlns:r="http://schemas.openxmlformats.org/officeDocument/2006/relationships" xmlns:p="http://schemas.openxmlformats.org/presentationml/2006/main">
-  <p:tag name="DELIMITERS" val="3.1"/>
-</p:tagLst>
-</file>
-
 <file path=ppt/tags/tag3.xml><?xml version="1.0" encoding="utf-8"?>
-<p:tagLst xmlns:a="http://schemas.openxmlformats.org/drawingml/2006/main" xmlns:r="http://schemas.openxmlformats.org/officeDocument/2006/relationships" xmlns:p="http://schemas.openxmlformats.org/presentationml/2006/main">
-  <p:tag name="DELIMITERS" val="3.1"/>
-</p:tagLst>
-</file>
-
-<file path=ppt/tags/tag30.xml><?xml version="1.0" encoding="utf-8"?>
-<p:tagLst xmlns:a="http://schemas.openxmlformats.org/drawingml/2006/main" xmlns:r="http://schemas.openxmlformats.org/officeDocument/2006/relationships" xmlns:p="http://schemas.openxmlformats.org/presentationml/2006/main">
-  <p:tag name="DELIMITERS" val="3.1"/>
-</p:tagLst>
-</file>
-
-<file path=ppt/tags/tag31.xml><?xml version="1.0" encoding="utf-8"?>
 <p:tagLst xmlns:a="http://schemas.openxmlformats.org/drawingml/2006/main" xmlns:r="http://schemas.openxmlformats.org/officeDocument/2006/relationships" xmlns:p="http://schemas.openxmlformats.org/presentationml/2006/main">
   <p:tag name="DELIMITERS" val="3.1"/>
 </p:tagLst>
